--- a/House_Layout_PPT.pptx
+++ b/House_Layout_PPT.pptx
@@ -310,6 +310,11 @@
       </a:defRPr>
     </a:lvl9pPr>
   </p:defaultTextStyle>
+  <p:extLst>
+    <p:ext uri="{EFAFB233-063F-42B5-8137-9DF3F51BA10A}">
+      <p15:sldGuideLst xmlns:p15="http://schemas.microsoft.com/office/powerpoint/2012/main"/>
+    </p:ext>
+  </p:extLst>
 </p:presentation>
 </file>
 
@@ -2725,7 +2730,7 @@
           </a:ln>
           <a:extLst>
             <a:ext uri="{C572A759-6A51-4108-AA02-DFA0A04FC94B}">
-              <ma14:wrappingTextBoxFlag xmlns:ma14="http://schemas.microsoft.com/office/mac/drawingml/2011/main" xmlns:a14="http://schemas.microsoft.com/office/drawing/2010/main" xmlns:m="http://schemas.openxmlformats.org/officeDocument/2006/math" xmlns="" val="1"/>
+              <ma14:wrappingTextBoxFlag xmlns="" xmlns:m="http://schemas.openxmlformats.org/officeDocument/2006/math" xmlns:a14="http://schemas.microsoft.com/office/drawing/2010/main" xmlns:ma14="http://schemas.microsoft.com/office/mac/drawingml/2011/main" val="1"/>
             </a:ext>
           </a:extLst>
         </p:spPr>
@@ -2764,7 +2769,7 @@
           </a:ln>
           <a:extLst>
             <a:ext uri="{C572A759-6A51-4108-AA02-DFA0A04FC94B}">
-              <ma14:wrappingTextBoxFlag xmlns:ma14="http://schemas.microsoft.com/office/mac/drawingml/2011/main" xmlns:a14="http://schemas.microsoft.com/office/drawing/2010/main" xmlns:m="http://schemas.openxmlformats.org/officeDocument/2006/math" xmlns="" val="1"/>
+              <ma14:wrappingTextBoxFlag xmlns="" xmlns:m="http://schemas.openxmlformats.org/officeDocument/2006/math" xmlns:a14="http://schemas.microsoft.com/office/drawing/2010/main" xmlns:ma14="http://schemas.microsoft.com/office/mac/drawingml/2011/main" val="1"/>
             </a:ext>
           </a:extLst>
         </p:spPr>
@@ -3611,7 +3616,7 @@
           </a:ln>
           <a:extLst>
             <a:ext uri="{C572A759-6A51-4108-AA02-DFA0A04FC94B}">
-              <ma14:wrappingTextBoxFlag xmlns:ma14="http://schemas.microsoft.com/office/mac/drawingml/2011/main" xmlns:a14="http://schemas.microsoft.com/office/drawing/2010/main" xmlns:m="http://schemas.openxmlformats.org/officeDocument/2006/math" xmlns="" val="1"/>
+              <ma14:wrappingTextBoxFlag xmlns="" xmlns:m="http://schemas.openxmlformats.org/officeDocument/2006/math" xmlns:a14="http://schemas.microsoft.com/office/drawing/2010/main" xmlns:ma14="http://schemas.microsoft.com/office/mac/drawingml/2011/main" val="1"/>
             </a:ext>
           </a:extLst>
         </p:spPr>
@@ -3659,7 +3664,7 @@
           </a:ln>
           <a:extLst>
             <a:ext uri="{C572A759-6A51-4108-AA02-DFA0A04FC94B}">
-              <ma14:wrappingTextBoxFlag xmlns:ma14="http://schemas.microsoft.com/office/mac/drawingml/2011/main" xmlns:a14="http://schemas.microsoft.com/office/drawing/2010/main" xmlns:m="http://schemas.openxmlformats.org/officeDocument/2006/math" xmlns="" val="1"/>
+              <ma14:wrappingTextBoxFlag xmlns="" xmlns:m="http://schemas.openxmlformats.org/officeDocument/2006/math" xmlns:a14="http://schemas.microsoft.com/office/drawing/2010/main" xmlns:ma14="http://schemas.microsoft.com/office/mac/drawingml/2011/main" val="1"/>
             </a:ext>
           </a:extLst>
         </p:spPr>
@@ -3707,7 +3712,7 @@
           </a:ln>
           <a:extLst>
             <a:ext uri="{C572A759-6A51-4108-AA02-DFA0A04FC94B}">
-              <ma14:wrappingTextBoxFlag xmlns:ma14="http://schemas.microsoft.com/office/mac/drawingml/2011/main" xmlns:a14="http://schemas.microsoft.com/office/drawing/2010/main" xmlns:m="http://schemas.openxmlformats.org/officeDocument/2006/math" xmlns="" val="1"/>
+              <ma14:wrappingTextBoxFlag xmlns="" xmlns:m="http://schemas.openxmlformats.org/officeDocument/2006/math" xmlns:a14="http://schemas.microsoft.com/office/drawing/2010/main" xmlns:ma14="http://schemas.microsoft.com/office/mac/drawingml/2011/main" val="1"/>
             </a:ext>
           </a:extLst>
         </p:spPr>
@@ -3755,7 +3760,7 @@
           </a:ln>
           <a:extLst>
             <a:ext uri="{C572A759-6A51-4108-AA02-DFA0A04FC94B}">
-              <ma14:wrappingTextBoxFlag xmlns:ma14="http://schemas.microsoft.com/office/mac/drawingml/2011/main" xmlns:a14="http://schemas.microsoft.com/office/drawing/2010/main" xmlns:m="http://schemas.openxmlformats.org/officeDocument/2006/math" xmlns="" val="1"/>
+              <ma14:wrappingTextBoxFlag xmlns="" xmlns:m="http://schemas.openxmlformats.org/officeDocument/2006/math" xmlns:a14="http://schemas.microsoft.com/office/drawing/2010/main" xmlns:ma14="http://schemas.microsoft.com/office/mac/drawingml/2011/main" val="1"/>
             </a:ext>
           </a:extLst>
         </p:spPr>
@@ -3803,7 +3808,7 @@
           </a:ln>
           <a:extLst>
             <a:ext uri="{C572A759-6A51-4108-AA02-DFA0A04FC94B}">
-              <ma14:wrappingTextBoxFlag xmlns:ma14="http://schemas.microsoft.com/office/mac/drawingml/2011/main" xmlns:a14="http://schemas.microsoft.com/office/drawing/2010/main" xmlns:m="http://schemas.openxmlformats.org/officeDocument/2006/math" xmlns="" val="1"/>
+              <ma14:wrappingTextBoxFlag xmlns="" xmlns:m="http://schemas.openxmlformats.org/officeDocument/2006/math" xmlns:a14="http://schemas.microsoft.com/office/drawing/2010/main" xmlns:ma14="http://schemas.microsoft.com/office/mac/drawingml/2011/main" val="1"/>
             </a:ext>
           </a:extLst>
         </p:spPr>
@@ -3851,7 +3856,7 @@
           </a:ln>
           <a:extLst>
             <a:ext uri="{C572A759-6A51-4108-AA02-DFA0A04FC94B}">
-              <ma14:wrappingTextBoxFlag xmlns:ma14="http://schemas.microsoft.com/office/mac/drawingml/2011/main" xmlns:a14="http://schemas.microsoft.com/office/drawing/2010/main" xmlns:m="http://schemas.openxmlformats.org/officeDocument/2006/math" xmlns="" val="1"/>
+              <ma14:wrappingTextBoxFlag xmlns="" xmlns:m="http://schemas.openxmlformats.org/officeDocument/2006/math" xmlns:a14="http://schemas.microsoft.com/office/drawing/2010/main" xmlns:ma14="http://schemas.microsoft.com/office/mac/drawingml/2011/main" val="1"/>
             </a:ext>
           </a:extLst>
         </p:spPr>
@@ -3908,7 +3913,7 @@
           </a:ln>
           <a:extLst>
             <a:ext uri="{C572A759-6A51-4108-AA02-DFA0A04FC94B}">
-              <ma14:wrappingTextBoxFlag xmlns:ma14="http://schemas.microsoft.com/office/mac/drawingml/2011/main" xmlns:a14="http://schemas.microsoft.com/office/drawing/2010/main" xmlns:m="http://schemas.openxmlformats.org/officeDocument/2006/math" xmlns="" val="1"/>
+              <ma14:wrappingTextBoxFlag xmlns="" xmlns:m="http://schemas.openxmlformats.org/officeDocument/2006/math" xmlns:a14="http://schemas.microsoft.com/office/drawing/2010/main" xmlns:ma14="http://schemas.microsoft.com/office/mac/drawingml/2011/main" val="1"/>
             </a:ext>
           </a:extLst>
         </p:spPr>
@@ -3956,7 +3961,7 @@
           </a:ln>
           <a:extLst>
             <a:ext uri="{C572A759-6A51-4108-AA02-DFA0A04FC94B}">
-              <ma14:wrappingTextBoxFlag xmlns:ma14="http://schemas.microsoft.com/office/mac/drawingml/2011/main" xmlns:a14="http://schemas.microsoft.com/office/drawing/2010/main" xmlns:m="http://schemas.openxmlformats.org/officeDocument/2006/math" xmlns="" val="1"/>
+              <ma14:wrappingTextBoxFlag xmlns="" xmlns:m="http://schemas.openxmlformats.org/officeDocument/2006/math" xmlns:a14="http://schemas.microsoft.com/office/drawing/2010/main" xmlns:ma14="http://schemas.microsoft.com/office/mac/drawingml/2011/main" val="1"/>
             </a:ext>
           </a:extLst>
         </p:spPr>
@@ -4004,7 +4009,7 @@
           </a:ln>
           <a:extLst>
             <a:ext uri="{C572A759-6A51-4108-AA02-DFA0A04FC94B}">
-              <ma14:wrappingTextBoxFlag xmlns:ma14="http://schemas.microsoft.com/office/mac/drawingml/2011/main" xmlns:a14="http://schemas.microsoft.com/office/drawing/2010/main" xmlns:m="http://schemas.openxmlformats.org/officeDocument/2006/math" xmlns="" val="1"/>
+              <ma14:wrappingTextBoxFlag xmlns="" xmlns:m="http://schemas.openxmlformats.org/officeDocument/2006/math" xmlns:a14="http://schemas.microsoft.com/office/drawing/2010/main" xmlns:ma14="http://schemas.microsoft.com/office/mac/drawingml/2011/main" val="1"/>
             </a:ext>
           </a:extLst>
         </p:spPr>
@@ -4053,7 +4058,7 @@
           </a:ln>
           <a:extLst>
             <a:ext uri="{C572A759-6A51-4108-AA02-DFA0A04FC94B}">
-              <ma14:wrappingTextBoxFlag xmlns:ma14="http://schemas.microsoft.com/office/mac/drawingml/2011/main" xmlns:a14="http://schemas.microsoft.com/office/drawing/2010/main" xmlns:m="http://schemas.openxmlformats.org/officeDocument/2006/math" xmlns="" val="1"/>
+              <ma14:wrappingTextBoxFlag xmlns="" xmlns:m="http://schemas.openxmlformats.org/officeDocument/2006/math" xmlns:a14="http://schemas.microsoft.com/office/drawing/2010/main" xmlns:ma14="http://schemas.microsoft.com/office/mac/drawingml/2011/main" val="1"/>
             </a:ext>
           </a:extLst>
         </p:spPr>
@@ -4178,7 +4183,7 @@
           </a:ln>
           <a:extLst>
             <a:ext uri="{C572A759-6A51-4108-AA02-DFA0A04FC94B}">
-              <ma14:wrappingTextBoxFlag xmlns:ma14="http://schemas.microsoft.com/office/mac/drawingml/2011/main" xmlns:a14="http://schemas.microsoft.com/office/drawing/2010/main" xmlns:m="http://schemas.openxmlformats.org/officeDocument/2006/math" xmlns="" val="1"/>
+              <ma14:wrappingTextBoxFlag xmlns="" xmlns:m="http://schemas.openxmlformats.org/officeDocument/2006/math" xmlns:a14="http://schemas.microsoft.com/office/drawing/2010/main" xmlns:ma14="http://schemas.microsoft.com/office/mac/drawingml/2011/main" val="1"/>
             </a:ext>
           </a:extLst>
         </p:spPr>
@@ -4202,606 +4207,6 @@
               <a:rPr dirty="0"/>
               <a:t>Yard</a:t>
             </a:r>
-          </a:p>
-        </p:txBody>
-      </p:sp>
-      <p:sp>
-        <p:nvSpPr>
-          <p:cNvPr id="7" name="Ellipse 6">
-            <a:extLst>
-              <a:ext uri="{FF2B5EF4-FFF2-40B4-BE49-F238E27FC236}">
-                <a16:creationId xmlns:a16="http://schemas.microsoft.com/office/drawing/2014/main" id="{66E28ACE-D53B-44CC-85B8-F74E1FA6B4A0}"/>
-              </a:ext>
-            </a:extLst>
-          </p:cNvPr>
-          <p:cNvSpPr/>
-          <p:nvPr/>
-        </p:nvSpPr>
-        <p:spPr>
-          <a:xfrm>
-            <a:off x="5551428" y="4257612"/>
-            <a:ext cx="1080000" cy="1080000"/>
-          </a:xfrm>
-          <a:prstGeom prst="ellipse">
-            <a:avLst/>
-          </a:prstGeom>
-          <a:solidFill>
-            <a:schemeClr val="accent5"/>
-          </a:solidFill>
-          <a:ln w="12700" cap="flat">
-            <a:noFill/>
-            <a:miter lim="400000"/>
-          </a:ln>
-          <a:effectLst/>
-          <a:sp3d/>
-        </p:spPr>
-        <p:style>
-          <a:lnRef idx="0">
-            <a:scrgbClr r="0" g="0" b="0"/>
-          </a:lnRef>
-          <a:fillRef idx="0">
-            <a:scrgbClr r="0" g="0" b="0"/>
-          </a:fillRef>
-          <a:effectRef idx="0">
-            <a:scrgbClr r="0" g="0" b="0"/>
-          </a:effectRef>
-          <a:fontRef idx="none"/>
-        </p:style>
-        <p:txBody>
-          <a:bodyPr rot="0" spcFirstLastPara="1" vertOverflow="overflow" horzOverflow="overflow" vert="horz" wrap="square" lIns="50800" tIns="50800" rIns="50800" bIns="50800" numCol="1" spcCol="38100" rtlCol="0" anchor="ctr">
-            <a:spAutoFit/>
-          </a:bodyPr>
-          <a:lstStyle/>
-          <a:p>
-            <a:pPr marL="0" marR="0" indent="0" algn="ctr" defTabSz="825500" rtl="0" fontAlgn="auto" latinLnBrk="0" hangingPunct="0">
-              <a:lnSpc>
-                <a:spcPct val="100000"/>
-              </a:lnSpc>
-              <a:spcBef>
-                <a:spcPts val="0"/>
-              </a:spcBef>
-              <a:spcAft>
-                <a:spcPts val="0"/>
-              </a:spcAft>
-              <a:buClrTx/>
-              <a:buSzTx/>
-              <a:buFontTx/>
-              <a:buNone/>
-              <a:tabLst/>
-            </a:pPr>
-            <a:endParaRPr kumimoji="0" lang="en-DE" sz="3200" b="0" i="0" u="none" strike="noStrike" cap="none" spc="0" normalizeH="0" baseline="0" dirty="0">
-              <a:ln>
-                <a:noFill/>
-              </a:ln>
-              <a:solidFill>
-                <a:srgbClr val="FFFFFF"/>
-              </a:solidFill>
-              <a:effectLst/>
-              <a:uFillTx/>
-              <a:latin typeface="Helvetica Neue Medium"/>
-              <a:ea typeface="Helvetica Neue Medium"/>
-              <a:cs typeface="Helvetica Neue Medium"/>
-              <a:sym typeface="Helvetica Neue Medium"/>
-            </a:endParaRPr>
-          </a:p>
-        </p:txBody>
-      </p:sp>
-      <p:sp>
-        <p:nvSpPr>
-          <p:cNvPr id="8" name="Ellipse 7">
-            <a:extLst>
-              <a:ext uri="{FF2B5EF4-FFF2-40B4-BE49-F238E27FC236}">
-                <a16:creationId xmlns:a16="http://schemas.microsoft.com/office/drawing/2014/main" id="{ADA53257-D038-49C7-9CEB-BBD3E9B17F85}"/>
-              </a:ext>
-            </a:extLst>
-          </p:cNvPr>
-          <p:cNvSpPr/>
-          <p:nvPr/>
-        </p:nvSpPr>
-        <p:spPr>
-          <a:xfrm>
-            <a:off x="6806039" y="4257612"/>
-            <a:ext cx="1058400" cy="1058400"/>
-          </a:xfrm>
-          <a:prstGeom prst="ellipse">
-            <a:avLst/>
-          </a:prstGeom>
-          <a:solidFill>
-            <a:schemeClr val="accent1">
-              <a:lumMod val="60000"/>
-              <a:lumOff val="40000"/>
-            </a:schemeClr>
-          </a:solidFill>
-          <a:ln w="12700" cap="flat">
-            <a:noFill/>
-            <a:miter lim="400000"/>
-          </a:ln>
-          <a:effectLst/>
-          <a:sp3d/>
-        </p:spPr>
-        <p:style>
-          <a:lnRef idx="0">
-            <a:scrgbClr r="0" g="0" b="0"/>
-          </a:lnRef>
-          <a:fillRef idx="0">
-            <a:scrgbClr r="0" g="0" b="0"/>
-          </a:fillRef>
-          <a:effectRef idx="0">
-            <a:scrgbClr r="0" g="0" b="0"/>
-          </a:effectRef>
-          <a:fontRef idx="none"/>
-        </p:style>
-        <p:txBody>
-          <a:bodyPr rot="0" spcFirstLastPara="1" vertOverflow="overflow" horzOverflow="overflow" vert="horz" wrap="square" lIns="50800" tIns="50800" rIns="50800" bIns="50800" numCol="1" spcCol="38100" rtlCol="0" anchor="ctr">
-            <a:spAutoFit/>
-          </a:bodyPr>
-          <a:lstStyle/>
-          <a:p>
-            <a:pPr marL="0" marR="0" indent="0" algn="ctr" defTabSz="825500" rtl="0" fontAlgn="auto" latinLnBrk="0" hangingPunct="0">
-              <a:lnSpc>
-                <a:spcPct val="100000"/>
-              </a:lnSpc>
-              <a:spcBef>
-                <a:spcPts val="0"/>
-              </a:spcBef>
-              <a:spcAft>
-                <a:spcPts val="0"/>
-              </a:spcAft>
-              <a:buClrTx/>
-              <a:buSzTx/>
-              <a:buFontTx/>
-              <a:buNone/>
-              <a:tabLst/>
-            </a:pPr>
-            <a:endParaRPr kumimoji="0" lang="en-DE" sz="3200" b="0" i="0" u="none" strike="noStrike" cap="none" spc="0" normalizeH="0" baseline="0">
-              <a:ln>
-                <a:noFill/>
-              </a:ln>
-              <a:solidFill>
-                <a:srgbClr val="FFFFFF"/>
-              </a:solidFill>
-              <a:effectLst/>
-              <a:uFillTx/>
-              <a:latin typeface="Helvetica Neue Medium"/>
-              <a:ea typeface="Helvetica Neue Medium"/>
-              <a:cs typeface="Helvetica Neue Medium"/>
-              <a:sym typeface="Helvetica Neue Medium"/>
-            </a:endParaRPr>
-          </a:p>
-        </p:txBody>
-      </p:sp>
-      <p:sp>
-        <p:nvSpPr>
-          <p:cNvPr id="9" name="Ellipse 8">
-            <a:extLst>
-              <a:ext uri="{FF2B5EF4-FFF2-40B4-BE49-F238E27FC236}">
-                <a16:creationId xmlns:a16="http://schemas.microsoft.com/office/drawing/2014/main" id="{0676A61C-F02A-4262-9203-5AED5E5514A5}"/>
-              </a:ext>
-            </a:extLst>
-          </p:cNvPr>
-          <p:cNvSpPr/>
-          <p:nvPr/>
-        </p:nvSpPr>
-        <p:spPr>
-          <a:xfrm>
-            <a:off x="8039050" y="4326012"/>
-            <a:ext cx="943200" cy="943200"/>
-          </a:xfrm>
-          <a:prstGeom prst="ellipse">
-            <a:avLst/>
-          </a:prstGeom>
-          <a:solidFill>
-            <a:srgbClr val="7030A0"/>
-          </a:solidFill>
-          <a:ln w="12700" cap="flat">
-            <a:noFill/>
-            <a:miter lim="400000"/>
-          </a:ln>
-          <a:effectLst/>
-          <a:sp3d/>
-        </p:spPr>
-        <p:style>
-          <a:lnRef idx="0">
-            <a:scrgbClr r="0" g="0" b="0"/>
-          </a:lnRef>
-          <a:fillRef idx="0">
-            <a:scrgbClr r="0" g="0" b="0"/>
-          </a:fillRef>
-          <a:effectRef idx="0">
-            <a:scrgbClr r="0" g="0" b="0"/>
-          </a:effectRef>
-          <a:fontRef idx="none"/>
-        </p:style>
-        <p:txBody>
-          <a:bodyPr rot="0" spcFirstLastPara="1" vertOverflow="overflow" horzOverflow="overflow" vert="horz" wrap="square" lIns="50800" tIns="50800" rIns="50800" bIns="50800" numCol="1" spcCol="38100" rtlCol="0" anchor="ctr">
-            <a:spAutoFit/>
-          </a:bodyPr>
-          <a:lstStyle/>
-          <a:p>
-            <a:pPr marL="0" marR="0" indent="0" algn="ctr" defTabSz="825500" rtl="0" fontAlgn="auto" latinLnBrk="0" hangingPunct="0">
-              <a:lnSpc>
-                <a:spcPct val="100000"/>
-              </a:lnSpc>
-              <a:spcBef>
-                <a:spcPts val="0"/>
-              </a:spcBef>
-              <a:spcAft>
-                <a:spcPts val="0"/>
-              </a:spcAft>
-              <a:buClrTx/>
-              <a:buSzTx/>
-              <a:buFontTx/>
-              <a:buNone/>
-              <a:tabLst/>
-            </a:pPr>
-            <a:endParaRPr kumimoji="0" lang="en-DE" sz="3200" b="0" i="0" u="none" strike="noStrike" cap="none" spc="0" normalizeH="0" baseline="0">
-              <a:ln>
-                <a:noFill/>
-              </a:ln>
-              <a:solidFill>
-                <a:srgbClr val="FFFFFF"/>
-              </a:solidFill>
-              <a:effectLst/>
-              <a:uFillTx/>
-              <a:latin typeface="Helvetica Neue Medium"/>
-              <a:ea typeface="Helvetica Neue Medium"/>
-              <a:cs typeface="Helvetica Neue Medium"/>
-              <a:sym typeface="Helvetica Neue Medium"/>
-            </a:endParaRPr>
-          </a:p>
-        </p:txBody>
-      </p:sp>
-      <p:sp>
-        <p:nvSpPr>
-          <p:cNvPr id="10" name="Textfeld 9">
-            <a:extLst>
-              <a:ext uri="{FF2B5EF4-FFF2-40B4-BE49-F238E27FC236}">
-                <a16:creationId xmlns:a16="http://schemas.microsoft.com/office/drawing/2014/main" id="{7F87F1C4-F699-4A1A-A8C5-165F4DEA0623}"/>
-              </a:ext>
-            </a:extLst>
-          </p:cNvPr>
-          <p:cNvSpPr txBox="1"/>
-          <p:nvPr/>
-        </p:nvSpPr>
-        <p:spPr>
-          <a:xfrm>
-            <a:off x="5411755" y="3358777"/>
-            <a:ext cx="1219673" cy="841256"/>
-          </a:xfrm>
-          <a:prstGeom prst="rect">
-            <a:avLst/>
-          </a:prstGeom>
-          <a:noFill/>
-          <a:ln w="12700" cap="flat">
-            <a:noFill/>
-            <a:miter lim="400000"/>
-          </a:ln>
-          <a:effectLst/>
-          <a:sp3d/>
-        </p:spPr>
-        <p:style>
-          <a:lnRef idx="0">
-            <a:scrgbClr r="0" g="0" b="0"/>
-          </a:lnRef>
-          <a:fillRef idx="0">
-            <a:scrgbClr r="0" g="0" b="0"/>
-          </a:fillRef>
-          <a:effectRef idx="0">
-            <a:scrgbClr r="0" g="0" b="0"/>
-          </a:effectRef>
-          <a:fontRef idx="none"/>
-        </p:style>
-        <p:txBody>
-          <a:bodyPr rot="0" spcFirstLastPara="1" vertOverflow="overflow" horzOverflow="overflow" vert="horz" wrap="square" lIns="50800" tIns="50800" rIns="50800" bIns="50800" numCol="1" spcCol="38100" rtlCol="0" anchor="ctr">
-            <a:spAutoFit/>
-          </a:bodyPr>
-          <a:lstStyle/>
-          <a:p>
-            <a:pPr marL="0" marR="0" indent="0" algn="ctr" defTabSz="2438338" rtl="0" fontAlgn="auto" latinLnBrk="0" hangingPunct="0">
-              <a:lnSpc>
-                <a:spcPct val="100000"/>
-              </a:lnSpc>
-              <a:spcBef>
-                <a:spcPts val="0"/>
-              </a:spcBef>
-              <a:spcAft>
-                <a:spcPts val="0"/>
-              </a:spcAft>
-              <a:buClrTx/>
-              <a:buSzTx/>
-              <a:buFontTx/>
-              <a:buNone/>
-              <a:tabLst/>
-            </a:pPr>
-            <a:r>
-              <a:rPr kumimoji="0" lang="en-US" sz="2400" b="0" i="0" u="none" strike="noStrike" cap="none" spc="0" normalizeH="0" baseline="0" dirty="0">
-                <a:ln>
-                  <a:noFill/>
-                </a:ln>
-                <a:solidFill>
-                  <a:srgbClr val="5E5E5E"/>
-                </a:solidFill>
-                <a:effectLst/>
-                <a:uFillTx/>
-                <a:latin typeface="+mn-lt"/>
-                <a:ea typeface="+mn-ea"/>
-                <a:cs typeface="+mn-cs"/>
-                <a:sym typeface="Helvetica Neue"/>
-              </a:rPr>
-              <a:t>DACH</a:t>
-            </a:r>
-          </a:p>
-          <a:p>
-            <a:pPr marL="0" marR="0" indent="0" algn="ctr" defTabSz="2438338" rtl="0" fontAlgn="auto" latinLnBrk="0" hangingPunct="0">
-              <a:lnSpc>
-                <a:spcPct val="100000"/>
-              </a:lnSpc>
-              <a:spcBef>
-                <a:spcPts val="0"/>
-              </a:spcBef>
-              <a:spcAft>
-                <a:spcPts val="0"/>
-              </a:spcAft>
-              <a:buClrTx/>
-              <a:buSzTx/>
-              <a:buFontTx/>
-              <a:buNone/>
-              <a:tabLst/>
-            </a:pPr>
-            <a:r>
-              <a:rPr lang="en-US" dirty="0"/>
-              <a:t>15,00%</a:t>
-            </a:r>
-            <a:endParaRPr kumimoji="0" lang="en-DE" sz="2400" b="0" i="0" u="none" strike="noStrike" cap="none" spc="0" normalizeH="0" baseline="0" dirty="0">
-              <a:ln>
-                <a:noFill/>
-              </a:ln>
-              <a:solidFill>
-                <a:srgbClr val="5E5E5E"/>
-              </a:solidFill>
-              <a:effectLst/>
-              <a:uFillTx/>
-              <a:latin typeface="+mn-lt"/>
-              <a:ea typeface="+mn-ea"/>
-              <a:cs typeface="+mn-cs"/>
-              <a:sym typeface="Helvetica Neue"/>
-            </a:endParaRPr>
-          </a:p>
-        </p:txBody>
-      </p:sp>
-      <p:sp>
-        <p:nvSpPr>
-          <p:cNvPr id="11" name="Textfeld 10">
-            <a:extLst>
-              <a:ext uri="{FF2B5EF4-FFF2-40B4-BE49-F238E27FC236}">
-                <a16:creationId xmlns:a16="http://schemas.microsoft.com/office/drawing/2014/main" id="{AAFE19DC-0678-4613-A668-2ECEF4992AC6}"/>
-              </a:ext>
-            </a:extLst>
-          </p:cNvPr>
-          <p:cNvSpPr txBox="1"/>
-          <p:nvPr/>
-        </p:nvSpPr>
-        <p:spPr>
-          <a:xfrm>
-            <a:off x="6707648" y="3321988"/>
-            <a:ext cx="1219673" cy="841256"/>
-          </a:xfrm>
-          <a:prstGeom prst="rect">
-            <a:avLst/>
-          </a:prstGeom>
-          <a:noFill/>
-          <a:ln w="12700" cap="flat">
-            <a:noFill/>
-            <a:miter lim="400000"/>
-          </a:ln>
-          <a:effectLst/>
-          <a:sp3d/>
-        </p:spPr>
-        <p:style>
-          <a:lnRef idx="0">
-            <a:scrgbClr r="0" g="0" b="0"/>
-          </a:lnRef>
-          <a:fillRef idx="0">
-            <a:scrgbClr r="0" g="0" b="0"/>
-          </a:fillRef>
-          <a:effectRef idx="0">
-            <a:scrgbClr r="0" g="0" b="0"/>
-          </a:effectRef>
-          <a:fontRef idx="none"/>
-        </p:style>
-        <p:txBody>
-          <a:bodyPr rot="0" spcFirstLastPara="1" vertOverflow="overflow" horzOverflow="overflow" vert="horz" wrap="square" lIns="50800" tIns="50800" rIns="50800" bIns="50800" numCol="1" spcCol="38100" rtlCol="0" anchor="ctr">
-            <a:spAutoFit/>
-          </a:bodyPr>
-          <a:lstStyle/>
-          <a:p>
-            <a:pPr marL="0" marR="0" indent="0" algn="ctr" defTabSz="2438338" rtl="0" fontAlgn="auto" latinLnBrk="0" hangingPunct="0">
-              <a:lnSpc>
-                <a:spcPct val="100000"/>
-              </a:lnSpc>
-              <a:spcBef>
-                <a:spcPts val="0"/>
-              </a:spcBef>
-              <a:spcAft>
-                <a:spcPts val="0"/>
-              </a:spcAft>
-              <a:buClrTx/>
-              <a:buSzTx/>
-              <a:buFontTx/>
-              <a:buNone/>
-              <a:tabLst/>
-            </a:pPr>
-            <a:r>
-              <a:rPr kumimoji="0" lang="en-US" sz="2400" b="0" i="0" u="none" strike="noStrike" cap="none" spc="0" normalizeH="0" baseline="0" dirty="0">
-                <a:ln>
-                  <a:noFill/>
-                </a:ln>
-                <a:solidFill>
-                  <a:srgbClr val="5E5E5E"/>
-                </a:solidFill>
-                <a:effectLst/>
-                <a:uFillTx/>
-                <a:latin typeface="+mn-lt"/>
-                <a:ea typeface="+mn-ea"/>
-                <a:cs typeface="+mn-cs"/>
-                <a:sym typeface="Helvetica Neue"/>
-              </a:rPr>
-              <a:t>UK</a:t>
-            </a:r>
-          </a:p>
-          <a:p>
-            <a:pPr marL="0" marR="0" indent="0" algn="ctr" defTabSz="2438338" rtl="0" fontAlgn="auto" latinLnBrk="0" hangingPunct="0">
-              <a:lnSpc>
-                <a:spcPct val="100000"/>
-              </a:lnSpc>
-              <a:spcBef>
-                <a:spcPts val="0"/>
-              </a:spcBef>
-              <a:spcAft>
-                <a:spcPts val="0"/>
-              </a:spcAft>
-              <a:buClrTx/>
-              <a:buSzTx/>
-              <a:buFontTx/>
-              <a:buNone/>
-              <a:tabLst/>
-            </a:pPr>
-            <a:r>
-              <a:rPr lang="en-US" dirty="0"/>
-              <a:t>14,77%</a:t>
-            </a:r>
-            <a:endParaRPr kumimoji="0" lang="en-DE" sz="2400" b="0" i="0" u="none" strike="noStrike" cap="none" spc="0" normalizeH="0" baseline="0" dirty="0">
-              <a:ln>
-                <a:noFill/>
-              </a:ln>
-              <a:solidFill>
-                <a:srgbClr val="5E5E5E"/>
-              </a:solidFill>
-              <a:effectLst/>
-              <a:uFillTx/>
-              <a:latin typeface="+mn-lt"/>
-              <a:ea typeface="+mn-ea"/>
-              <a:cs typeface="+mn-cs"/>
-              <a:sym typeface="Helvetica Neue"/>
-            </a:endParaRPr>
-          </a:p>
-        </p:txBody>
-      </p:sp>
-      <p:sp>
-        <p:nvSpPr>
-          <p:cNvPr id="12" name="Textfeld 11">
-            <a:extLst>
-              <a:ext uri="{FF2B5EF4-FFF2-40B4-BE49-F238E27FC236}">
-                <a16:creationId xmlns:a16="http://schemas.microsoft.com/office/drawing/2014/main" id="{9FCA2DC9-CEAC-42FD-A505-6DB7CBAD4A17}"/>
-              </a:ext>
-            </a:extLst>
-          </p:cNvPr>
-          <p:cNvSpPr txBox="1"/>
-          <p:nvPr/>
-        </p:nvSpPr>
-        <p:spPr>
-          <a:xfrm>
-            <a:off x="7927321" y="3305722"/>
-            <a:ext cx="1219673" cy="841256"/>
-          </a:xfrm>
-          <a:prstGeom prst="rect">
-            <a:avLst/>
-          </a:prstGeom>
-          <a:noFill/>
-          <a:ln w="12700" cap="flat">
-            <a:noFill/>
-            <a:miter lim="400000"/>
-          </a:ln>
-          <a:effectLst/>
-          <a:sp3d/>
-        </p:spPr>
-        <p:style>
-          <a:lnRef idx="0">
-            <a:scrgbClr r="0" g="0" b="0"/>
-          </a:lnRef>
-          <a:fillRef idx="0">
-            <a:scrgbClr r="0" g="0" b="0"/>
-          </a:fillRef>
-          <a:effectRef idx="0">
-            <a:scrgbClr r="0" g="0" b="0"/>
-          </a:effectRef>
-          <a:fontRef idx="none"/>
-        </p:style>
-        <p:txBody>
-          <a:bodyPr rot="0" spcFirstLastPara="1" vertOverflow="overflow" horzOverflow="overflow" vert="horz" wrap="square" lIns="50800" tIns="50800" rIns="50800" bIns="50800" numCol="1" spcCol="38100" rtlCol="0" anchor="ctr">
-            <a:spAutoFit/>
-          </a:bodyPr>
-          <a:lstStyle/>
-          <a:p>
-            <a:pPr marL="0" marR="0" indent="0" algn="ctr" defTabSz="2438338" rtl="0" fontAlgn="auto" latinLnBrk="0" hangingPunct="0">
-              <a:lnSpc>
-                <a:spcPct val="100000"/>
-              </a:lnSpc>
-              <a:spcBef>
-                <a:spcPts val="0"/>
-              </a:spcBef>
-              <a:spcAft>
-                <a:spcPts val="0"/>
-              </a:spcAft>
-              <a:buClrTx/>
-              <a:buSzTx/>
-              <a:buFontTx/>
-              <a:buNone/>
-              <a:tabLst/>
-            </a:pPr>
-            <a:r>
-              <a:rPr kumimoji="0" lang="en-US" sz="2400" b="0" i="0" u="none" strike="noStrike" cap="none" spc="0" normalizeH="0" baseline="0" dirty="0">
-                <a:ln>
-                  <a:noFill/>
-                </a:ln>
-                <a:solidFill>
-                  <a:srgbClr val="5E5E5E"/>
-                </a:solidFill>
-                <a:effectLst/>
-                <a:uFillTx/>
-                <a:latin typeface="+mn-lt"/>
-                <a:ea typeface="+mn-ea"/>
-                <a:cs typeface="+mn-cs"/>
-                <a:sym typeface="Helvetica Neue"/>
-              </a:rPr>
-              <a:t>US</a:t>
-            </a:r>
-          </a:p>
-          <a:p>
-            <a:pPr marL="0" marR="0" indent="0" algn="ctr" defTabSz="2438338" rtl="0" fontAlgn="auto" latinLnBrk="0" hangingPunct="0">
-              <a:lnSpc>
-                <a:spcPct val="100000"/>
-              </a:lnSpc>
-              <a:spcBef>
-                <a:spcPts val="0"/>
-              </a:spcBef>
-              <a:spcAft>
-                <a:spcPts val="0"/>
-              </a:spcAft>
-              <a:buClrTx/>
-              <a:buSzTx/>
-              <a:buFontTx/>
-              <a:buNone/>
-              <a:tabLst/>
-            </a:pPr>
-            <a:r>
-              <a:rPr lang="en-US" dirty="0"/>
-              <a:t>13,18%</a:t>
-            </a:r>
-            <a:endParaRPr kumimoji="0" lang="en-DE" sz="2400" b="0" i="0" u="none" strike="noStrike" cap="none" spc="0" normalizeH="0" baseline="0" dirty="0">
-              <a:ln>
-                <a:noFill/>
-              </a:ln>
-              <a:solidFill>
-                <a:srgbClr val="5E5E5E"/>
-              </a:solidFill>
-              <a:effectLst/>
-              <a:uFillTx/>
-              <a:latin typeface="+mn-lt"/>
-              <a:ea typeface="+mn-ea"/>
-              <a:cs typeface="+mn-cs"/>
-              <a:sym typeface="Helvetica Neue"/>
-            </a:endParaRPr>
           </a:p>
         </p:txBody>
       </p:sp>

--- a/House_Layout_PPT.pptx
+++ b/House_Layout_PPT.pptx
@@ -2730,7 +2730,7 @@
           </a:ln>
           <a:extLst>
             <a:ext uri="{C572A759-6A51-4108-AA02-DFA0A04FC94B}">
-              <ma14:wrappingTextBoxFlag xmlns="" xmlns:m="http://schemas.openxmlformats.org/officeDocument/2006/math" xmlns:a14="http://schemas.microsoft.com/office/drawing/2010/main" xmlns:ma14="http://schemas.microsoft.com/office/mac/drawingml/2011/main" val="1"/>
+              <ma14:wrappingTextBoxFlag xmlns:ma14="http://schemas.microsoft.com/office/mac/drawingml/2011/main" xmlns:a14="http://schemas.microsoft.com/office/drawing/2010/main" xmlns:m="http://schemas.openxmlformats.org/officeDocument/2006/math" xmlns="" val="1"/>
             </a:ext>
           </a:extLst>
         </p:spPr>
@@ -2769,7 +2769,7 @@
           </a:ln>
           <a:extLst>
             <a:ext uri="{C572A759-6A51-4108-AA02-DFA0A04FC94B}">
-              <ma14:wrappingTextBoxFlag xmlns="" xmlns:m="http://schemas.openxmlformats.org/officeDocument/2006/math" xmlns:a14="http://schemas.microsoft.com/office/drawing/2010/main" xmlns:ma14="http://schemas.microsoft.com/office/mac/drawingml/2011/main" val="1"/>
+              <ma14:wrappingTextBoxFlag xmlns:ma14="http://schemas.microsoft.com/office/mac/drawingml/2011/main" xmlns:a14="http://schemas.microsoft.com/office/drawing/2010/main" xmlns:m="http://schemas.openxmlformats.org/officeDocument/2006/math" xmlns="" val="1"/>
             </a:ext>
           </a:extLst>
         </p:spPr>
@@ -3616,7 +3616,7 @@
           </a:ln>
           <a:extLst>
             <a:ext uri="{C572A759-6A51-4108-AA02-DFA0A04FC94B}">
-              <ma14:wrappingTextBoxFlag xmlns="" xmlns:m="http://schemas.openxmlformats.org/officeDocument/2006/math" xmlns:a14="http://schemas.microsoft.com/office/drawing/2010/main" xmlns:ma14="http://schemas.microsoft.com/office/mac/drawingml/2011/main" val="1"/>
+              <ma14:wrappingTextBoxFlag xmlns:ma14="http://schemas.microsoft.com/office/mac/drawingml/2011/main" xmlns:a14="http://schemas.microsoft.com/office/drawing/2010/main" xmlns:m="http://schemas.openxmlformats.org/officeDocument/2006/math" xmlns="" val="1"/>
             </a:ext>
           </a:extLst>
         </p:spPr>
@@ -3664,7 +3664,7 @@
           </a:ln>
           <a:extLst>
             <a:ext uri="{C572A759-6A51-4108-AA02-DFA0A04FC94B}">
-              <ma14:wrappingTextBoxFlag xmlns="" xmlns:m="http://schemas.openxmlformats.org/officeDocument/2006/math" xmlns:a14="http://schemas.microsoft.com/office/drawing/2010/main" xmlns:ma14="http://schemas.microsoft.com/office/mac/drawingml/2011/main" val="1"/>
+              <ma14:wrappingTextBoxFlag xmlns:ma14="http://schemas.microsoft.com/office/mac/drawingml/2011/main" xmlns:a14="http://schemas.microsoft.com/office/drawing/2010/main" xmlns:m="http://schemas.openxmlformats.org/officeDocument/2006/math" xmlns="" val="1"/>
             </a:ext>
           </a:extLst>
         </p:spPr>
@@ -3712,7 +3712,7 @@
           </a:ln>
           <a:extLst>
             <a:ext uri="{C572A759-6A51-4108-AA02-DFA0A04FC94B}">
-              <ma14:wrappingTextBoxFlag xmlns="" xmlns:m="http://schemas.openxmlformats.org/officeDocument/2006/math" xmlns:a14="http://schemas.microsoft.com/office/drawing/2010/main" xmlns:ma14="http://schemas.microsoft.com/office/mac/drawingml/2011/main" val="1"/>
+              <ma14:wrappingTextBoxFlag xmlns:ma14="http://schemas.microsoft.com/office/mac/drawingml/2011/main" xmlns:a14="http://schemas.microsoft.com/office/drawing/2010/main" xmlns:m="http://schemas.openxmlformats.org/officeDocument/2006/math" xmlns="" val="1"/>
             </a:ext>
           </a:extLst>
         </p:spPr>
@@ -3760,7 +3760,7 @@
           </a:ln>
           <a:extLst>
             <a:ext uri="{C572A759-6A51-4108-AA02-DFA0A04FC94B}">
-              <ma14:wrappingTextBoxFlag xmlns="" xmlns:m="http://schemas.openxmlformats.org/officeDocument/2006/math" xmlns:a14="http://schemas.microsoft.com/office/drawing/2010/main" xmlns:ma14="http://schemas.microsoft.com/office/mac/drawingml/2011/main" val="1"/>
+              <ma14:wrappingTextBoxFlag xmlns:ma14="http://schemas.microsoft.com/office/mac/drawingml/2011/main" xmlns:a14="http://schemas.microsoft.com/office/drawing/2010/main" xmlns:m="http://schemas.openxmlformats.org/officeDocument/2006/math" xmlns="" val="1"/>
             </a:ext>
           </a:extLst>
         </p:spPr>
@@ -3808,7 +3808,7 @@
           </a:ln>
           <a:extLst>
             <a:ext uri="{C572A759-6A51-4108-AA02-DFA0A04FC94B}">
-              <ma14:wrappingTextBoxFlag xmlns="" xmlns:m="http://schemas.openxmlformats.org/officeDocument/2006/math" xmlns:a14="http://schemas.microsoft.com/office/drawing/2010/main" xmlns:ma14="http://schemas.microsoft.com/office/mac/drawingml/2011/main" val="1"/>
+              <ma14:wrappingTextBoxFlag xmlns:ma14="http://schemas.microsoft.com/office/mac/drawingml/2011/main" xmlns:a14="http://schemas.microsoft.com/office/drawing/2010/main" xmlns:m="http://schemas.openxmlformats.org/officeDocument/2006/math" xmlns="" val="1"/>
             </a:ext>
           </a:extLst>
         </p:spPr>
@@ -3856,7 +3856,7 @@
           </a:ln>
           <a:extLst>
             <a:ext uri="{C572A759-6A51-4108-AA02-DFA0A04FC94B}">
-              <ma14:wrappingTextBoxFlag xmlns="" xmlns:m="http://schemas.openxmlformats.org/officeDocument/2006/math" xmlns:a14="http://schemas.microsoft.com/office/drawing/2010/main" xmlns:ma14="http://schemas.microsoft.com/office/mac/drawingml/2011/main" val="1"/>
+              <ma14:wrappingTextBoxFlag xmlns:ma14="http://schemas.microsoft.com/office/mac/drawingml/2011/main" xmlns:a14="http://schemas.microsoft.com/office/drawing/2010/main" xmlns:m="http://schemas.openxmlformats.org/officeDocument/2006/math" xmlns="" val="1"/>
             </a:ext>
           </a:extLst>
         </p:spPr>
@@ -3913,7 +3913,7 @@
           </a:ln>
           <a:extLst>
             <a:ext uri="{C572A759-6A51-4108-AA02-DFA0A04FC94B}">
-              <ma14:wrappingTextBoxFlag xmlns="" xmlns:m="http://schemas.openxmlformats.org/officeDocument/2006/math" xmlns:a14="http://schemas.microsoft.com/office/drawing/2010/main" xmlns:ma14="http://schemas.microsoft.com/office/mac/drawingml/2011/main" val="1"/>
+              <ma14:wrappingTextBoxFlag xmlns:ma14="http://schemas.microsoft.com/office/mac/drawingml/2011/main" xmlns:a14="http://schemas.microsoft.com/office/drawing/2010/main" xmlns:m="http://schemas.openxmlformats.org/officeDocument/2006/math" xmlns="" val="1"/>
             </a:ext>
           </a:extLst>
         </p:spPr>
@@ -3961,7 +3961,7 @@
           </a:ln>
           <a:extLst>
             <a:ext uri="{C572A759-6A51-4108-AA02-DFA0A04FC94B}">
-              <ma14:wrappingTextBoxFlag xmlns="" xmlns:m="http://schemas.openxmlformats.org/officeDocument/2006/math" xmlns:a14="http://schemas.microsoft.com/office/drawing/2010/main" xmlns:ma14="http://schemas.microsoft.com/office/mac/drawingml/2011/main" val="1"/>
+              <ma14:wrappingTextBoxFlag xmlns:ma14="http://schemas.microsoft.com/office/mac/drawingml/2011/main" xmlns:a14="http://schemas.microsoft.com/office/drawing/2010/main" xmlns:m="http://schemas.openxmlformats.org/officeDocument/2006/math" xmlns="" val="1"/>
             </a:ext>
           </a:extLst>
         </p:spPr>
@@ -4009,7 +4009,7 @@
           </a:ln>
           <a:extLst>
             <a:ext uri="{C572A759-6A51-4108-AA02-DFA0A04FC94B}">
-              <ma14:wrappingTextBoxFlag xmlns="" xmlns:m="http://schemas.openxmlformats.org/officeDocument/2006/math" xmlns:a14="http://schemas.microsoft.com/office/drawing/2010/main" xmlns:ma14="http://schemas.microsoft.com/office/mac/drawingml/2011/main" val="1"/>
+              <ma14:wrappingTextBoxFlag xmlns:ma14="http://schemas.microsoft.com/office/mac/drawingml/2011/main" xmlns:a14="http://schemas.microsoft.com/office/drawing/2010/main" xmlns:m="http://schemas.openxmlformats.org/officeDocument/2006/math" xmlns="" val="1"/>
             </a:ext>
           </a:extLst>
         </p:spPr>
@@ -4058,7 +4058,7 @@
           </a:ln>
           <a:extLst>
             <a:ext uri="{C572A759-6A51-4108-AA02-DFA0A04FC94B}">
-              <ma14:wrappingTextBoxFlag xmlns="" xmlns:m="http://schemas.openxmlformats.org/officeDocument/2006/math" xmlns:a14="http://schemas.microsoft.com/office/drawing/2010/main" xmlns:ma14="http://schemas.microsoft.com/office/mac/drawingml/2011/main" val="1"/>
+              <ma14:wrappingTextBoxFlag xmlns:ma14="http://schemas.microsoft.com/office/mac/drawingml/2011/main" xmlns:a14="http://schemas.microsoft.com/office/drawing/2010/main" xmlns:m="http://schemas.openxmlformats.org/officeDocument/2006/math" xmlns="" val="1"/>
             </a:ext>
           </a:extLst>
         </p:spPr>
@@ -4183,7 +4183,7 @@
           </a:ln>
           <a:extLst>
             <a:ext uri="{C572A759-6A51-4108-AA02-DFA0A04FC94B}">
-              <ma14:wrappingTextBoxFlag xmlns="" xmlns:m="http://schemas.openxmlformats.org/officeDocument/2006/math" xmlns:a14="http://schemas.microsoft.com/office/drawing/2010/main" xmlns:ma14="http://schemas.microsoft.com/office/mac/drawingml/2011/main" val="1"/>
+              <ma14:wrappingTextBoxFlag xmlns:ma14="http://schemas.microsoft.com/office/mac/drawingml/2011/main" xmlns:a14="http://schemas.microsoft.com/office/drawing/2010/main" xmlns:m="http://schemas.openxmlformats.org/officeDocument/2006/math" xmlns="" val="1"/>
             </a:ext>
           </a:extLst>
         </p:spPr>
@@ -10039,6 +10039,62 @@
               <a:cs typeface="+mn-cs"/>
               <a:sym typeface="Helvetica Neue"/>
             </a:endParaRPr>
+          </a:p>
+        </p:txBody>
+      </p:sp>
+      <p:sp>
+        <p:nvSpPr>
+          <p:cNvPr id="2" name="Balcony">
+            <a:extLst>
+              <a:ext uri="{FF2B5EF4-FFF2-40B4-BE49-F238E27FC236}">
+                <a16:creationId xmlns:a16="http://schemas.microsoft.com/office/drawing/2014/main" id="{794FD91E-38A3-434F-BAEF-E8E24FAB2CFA}"/>
+              </a:ext>
+            </a:extLst>
+          </p:cNvPr>
+          <p:cNvSpPr/>
+          <p:nvPr/>
+        </p:nvSpPr>
+        <p:spPr>
+          <a:xfrm>
+            <a:off x="16098464" y="271700"/>
+            <a:ext cx="3921765" cy="2161497"/>
+          </a:xfrm>
+          <a:prstGeom prst="rect">
+            <a:avLst/>
+          </a:prstGeom>
+          <a:ln w="12700">
+            <a:solidFill>
+              <a:srgbClr val="000000"/>
+            </a:solidFill>
+            <a:miter lim="400000"/>
+          </a:ln>
+          <a:extLst>
+            <a:ext uri="{C572A759-6A51-4108-AA02-DFA0A04FC94B}">
+              <ma14:wrappingTextBoxFlag xmlns="" xmlns:m="http://schemas.openxmlformats.org/officeDocument/2006/math" xmlns:a14="http://schemas.microsoft.com/office/drawing/2010/main" xmlns:ma14="http://schemas.microsoft.com/office/mac/drawingml/2011/main" val="1"/>
+            </a:ext>
+          </a:extLst>
+        </p:spPr>
+        <p:txBody>
+          <a:bodyPr lIns="50800" tIns="50800" rIns="50800" bIns="50800"/>
+          <a:lstStyle>
+            <a:lvl1pPr defTabSz="825500">
+              <a:defRPr sz="3200">
+                <a:solidFill>
+                  <a:srgbClr val="000000"/>
+                </a:solidFill>
+                <a:latin typeface="Helvetica Neue Medium"/>
+                <a:ea typeface="Helvetica Neue Medium"/>
+                <a:cs typeface="Helvetica Neue Medium"/>
+                <a:sym typeface="Helvetica Neue Medium"/>
+              </a:defRPr>
+            </a:lvl1pPr>
+          </a:lstStyle>
+          <a:p>
+            <a:r>
+              <a:rPr lang="en-US" dirty="0"/>
+              <a:t>Basement</a:t>
+            </a:r>
+            <a:endParaRPr dirty="0"/>
           </a:p>
         </p:txBody>
       </p:sp>

--- a/House_Layout_PPT.pptx
+++ b/House_Layout_PPT.pptx
@@ -2730,7 +2730,7 @@
           </a:ln>
           <a:extLst>
             <a:ext uri="{C572A759-6A51-4108-AA02-DFA0A04FC94B}">
-              <ma14:wrappingTextBoxFlag xmlns:ma14="http://schemas.microsoft.com/office/mac/drawingml/2011/main" xmlns:a14="http://schemas.microsoft.com/office/drawing/2010/main" xmlns:m="http://schemas.openxmlformats.org/officeDocument/2006/math" xmlns="" val="1"/>
+              <ma14:wrappingTextBoxFlag xmlns="" xmlns:m="http://schemas.openxmlformats.org/officeDocument/2006/math" xmlns:a14="http://schemas.microsoft.com/office/drawing/2010/main" xmlns:ma14="http://schemas.microsoft.com/office/mac/drawingml/2011/main" val="1"/>
             </a:ext>
           </a:extLst>
         </p:spPr>
@@ -2769,7 +2769,7 @@
           </a:ln>
           <a:extLst>
             <a:ext uri="{C572A759-6A51-4108-AA02-DFA0A04FC94B}">
-              <ma14:wrappingTextBoxFlag xmlns:ma14="http://schemas.microsoft.com/office/mac/drawingml/2011/main" xmlns:a14="http://schemas.microsoft.com/office/drawing/2010/main" xmlns:m="http://schemas.openxmlformats.org/officeDocument/2006/math" xmlns="" val="1"/>
+              <ma14:wrappingTextBoxFlag xmlns="" xmlns:m="http://schemas.openxmlformats.org/officeDocument/2006/math" xmlns:a14="http://schemas.microsoft.com/office/drawing/2010/main" xmlns:ma14="http://schemas.microsoft.com/office/mac/drawingml/2011/main" val="1"/>
             </a:ext>
           </a:extLst>
         </p:spPr>
@@ -3616,7 +3616,7 @@
           </a:ln>
           <a:extLst>
             <a:ext uri="{C572A759-6A51-4108-AA02-DFA0A04FC94B}">
-              <ma14:wrappingTextBoxFlag xmlns:ma14="http://schemas.microsoft.com/office/mac/drawingml/2011/main" xmlns:a14="http://schemas.microsoft.com/office/drawing/2010/main" xmlns:m="http://schemas.openxmlformats.org/officeDocument/2006/math" xmlns="" val="1"/>
+              <ma14:wrappingTextBoxFlag xmlns="" xmlns:m="http://schemas.openxmlformats.org/officeDocument/2006/math" xmlns:a14="http://schemas.microsoft.com/office/drawing/2010/main" xmlns:ma14="http://schemas.microsoft.com/office/mac/drawingml/2011/main" val="1"/>
             </a:ext>
           </a:extLst>
         </p:spPr>
@@ -3664,7 +3664,7 @@
           </a:ln>
           <a:extLst>
             <a:ext uri="{C572A759-6A51-4108-AA02-DFA0A04FC94B}">
-              <ma14:wrappingTextBoxFlag xmlns:ma14="http://schemas.microsoft.com/office/mac/drawingml/2011/main" xmlns:a14="http://schemas.microsoft.com/office/drawing/2010/main" xmlns:m="http://schemas.openxmlformats.org/officeDocument/2006/math" xmlns="" val="1"/>
+              <ma14:wrappingTextBoxFlag xmlns="" xmlns:m="http://schemas.openxmlformats.org/officeDocument/2006/math" xmlns:a14="http://schemas.microsoft.com/office/drawing/2010/main" xmlns:ma14="http://schemas.microsoft.com/office/mac/drawingml/2011/main" val="1"/>
             </a:ext>
           </a:extLst>
         </p:spPr>
@@ -3712,7 +3712,7 @@
           </a:ln>
           <a:extLst>
             <a:ext uri="{C572A759-6A51-4108-AA02-DFA0A04FC94B}">
-              <ma14:wrappingTextBoxFlag xmlns:ma14="http://schemas.microsoft.com/office/mac/drawingml/2011/main" xmlns:a14="http://schemas.microsoft.com/office/drawing/2010/main" xmlns:m="http://schemas.openxmlformats.org/officeDocument/2006/math" xmlns="" val="1"/>
+              <ma14:wrappingTextBoxFlag xmlns="" xmlns:m="http://schemas.openxmlformats.org/officeDocument/2006/math" xmlns:a14="http://schemas.microsoft.com/office/drawing/2010/main" xmlns:ma14="http://schemas.microsoft.com/office/mac/drawingml/2011/main" val="1"/>
             </a:ext>
           </a:extLst>
         </p:spPr>
@@ -3760,7 +3760,7 @@
           </a:ln>
           <a:extLst>
             <a:ext uri="{C572A759-6A51-4108-AA02-DFA0A04FC94B}">
-              <ma14:wrappingTextBoxFlag xmlns:ma14="http://schemas.microsoft.com/office/mac/drawingml/2011/main" xmlns:a14="http://schemas.microsoft.com/office/drawing/2010/main" xmlns:m="http://schemas.openxmlformats.org/officeDocument/2006/math" xmlns="" val="1"/>
+              <ma14:wrappingTextBoxFlag xmlns="" xmlns:m="http://schemas.openxmlformats.org/officeDocument/2006/math" xmlns:a14="http://schemas.microsoft.com/office/drawing/2010/main" xmlns:ma14="http://schemas.microsoft.com/office/mac/drawingml/2011/main" val="1"/>
             </a:ext>
           </a:extLst>
         </p:spPr>
@@ -3808,7 +3808,7 @@
           </a:ln>
           <a:extLst>
             <a:ext uri="{C572A759-6A51-4108-AA02-DFA0A04FC94B}">
-              <ma14:wrappingTextBoxFlag xmlns:ma14="http://schemas.microsoft.com/office/mac/drawingml/2011/main" xmlns:a14="http://schemas.microsoft.com/office/drawing/2010/main" xmlns:m="http://schemas.openxmlformats.org/officeDocument/2006/math" xmlns="" val="1"/>
+              <ma14:wrappingTextBoxFlag xmlns="" xmlns:m="http://schemas.openxmlformats.org/officeDocument/2006/math" xmlns:a14="http://schemas.microsoft.com/office/drawing/2010/main" xmlns:ma14="http://schemas.microsoft.com/office/mac/drawingml/2011/main" val="1"/>
             </a:ext>
           </a:extLst>
         </p:spPr>
@@ -3856,7 +3856,7 @@
           </a:ln>
           <a:extLst>
             <a:ext uri="{C572A759-6A51-4108-AA02-DFA0A04FC94B}">
-              <ma14:wrappingTextBoxFlag xmlns:ma14="http://schemas.microsoft.com/office/mac/drawingml/2011/main" xmlns:a14="http://schemas.microsoft.com/office/drawing/2010/main" xmlns:m="http://schemas.openxmlformats.org/officeDocument/2006/math" xmlns="" val="1"/>
+              <ma14:wrappingTextBoxFlag xmlns="" xmlns:m="http://schemas.openxmlformats.org/officeDocument/2006/math" xmlns:a14="http://schemas.microsoft.com/office/drawing/2010/main" xmlns:ma14="http://schemas.microsoft.com/office/mac/drawingml/2011/main" val="1"/>
             </a:ext>
           </a:extLst>
         </p:spPr>
@@ -3882,13 +3882,6 @@
             </a:r>
             <a:endParaRPr lang="en-US" dirty="0"/>
           </a:p>
-          <a:p>
-            <a:r>
-              <a:rPr lang="en-US" dirty="0"/>
-              <a:t>(1:10)</a:t>
-            </a:r>
-            <a:endParaRPr dirty="0"/>
-          </a:p>
         </p:txBody>
       </p:sp>
       <p:sp>
@@ -3913,7 +3906,7 @@
           </a:ln>
           <a:extLst>
             <a:ext uri="{C572A759-6A51-4108-AA02-DFA0A04FC94B}">
-              <ma14:wrappingTextBoxFlag xmlns:ma14="http://schemas.microsoft.com/office/mac/drawingml/2011/main" xmlns:a14="http://schemas.microsoft.com/office/drawing/2010/main" xmlns:m="http://schemas.openxmlformats.org/officeDocument/2006/math" xmlns="" val="1"/>
+              <ma14:wrappingTextBoxFlag xmlns="" xmlns:m="http://schemas.openxmlformats.org/officeDocument/2006/math" xmlns:a14="http://schemas.microsoft.com/office/drawing/2010/main" xmlns:ma14="http://schemas.microsoft.com/office/mac/drawingml/2011/main" val="1"/>
             </a:ext>
           </a:extLst>
         </p:spPr>
@@ -3961,7 +3954,7 @@
           </a:ln>
           <a:extLst>
             <a:ext uri="{C572A759-6A51-4108-AA02-DFA0A04FC94B}">
-              <ma14:wrappingTextBoxFlag xmlns:ma14="http://schemas.microsoft.com/office/mac/drawingml/2011/main" xmlns:a14="http://schemas.microsoft.com/office/drawing/2010/main" xmlns:m="http://schemas.openxmlformats.org/officeDocument/2006/math" xmlns="" val="1"/>
+              <ma14:wrappingTextBoxFlag xmlns="" xmlns:m="http://schemas.openxmlformats.org/officeDocument/2006/math" xmlns:a14="http://schemas.microsoft.com/office/drawing/2010/main" xmlns:ma14="http://schemas.microsoft.com/office/mac/drawingml/2011/main" val="1"/>
             </a:ext>
           </a:extLst>
         </p:spPr>
@@ -4009,7 +4002,7 @@
           </a:ln>
           <a:extLst>
             <a:ext uri="{C572A759-6A51-4108-AA02-DFA0A04FC94B}">
-              <ma14:wrappingTextBoxFlag xmlns:ma14="http://schemas.microsoft.com/office/mac/drawingml/2011/main" xmlns:a14="http://schemas.microsoft.com/office/drawing/2010/main" xmlns:m="http://schemas.openxmlformats.org/officeDocument/2006/math" xmlns="" val="1"/>
+              <ma14:wrappingTextBoxFlag xmlns="" xmlns:m="http://schemas.openxmlformats.org/officeDocument/2006/math" xmlns:a14="http://schemas.microsoft.com/office/drawing/2010/main" xmlns:ma14="http://schemas.microsoft.com/office/mac/drawingml/2011/main" val="1"/>
             </a:ext>
           </a:extLst>
         </p:spPr>
@@ -4058,7 +4051,7 @@
           </a:ln>
           <a:extLst>
             <a:ext uri="{C572A759-6A51-4108-AA02-DFA0A04FC94B}">
-              <ma14:wrappingTextBoxFlag xmlns:ma14="http://schemas.microsoft.com/office/mac/drawingml/2011/main" xmlns:a14="http://schemas.microsoft.com/office/drawing/2010/main" xmlns:m="http://schemas.openxmlformats.org/officeDocument/2006/math" xmlns="" val="1"/>
+              <ma14:wrappingTextBoxFlag xmlns="" xmlns:m="http://schemas.openxmlformats.org/officeDocument/2006/math" xmlns:a14="http://schemas.microsoft.com/office/drawing/2010/main" xmlns:ma14="http://schemas.microsoft.com/office/mac/drawingml/2011/main" val="1"/>
             </a:ext>
           </a:extLst>
         </p:spPr>
@@ -4183,7 +4176,7 @@
           </a:ln>
           <a:extLst>
             <a:ext uri="{C572A759-6A51-4108-AA02-DFA0A04FC94B}">
-              <ma14:wrappingTextBoxFlag xmlns:ma14="http://schemas.microsoft.com/office/mac/drawingml/2011/main" xmlns:a14="http://schemas.microsoft.com/office/drawing/2010/main" xmlns:m="http://schemas.openxmlformats.org/officeDocument/2006/math" xmlns="" val="1"/>
+              <ma14:wrappingTextBoxFlag xmlns="" xmlns:m="http://schemas.openxmlformats.org/officeDocument/2006/math" xmlns:a14="http://schemas.microsoft.com/office/drawing/2010/main" xmlns:ma14="http://schemas.microsoft.com/office/mac/drawingml/2011/main" val="1"/>
             </a:ext>
           </a:extLst>
         </p:spPr>
@@ -4212,10 +4205,10 @@
       </p:sp>
       <p:sp>
         <p:nvSpPr>
-          <p:cNvPr id="14" name="Ellipse 13">
+          <p:cNvPr id="2" name="Balcony">
             <a:extLst>
               <a:ext uri="{FF2B5EF4-FFF2-40B4-BE49-F238E27FC236}">
-                <a16:creationId xmlns:a16="http://schemas.microsoft.com/office/drawing/2014/main" id="{F3B293B0-D241-4323-AF12-02F42BFAFDDB}"/>
+                <a16:creationId xmlns:a16="http://schemas.microsoft.com/office/drawing/2014/main" id="{794FD91E-38A3-434F-BAEF-E8E24FAB2CFA}"/>
               </a:ext>
             </a:extLst>
           </p:cNvPr>
@@ -4224,15 +4217,69 @@
         </p:nvSpPr>
         <p:spPr>
           <a:xfrm>
-            <a:off x="10005110" y="10716640"/>
-            <a:ext cx="540000" cy="540000"/>
+            <a:off x="16098464" y="271700"/>
+            <a:ext cx="3921765" cy="2161497"/>
           </a:xfrm>
-          <a:prstGeom prst="ellipse">
-            <a:avLst/>
-          </a:prstGeom>
-          <a:solidFill>
-            <a:schemeClr val="accent5"/>
-          </a:solidFill>
+          <a:prstGeom prst="rect">
+            <a:avLst/>
+          </a:prstGeom>
+          <a:ln w="12700">
+            <a:solidFill>
+              <a:srgbClr val="000000"/>
+            </a:solidFill>
+            <a:miter lim="400000"/>
+          </a:ln>
+          <a:extLst>
+            <a:ext uri="{C572A759-6A51-4108-AA02-DFA0A04FC94B}">
+              <ma14:wrappingTextBoxFlag xmlns:ma14="http://schemas.microsoft.com/office/mac/drawingml/2011/main" xmlns:a14="http://schemas.microsoft.com/office/drawing/2010/main" xmlns:m="http://schemas.openxmlformats.org/officeDocument/2006/math" xmlns="" val="1"/>
+            </a:ext>
+          </a:extLst>
+        </p:spPr>
+        <p:txBody>
+          <a:bodyPr lIns="50800" tIns="50800" rIns="50800" bIns="50800"/>
+          <a:lstStyle>
+            <a:lvl1pPr defTabSz="825500">
+              <a:defRPr sz="3200">
+                <a:solidFill>
+                  <a:srgbClr val="000000"/>
+                </a:solidFill>
+                <a:latin typeface="Helvetica Neue Medium"/>
+                <a:ea typeface="Helvetica Neue Medium"/>
+                <a:cs typeface="Helvetica Neue Medium"/>
+                <a:sym typeface="Helvetica Neue Medium"/>
+              </a:defRPr>
+            </a:lvl1pPr>
+          </a:lstStyle>
+          <a:p>
+            <a:r>
+              <a:rPr lang="en-US" dirty="0"/>
+              <a:t>Basement</a:t>
+            </a:r>
+            <a:endParaRPr dirty="0"/>
+          </a:p>
+        </p:txBody>
+      </p:sp>
+      <p:sp>
+        <p:nvSpPr>
+          <p:cNvPr id="78" name="Textfeld 77">
+            <a:extLst>
+              <a:ext uri="{FF2B5EF4-FFF2-40B4-BE49-F238E27FC236}">
+                <a16:creationId xmlns:a16="http://schemas.microsoft.com/office/drawing/2014/main" id="{2344B9EF-C550-4874-866B-ECF6C4BC78D5}"/>
+              </a:ext>
+            </a:extLst>
+          </p:cNvPr>
+          <p:cNvSpPr txBox="1"/>
+          <p:nvPr/>
+        </p:nvSpPr>
+        <p:spPr>
+          <a:xfrm>
+            <a:off x="6688339" y="853297"/>
+            <a:ext cx="12197442" cy="461665"/>
+          </a:xfrm>
+          <a:prstGeom prst="rect">
+            <a:avLst/>
+          </a:prstGeom>
+          <a:noFill/>
           <a:ln w="12700" cap="flat">
             <a:noFill/>
             <a:miter lim="400000"/>
@@ -4253,251 +4300,7 @@
           <a:fontRef idx="none"/>
         </p:style>
         <p:txBody>
-          <a:bodyPr rot="0" spcFirstLastPara="1" vertOverflow="overflow" horzOverflow="overflow" vert="horz" wrap="square" lIns="50800" tIns="50800" rIns="50800" bIns="50800" numCol="1" spcCol="38100" rtlCol="0" anchor="ctr">
-            <a:spAutoFit/>
-          </a:bodyPr>
-          <a:lstStyle/>
-          <a:p>
-            <a:pPr marL="0" marR="0" indent="0" algn="ctr" defTabSz="825500" rtl="0" fontAlgn="auto" latinLnBrk="0" hangingPunct="0">
-              <a:lnSpc>
-                <a:spcPct val="100000"/>
-              </a:lnSpc>
-              <a:spcBef>
-                <a:spcPts val="0"/>
-              </a:spcBef>
-              <a:spcAft>
-                <a:spcPts val="0"/>
-              </a:spcAft>
-              <a:buClrTx/>
-              <a:buSzTx/>
-              <a:buFontTx/>
-              <a:buNone/>
-              <a:tabLst/>
-            </a:pPr>
-            <a:endParaRPr kumimoji="0" lang="en-DE" sz="3200" b="0" i="0" u="none" strike="noStrike" cap="none" spc="0" normalizeH="0" baseline="0" dirty="0">
-              <a:ln>
-                <a:noFill/>
-              </a:ln>
-              <a:solidFill>
-                <a:srgbClr val="FFFFFF"/>
-              </a:solidFill>
-              <a:effectLst/>
-              <a:uFillTx/>
-              <a:latin typeface="Helvetica Neue Medium"/>
-              <a:ea typeface="Helvetica Neue Medium"/>
-              <a:cs typeface="Helvetica Neue Medium"/>
-              <a:sym typeface="Helvetica Neue Medium"/>
-            </a:endParaRPr>
-          </a:p>
-        </p:txBody>
-      </p:sp>
-      <p:sp>
-        <p:nvSpPr>
-          <p:cNvPr id="15" name="Ellipse 14">
-            <a:extLst>
-              <a:ext uri="{FF2B5EF4-FFF2-40B4-BE49-F238E27FC236}">
-                <a16:creationId xmlns:a16="http://schemas.microsoft.com/office/drawing/2014/main" id="{5B9C9222-C119-4DD6-93D3-73F881437138}"/>
-              </a:ext>
-            </a:extLst>
-          </p:cNvPr>
-          <p:cNvSpPr/>
-          <p:nvPr/>
-        </p:nvSpPr>
-        <p:spPr>
-          <a:xfrm>
-            <a:off x="11177172" y="10716640"/>
-            <a:ext cx="532800" cy="532800"/>
-          </a:xfrm>
-          <a:prstGeom prst="ellipse">
-            <a:avLst/>
-          </a:prstGeom>
-          <a:solidFill>
-            <a:schemeClr val="accent1">
-              <a:lumMod val="60000"/>
-              <a:lumOff val="40000"/>
-            </a:schemeClr>
-          </a:solidFill>
-          <a:ln w="12700" cap="flat">
-            <a:noFill/>
-            <a:miter lim="400000"/>
-          </a:ln>
-          <a:effectLst/>
-          <a:sp3d/>
-        </p:spPr>
-        <p:style>
-          <a:lnRef idx="0">
-            <a:scrgbClr r="0" g="0" b="0"/>
-          </a:lnRef>
-          <a:fillRef idx="0">
-            <a:scrgbClr r="0" g="0" b="0"/>
-          </a:fillRef>
-          <a:effectRef idx="0">
-            <a:scrgbClr r="0" g="0" b="0"/>
-          </a:effectRef>
-          <a:fontRef idx="none"/>
-        </p:style>
-        <p:txBody>
-          <a:bodyPr rot="0" spcFirstLastPara="1" vertOverflow="overflow" horzOverflow="overflow" vert="horz" wrap="square" lIns="50800" tIns="50800" rIns="50800" bIns="50800" numCol="1" spcCol="38100" rtlCol="0" anchor="ctr">
-            <a:spAutoFit/>
-          </a:bodyPr>
-          <a:lstStyle/>
-          <a:p>
-            <a:pPr marL="0" marR="0" indent="0" algn="ctr" defTabSz="825500" rtl="0" fontAlgn="auto" latinLnBrk="0" hangingPunct="0">
-              <a:lnSpc>
-                <a:spcPct val="100000"/>
-              </a:lnSpc>
-              <a:spcBef>
-                <a:spcPts val="0"/>
-              </a:spcBef>
-              <a:spcAft>
-                <a:spcPts val="0"/>
-              </a:spcAft>
-              <a:buClrTx/>
-              <a:buSzTx/>
-              <a:buFontTx/>
-              <a:buNone/>
-              <a:tabLst/>
-            </a:pPr>
-            <a:endParaRPr kumimoji="0" lang="en-DE" sz="3200" b="0" i="0" u="none" strike="noStrike" cap="none" spc="0" normalizeH="0" baseline="0">
-              <a:ln>
-                <a:noFill/>
-              </a:ln>
-              <a:solidFill>
-                <a:srgbClr val="FFFFFF"/>
-              </a:solidFill>
-              <a:effectLst/>
-              <a:uFillTx/>
-              <a:latin typeface="Helvetica Neue Medium"/>
-              <a:ea typeface="Helvetica Neue Medium"/>
-              <a:cs typeface="Helvetica Neue Medium"/>
-              <a:sym typeface="Helvetica Neue Medium"/>
-            </a:endParaRPr>
-          </a:p>
-        </p:txBody>
-      </p:sp>
-      <p:sp>
-        <p:nvSpPr>
-          <p:cNvPr id="16" name="Ellipse 15">
-            <a:extLst>
-              <a:ext uri="{FF2B5EF4-FFF2-40B4-BE49-F238E27FC236}">
-                <a16:creationId xmlns:a16="http://schemas.microsoft.com/office/drawing/2014/main" id="{32E54A71-85AA-4720-BC13-7516F673A532}"/>
-              </a:ext>
-            </a:extLst>
-          </p:cNvPr>
-          <p:cNvSpPr/>
-          <p:nvPr/>
-        </p:nvSpPr>
-        <p:spPr>
-          <a:xfrm>
-            <a:off x="12556396" y="10800370"/>
-            <a:ext cx="475200" cy="475200"/>
-          </a:xfrm>
-          <a:prstGeom prst="ellipse">
-            <a:avLst/>
-          </a:prstGeom>
-          <a:solidFill>
-            <a:srgbClr val="7030A0"/>
-          </a:solidFill>
-          <a:ln w="12700" cap="flat">
-            <a:noFill/>
-            <a:miter lim="400000"/>
-          </a:ln>
-          <a:effectLst/>
-          <a:sp3d/>
-        </p:spPr>
-        <p:style>
-          <a:lnRef idx="0">
-            <a:scrgbClr r="0" g="0" b="0"/>
-          </a:lnRef>
-          <a:fillRef idx="0">
-            <a:scrgbClr r="0" g="0" b="0"/>
-          </a:fillRef>
-          <a:effectRef idx="0">
-            <a:scrgbClr r="0" g="0" b="0"/>
-          </a:effectRef>
-          <a:fontRef idx="none"/>
-        </p:style>
-        <p:txBody>
-          <a:bodyPr rot="0" spcFirstLastPara="1" vertOverflow="overflow" horzOverflow="overflow" vert="horz" wrap="square" lIns="50800" tIns="50800" rIns="50800" bIns="50800" numCol="1" spcCol="38100" rtlCol="0" anchor="ctr">
-            <a:spAutoFit/>
-          </a:bodyPr>
-          <a:lstStyle/>
-          <a:p>
-            <a:pPr marL="0" marR="0" indent="0" algn="ctr" defTabSz="825500" rtl="0" fontAlgn="auto" latinLnBrk="0" hangingPunct="0">
-              <a:lnSpc>
-                <a:spcPct val="100000"/>
-              </a:lnSpc>
-              <a:spcBef>
-                <a:spcPts val="0"/>
-              </a:spcBef>
-              <a:spcAft>
-                <a:spcPts val="0"/>
-              </a:spcAft>
-              <a:buClrTx/>
-              <a:buSzTx/>
-              <a:buFontTx/>
-              <a:buNone/>
-              <a:tabLst/>
-            </a:pPr>
-            <a:endParaRPr kumimoji="0" lang="en-DE" sz="3200" b="0" i="0" u="none" strike="noStrike" cap="none" spc="0" normalizeH="0" baseline="0">
-              <a:ln>
-                <a:noFill/>
-              </a:ln>
-              <a:solidFill>
-                <a:srgbClr val="FFFFFF"/>
-              </a:solidFill>
-              <a:effectLst/>
-              <a:uFillTx/>
-              <a:latin typeface="Helvetica Neue Medium"/>
-              <a:ea typeface="Helvetica Neue Medium"/>
-              <a:cs typeface="Helvetica Neue Medium"/>
-              <a:sym typeface="Helvetica Neue Medium"/>
-            </a:endParaRPr>
-          </a:p>
-        </p:txBody>
-      </p:sp>
-      <p:sp>
-        <p:nvSpPr>
-          <p:cNvPr id="17" name="Textfeld 16">
-            <a:extLst>
-              <a:ext uri="{FF2B5EF4-FFF2-40B4-BE49-F238E27FC236}">
-                <a16:creationId xmlns:a16="http://schemas.microsoft.com/office/drawing/2014/main" id="{64317D1A-C273-4458-820A-D9B94D84B39D}"/>
-              </a:ext>
-            </a:extLst>
-          </p:cNvPr>
-          <p:cNvSpPr txBox="1"/>
-          <p:nvPr/>
-        </p:nvSpPr>
-        <p:spPr>
-          <a:xfrm>
-            <a:off x="9623489" y="9813316"/>
-            <a:ext cx="1219673" cy="540000"/>
-          </a:xfrm>
-          <a:prstGeom prst="rect">
-            <a:avLst/>
-          </a:prstGeom>
-          <a:noFill/>
-          <a:ln w="12700" cap="flat">
-            <a:noFill/>
-            <a:miter lim="400000"/>
-          </a:ln>
-          <a:effectLst/>
-          <a:sp3d/>
-        </p:spPr>
-        <p:style>
-          <a:lnRef idx="0">
-            <a:scrgbClr r="0" g="0" b="0"/>
-          </a:lnRef>
-          <a:fillRef idx="0">
-            <a:scrgbClr r="0" g="0" b="0"/>
-          </a:fillRef>
-          <a:effectRef idx="0">
-            <a:scrgbClr r="0" g="0" b="0"/>
-          </a:effectRef>
-          <a:fontRef idx="none"/>
-        </p:style>
-        <p:txBody>
-          <a:bodyPr rot="0" spcFirstLastPara="1" vertOverflow="overflow" horzOverflow="overflow" vert="horz" wrap="square" lIns="50800" tIns="50800" rIns="50800" bIns="50800" numCol="1" spcCol="38100" rtlCol="0" anchor="ctr">
+          <a:bodyPr wrap="square">
             <a:spAutoFit/>
           </a:bodyPr>
           <a:lstStyle/>
@@ -4533,29 +4336,7 @@
                 <a:cs typeface="+mn-cs"/>
                 <a:sym typeface="Helvetica Neue"/>
               </a:rPr>
-              <a:t>DACH</a:t>
-            </a:r>
-          </a:p>
-          <a:p>
-            <a:pPr marL="0" marR="0" indent="0" algn="ctr" defTabSz="2438338" rtl="0" fontAlgn="auto" latinLnBrk="0" hangingPunct="0">
-              <a:lnSpc>
-                <a:spcPct val="100000"/>
-              </a:lnSpc>
-              <a:spcBef>
-                <a:spcPts val="0"/>
-              </a:spcBef>
-              <a:spcAft>
-                <a:spcPts val="0"/>
-              </a:spcAft>
-              <a:buClrTx/>
-              <a:buSzTx/>
-              <a:buFontTx/>
-              <a:buNone/>
-              <a:tabLst/>
-            </a:pPr>
-            <a:r>
-              <a:rPr lang="en-US" dirty="0"/>
-              <a:t>15,00%</a:t>
+              <a:t>0.5%</a:t>
             </a:r>
             <a:endParaRPr kumimoji="0" lang="en-DE" sz="2400" b="0" i="0" u="none" strike="noStrike" cap="none" spc="0" normalizeH="0" baseline="0" dirty="0">
               <a:ln>
@@ -4576,10 +4357,10 @@
       </p:sp>
       <p:sp>
         <p:nvSpPr>
-          <p:cNvPr id="18" name="Textfeld 17">
+          <p:cNvPr id="80" name="Textfeld 79">
             <a:extLst>
               <a:ext uri="{FF2B5EF4-FFF2-40B4-BE49-F238E27FC236}">
-                <a16:creationId xmlns:a16="http://schemas.microsoft.com/office/drawing/2014/main" id="{76CE1A26-D0A4-41F4-80D0-727DFE0D24DA}"/>
+                <a16:creationId xmlns:a16="http://schemas.microsoft.com/office/drawing/2014/main" id="{2882CACE-B681-4D80-A571-1129AF54376C}"/>
               </a:ext>
             </a:extLst>
           </p:cNvPr>
@@ -4588,8 +4369,8 @@
         </p:nvSpPr>
         <p:spPr>
           <a:xfrm>
-            <a:off x="10919382" y="9776527"/>
-            <a:ext cx="1219673" cy="841256"/>
+            <a:off x="17229517" y="830656"/>
+            <a:ext cx="1596997" cy="461665"/>
           </a:xfrm>
           <a:prstGeom prst="rect">
             <a:avLst/>
@@ -4615,7 +4396,7 @@
           <a:fontRef idx="none"/>
         </p:style>
         <p:txBody>
-          <a:bodyPr rot="0" spcFirstLastPara="1" vertOverflow="overflow" horzOverflow="overflow" vert="horz" wrap="square" lIns="50800" tIns="50800" rIns="50800" bIns="50800" numCol="1" spcCol="38100" rtlCol="0" anchor="ctr">
+          <a:bodyPr wrap="square">
             <a:spAutoFit/>
           </a:bodyPr>
           <a:lstStyle/>
@@ -4651,9 +4432,70 @@
                 <a:cs typeface="+mn-cs"/>
                 <a:sym typeface="Helvetica Neue"/>
               </a:rPr>
-              <a:t>UK</a:t>
+              <a:t>3.4%</a:t>
             </a:r>
-          </a:p>
+            <a:endParaRPr kumimoji="0" lang="en-DE" sz="2400" b="0" i="0" u="none" strike="noStrike" cap="none" spc="0" normalizeH="0" baseline="0" dirty="0">
+              <a:ln>
+                <a:noFill/>
+              </a:ln>
+              <a:solidFill>
+                <a:srgbClr val="5E5E5E"/>
+              </a:solidFill>
+              <a:effectLst/>
+              <a:uFillTx/>
+              <a:latin typeface="+mn-lt"/>
+              <a:ea typeface="+mn-ea"/>
+              <a:cs typeface="+mn-cs"/>
+              <a:sym typeface="Helvetica Neue"/>
+            </a:endParaRPr>
+          </a:p>
+        </p:txBody>
+      </p:sp>
+      <p:sp>
+        <p:nvSpPr>
+          <p:cNvPr id="7" name="Textfeld 6">
+            <a:extLst>
+              <a:ext uri="{FF2B5EF4-FFF2-40B4-BE49-F238E27FC236}">
+                <a16:creationId xmlns:a16="http://schemas.microsoft.com/office/drawing/2014/main" id="{DECDAA72-8D57-4B7D-9ECD-8F2B1B4DE02C}"/>
+              </a:ext>
+            </a:extLst>
+          </p:cNvPr>
+          <p:cNvSpPr txBox="1"/>
+          <p:nvPr/>
+        </p:nvSpPr>
+        <p:spPr>
+          <a:xfrm>
+            <a:off x="18293875" y="3883677"/>
+            <a:ext cx="1596997" cy="461665"/>
+          </a:xfrm>
+          <a:prstGeom prst="rect">
+            <a:avLst/>
+          </a:prstGeom>
+          <a:noFill/>
+          <a:ln w="12700" cap="flat">
+            <a:noFill/>
+            <a:miter lim="400000"/>
+          </a:ln>
+          <a:effectLst/>
+          <a:sp3d/>
+        </p:spPr>
+        <p:style>
+          <a:lnRef idx="0">
+            <a:scrgbClr r="0" g="0" b="0"/>
+          </a:lnRef>
+          <a:fillRef idx="0">
+            <a:scrgbClr r="0" g="0" b="0"/>
+          </a:fillRef>
+          <a:effectRef idx="0">
+            <a:scrgbClr r="0" g="0" b="0"/>
+          </a:effectRef>
+          <a:fontRef idx="none"/>
+        </p:style>
+        <p:txBody>
+          <a:bodyPr wrap="square">
+            <a:spAutoFit/>
+          </a:bodyPr>
+          <a:lstStyle/>
           <a:p>
             <a:pPr marL="0" marR="0" indent="0" algn="ctr" defTabSz="2438338" rtl="0" fontAlgn="auto" latinLnBrk="0" hangingPunct="0">
               <a:lnSpc>
@@ -4673,7 +4515,24 @@
             </a:pPr>
             <a:r>
               <a:rPr lang="en-US" dirty="0"/>
-              <a:t>14,77%</a:t>
+              <a:t>2.3</a:t>
+            </a:r>
+            <a:r>
+              <a:rPr kumimoji="0" lang="en-US" sz="2400" b="0" i="0" u="none" strike="noStrike" cap="none" spc="0" normalizeH="0" baseline="0" dirty="0">
+                <a:ln>
+                  <a:noFill/>
+                </a:ln>
+                <a:solidFill>
+                  <a:srgbClr val="5E5E5E"/>
+                </a:solidFill>
+                <a:effectLst/>
+                <a:uFillTx/>
+                <a:latin typeface="+mn-lt"/>
+                <a:ea typeface="+mn-ea"/>
+                <a:cs typeface="+mn-cs"/>
+                <a:sym typeface="Helvetica Neue"/>
+              </a:rPr>
+              <a:t>%</a:t>
             </a:r>
             <a:endParaRPr kumimoji="0" lang="en-DE" sz="2400" b="0" i="0" u="none" strike="noStrike" cap="none" spc="0" normalizeH="0" baseline="0" dirty="0">
               <a:ln>
@@ -4694,10 +4553,10 @@
       </p:sp>
       <p:sp>
         <p:nvSpPr>
-          <p:cNvPr id="19" name="Textfeld 18">
+          <p:cNvPr id="8" name="Textfeld 7">
             <a:extLst>
               <a:ext uri="{FF2B5EF4-FFF2-40B4-BE49-F238E27FC236}">
-                <a16:creationId xmlns:a16="http://schemas.microsoft.com/office/drawing/2014/main" id="{C731BAF8-0C71-43F9-881E-C2F49A26D69C}"/>
+                <a16:creationId xmlns:a16="http://schemas.microsoft.com/office/drawing/2014/main" id="{2874900E-5C1B-4A9E-8CDF-F47414643F2B}"/>
               </a:ext>
             </a:extLst>
           </p:cNvPr>
@@ -4706,8 +4565,8 @@
         </p:nvSpPr>
         <p:spPr>
           <a:xfrm>
-            <a:off x="12139055" y="9760261"/>
-            <a:ext cx="1219673" cy="841256"/>
+            <a:off x="11776760" y="3713568"/>
+            <a:ext cx="1596997" cy="461665"/>
           </a:xfrm>
           <a:prstGeom prst="rect">
             <a:avLst/>
@@ -4733,7 +4592,688 @@
           <a:fontRef idx="none"/>
         </p:style>
         <p:txBody>
-          <a:bodyPr rot="0" spcFirstLastPara="1" vertOverflow="overflow" horzOverflow="overflow" vert="horz" wrap="square" lIns="50800" tIns="50800" rIns="50800" bIns="50800" numCol="1" spcCol="38100" rtlCol="0" anchor="ctr">
+          <a:bodyPr wrap="square">
+            <a:spAutoFit/>
+          </a:bodyPr>
+          <a:lstStyle/>
+          <a:p>
+            <a:pPr marL="0" marR="0" indent="0" algn="ctr" defTabSz="2438338" rtl="0" fontAlgn="auto" latinLnBrk="0" hangingPunct="0">
+              <a:lnSpc>
+                <a:spcPct val="100000"/>
+              </a:lnSpc>
+              <a:spcBef>
+                <a:spcPts val="0"/>
+              </a:spcBef>
+              <a:spcAft>
+                <a:spcPts val="0"/>
+              </a:spcAft>
+              <a:buClrTx/>
+              <a:buSzTx/>
+              <a:buFontTx/>
+              <a:buNone/>
+              <a:tabLst/>
+            </a:pPr>
+            <a:r>
+              <a:rPr lang="en-US" dirty="0"/>
+              <a:t>14.4</a:t>
+            </a:r>
+            <a:r>
+              <a:rPr kumimoji="0" lang="en-US" sz="2400" b="0" i="0" u="none" strike="noStrike" cap="none" spc="0" normalizeH="0" baseline="0" dirty="0">
+                <a:ln>
+                  <a:noFill/>
+                </a:ln>
+                <a:solidFill>
+                  <a:srgbClr val="5E5E5E"/>
+                </a:solidFill>
+                <a:effectLst/>
+                <a:uFillTx/>
+                <a:latin typeface="+mn-lt"/>
+                <a:ea typeface="+mn-ea"/>
+                <a:cs typeface="+mn-cs"/>
+                <a:sym typeface="Helvetica Neue"/>
+              </a:rPr>
+              <a:t>%</a:t>
+            </a:r>
+            <a:endParaRPr kumimoji="0" lang="en-DE" sz="2400" b="0" i="0" u="none" strike="noStrike" cap="none" spc="0" normalizeH="0" baseline="0" dirty="0">
+              <a:ln>
+                <a:noFill/>
+              </a:ln>
+              <a:solidFill>
+                <a:srgbClr val="5E5E5E"/>
+              </a:solidFill>
+              <a:effectLst/>
+              <a:uFillTx/>
+              <a:latin typeface="+mn-lt"/>
+              <a:ea typeface="+mn-ea"/>
+              <a:cs typeface="+mn-cs"/>
+              <a:sym typeface="Helvetica Neue"/>
+            </a:endParaRPr>
+          </a:p>
+        </p:txBody>
+      </p:sp>
+      <p:sp>
+        <p:nvSpPr>
+          <p:cNvPr id="9" name="Textfeld 8">
+            <a:extLst>
+              <a:ext uri="{FF2B5EF4-FFF2-40B4-BE49-F238E27FC236}">
+                <a16:creationId xmlns:a16="http://schemas.microsoft.com/office/drawing/2014/main" id="{7B0D2189-0D63-4B6E-9F6F-5B66190100A2}"/>
+              </a:ext>
+            </a:extLst>
+          </p:cNvPr>
+          <p:cNvSpPr txBox="1"/>
+          <p:nvPr/>
+        </p:nvSpPr>
+        <p:spPr>
+          <a:xfrm>
+            <a:off x="6396778" y="3441916"/>
+            <a:ext cx="1596997" cy="461665"/>
+          </a:xfrm>
+          <a:prstGeom prst="rect">
+            <a:avLst/>
+          </a:prstGeom>
+          <a:noFill/>
+          <a:ln w="12700" cap="flat">
+            <a:noFill/>
+            <a:miter lim="400000"/>
+          </a:ln>
+          <a:effectLst/>
+          <a:sp3d/>
+        </p:spPr>
+        <p:style>
+          <a:lnRef idx="0">
+            <a:scrgbClr r="0" g="0" b="0"/>
+          </a:lnRef>
+          <a:fillRef idx="0">
+            <a:scrgbClr r="0" g="0" b="0"/>
+          </a:fillRef>
+          <a:effectRef idx="0">
+            <a:scrgbClr r="0" g="0" b="0"/>
+          </a:effectRef>
+          <a:fontRef idx="none"/>
+        </p:style>
+        <p:txBody>
+          <a:bodyPr wrap="square">
+            <a:spAutoFit/>
+          </a:bodyPr>
+          <a:lstStyle/>
+          <a:p>
+            <a:pPr marL="0" marR="0" indent="0" algn="ctr" defTabSz="2438338" rtl="0" fontAlgn="auto" latinLnBrk="0" hangingPunct="0">
+              <a:lnSpc>
+                <a:spcPct val="100000"/>
+              </a:lnSpc>
+              <a:spcBef>
+                <a:spcPts val="0"/>
+              </a:spcBef>
+              <a:spcAft>
+                <a:spcPts val="0"/>
+              </a:spcAft>
+              <a:buClrTx/>
+              <a:buSzTx/>
+              <a:buFontTx/>
+              <a:buNone/>
+              <a:tabLst/>
+            </a:pPr>
+            <a:r>
+              <a:rPr lang="en-US" dirty="0"/>
+              <a:t>1.6%</a:t>
+            </a:r>
+            <a:endParaRPr kumimoji="0" lang="en-DE" sz="2400" b="0" i="0" u="none" strike="noStrike" cap="none" spc="0" normalizeH="0" baseline="0" dirty="0">
+              <a:ln>
+                <a:noFill/>
+              </a:ln>
+              <a:solidFill>
+                <a:srgbClr val="5E5E5E"/>
+              </a:solidFill>
+              <a:effectLst/>
+              <a:uFillTx/>
+              <a:latin typeface="+mn-lt"/>
+              <a:ea typeface="+mn-ea"/>
+              <a:cs typeface="+mn-cs"/>
+              <a:sym typeface="Helvetica Neue"/>
+            </a:endParaRPr>
+          </a:p>
+        </p:txBody>
+      </p:sp>
+      <p:sp>
+        <p:nvSpPr>
+          <p:cNvPr id="10" name="Textfeld 9">
+            <a:extLst>
+              <a:ext uri="{FF2B5EF4-FFF2-40B4-BE49-F238E27FC236}">
+                <a16:creationId xmlns:a16="http://schemas.microsoft.com/office/drawing/2014/main" id="{BB78E8C1-89C7-4A3C-9F07-D7703E24D6FF}"/>
+              </a:ext>
+            </a:extLst>
+          </p:cNvPr>
+          <p:cNvSpPr txBox="1"/>
+          <p:nvPr/>
+        </p:nvSpPr>
+        <p:spPr>
+          <a:xfrm>
+            <a:off x="2078295" y="4490743"/>
+            <a:ext cx="1596997" cy="461665"/>
+          </a:xfrm>
+          <a:prstGeom prst="rect">
+            <a:avLst/>
+          </a:prstGeom>
+          <a:noFill/>
+          <a:ln w="12700" cap="flat">
+            <a:noFill/>
+            <a:miter lim="400000"/>
+          </a:ln>
+          <a:effectLst/>
+          <a:sp3d/>
+        </p:spPr>
+        <p:style>
+          <a:lnRef idx="0">
+            <a:scrgbClr r="0" g="0" b="0"/>
+          </a:lnRef>
+          <a:fillRef idx="0">
+            <a:scrgbClr r="0" g="0" b="0"/>
+          </a:fillRef>
+          <a:effectRef idx="0">
+            <a:scrgbClr r="0" g="0" b="0"/>
+          </a:effectRef>
+          <a:fontRef idx="none"/>
+        </p:style>
+        <p:txBody>
+          <a:bodyPr wrap="square">
+            <a:spAutoFit/>
+          </a:bodyPr>
+          <a:lstStyle/>
+          <a:p>
+            <a:pPr marL="0" marR="0" indent="0" algn="ctr" defTabSz="2438338" rtl="0" fontAlgn="auto" latinLnBrk="0" hangingPunct="0">
+              <a:lnSpc>
+                <a:spcPct val="100000"/>
+              </a:lnSpc>
+              <a:spcBef>
+                <a:spcPts val="0"/>
+              </a:spcBef>
+              <a:spcAft>
+                <a:spcPts val="0"/>
+              </a:spcAft>
+              <a:buClrTx/>
+              <a:buSzTx/>
+              <a:buFontTx/>
+              <a:buNone/>
+              <a:tabLst/>
+            </a:pPr>
+            <a:r>
+              <a:rPr lang="en-US" dirty="0"/>
+              <a:t>1.9%</a:t>
+            </a:r>
+            <a:endParaRPr kumimoji="0" lang="en-DE" sz="2400" b="0" i="0" u="none" strike="noStrike" cap="none" spc="0" normalizeH="0" baseline="0" dirty="0">
+              <a:ln>
+                <a:noFill/>
+              </a:ln>
+              <a:solidFill>
+                <a:srgbClr val="5E5E5E"/>
+              </a:solidFill>
+              <a:effectLst/>
+              <a:uFillTx/>
+              <a:latin typeface="+mn-lt"/>
+              <a:ea typeface="+mn-ea"/>
+              <a:cs typeface="+mn-cs"/>
+              <a:sym typeface="Helvetica Neue"/>
+            </a:endParaRPr>
+          </a:p>
+        </p:txBody>
+      </p:sp>
+      <p:sp>
+        <p:nvSpPr>
+          <p:cNvPr id="11" name="Textfeld 10">
+            <a:extLst>
+              <a:ext uri="{FF2B5EF4-FFF2-40B4-BE49-F238E27FC236}">
+                <a16:creationId xmlns:a16="http://schemas.microsoft.com/office/drawing/2014/main" id="{3037E0D1-B822-4A32-9A5E-E65359F4FEAB}"/>
+              </a:ext>
+            </a:extLst>
+          </p:cNvPr>
+          <p:cNvSpPr txBox="1"/>
+          <p:nvPr/>
+        </p:nvSpPr>
+        <p:spPr>
+          <a:xfrm>
+            <a:off x="6671962" y="9351651"/>
+            <a:ext cx="1596997" cy="461665"/>
+          </a:xfrm>
+          <a:prstGeom prst="rect">
+            <a:avLst/>
+          </a:prstGeom>
+          <a:noFill/>
+          <a:ln w="12700" cap="flat">
+            <a:noFill/>
+            <a:miter lim="400000"/>
+          </a:ln>
+          <a:effectLst/>
+          <a:sp3d/>
+        </p:spPr>
+        <p:style>
+          <a:lnRef idx="0">
+            <a:scrgbClr r="0" g="0" b="0"/>
+          </a:lnRef>
+          <a:fillRef idx="0">
+            <a:scrgbClr r="0" g="0" b="0"/>
+          </a:fillRef>
+          <a:effectRef idx="0">
+            <a:scrgbClr r="0" g="0" b="0"/>
+          </a:effectRef>
+          <a:fontRef idx="none"/>
+        </p:style>
+        <p:txBody>
+          <a:bodyPr wrap="square">
+            <a:spAutoFit/>
+          </a:bodyPr>
+          <a:lstStyle/>
+          <a:p>
+            <a:pPr marL="0" marR="0" indent="0" algn="ctr" defTabSz="2438338" rtl="0" fontAlgn="auto" latinLnBrk="0" hangingPunct="0">
+              <a:lnSpc>
+                <a:spcPct val="100000"/>
+              </a:lnSpc>
+              <a:spcBef>
+                <a:spcPts val="0"/>
+              </a:spcBef>
+              <a:spcAft>
+                <a:spcPts val="0"/>
+              </a:spcAft>
+              <a:buClrTx/>
+              <a:buSzTx/>
+              <a:buFontTx/>
+              <a:buNone/>
+              <a:tabLst/>
+            </a:pPr>
+            <a:r>
+              <a:rPr lang="en-US" dirty="0"/>
+              <a:t>5.1%</a:t>
+            </a:r>
+            <a:endParaRPr kumimoji="0" lang="en-DE" sz="2400" b="0" i="0" u="none" strike="noStrike" cap="none" spc="0" normalizeH="0" baseline="0" dirty="0">
+              <a:ln>
+                <a:noFill/>
+              </a:ln>
+              <a:solidFill>
+                <a:srgbClr val="5E5E5E"/>
+              </a:solidFill>
+              <a:effectLst/>
+              <a:uFillTx/>
+              <a:latin typeface="+mn-lt"/>
+              <a:ea typeface="+mn-ea"/>
+              <a:cs typeface="+mn-cs"/>
+              <a:sym typeface="Helvetica Neue"/>
+            </a:endParaRPr>
+          </a:p>
+        </p:txBody>
+      </p:sp>
+      <p:sp>
+        <p:nvSpPr>
+          <p:cNvPr id="12" name="Textfeld 11">
+            <a:extLst>
+              <a:ext uri="{FF2B5EF4-FFF2-40B4-BE49-F238E27FC236}">
+                <a16:creationId xmlns:a16="http://schemas.microsoft.com/office/drawing/2014/main" id="{41ED8AA3-1FF2-4EF2-A0DD-E174C89EE626}"/>
+              </a:ext>
+            </a:extLst>
+          </p:cNvPr>
+          <p:cNvSpPr txBox="1"/>
+          <p:nvPr/>
+        </p:nvSpPr>
+        <p:spPr>
+          <a:xfrm>
+            <a:off x="12915596" y="7054195"/>
+            <a:ext cx="1596997" cy="461665"/>
+          </a:xfrm>
+          <a:prstGeom prst="rect">
+            <a:avLst/>
+          </a:prstGeom>
+          <a:noFill/>
+          <a:ln w="12700" cap="flat">
+            <a:noFill/>
+            <a:miter lim="400000"/>
+          </a:ln>
+          <a:effectLst/>
+          <a:sp3d/>
+        </p:spPr>
+        <p:style>
+          <a:lnRef idx="0">
+            <a:scrgbClr r="0" g="0" b="0"/>
+          </a:lnRef>
+          <a:fillRef idx="0">
+            <a:scrgbClr r="0" g="0" b="0"/>
+          </a:fillRef>
+          <a:effectRef idx="0">
+            <a:scrgbClr r="0" g="0" b="0"/>
+          </a:effectRef>
+          <a:fontRef idx="none"/>
+        </p:style>
+        <p:txBody>
+          <a:bodyPr wrap="square">
+            <a:spAutoFit/>
+          </a:bodyPr>
+          <a:lstStyle/>
+          <a:p>
+            <a:pPr marL="0" marR="0" indent="0" algn="ctr" defTabSz="2438338" rtl="0" fontAlgn="auto" latinLnBrk="0" hangingPunct="0">
+              <a:lnSpc>
+                <a:spcPct val="100000"/>
+              </a:lnSpc>
+              <a:spcBef>
+                <a:spcPts val="0"/>
+              </a:spcBef>
+              <a:spcAft>
+                <a:spcPts val="0"/>
+              </a:spcAft>
+              <a:buClrTx/>
+              <a:buSzTx/>
+              <a:buFontTx/>
+              <a:buNone/>
+              <a:tabLst/>
+            </a:pPr>
+            <a:r>
+              <a:rPr lang="en-US" dirty="0"/>
+              <a:t>8.2%</a:t>
+            </a:r>
+            <a:endParaRPr kumimoji="0" lang="en-DE" sz="2400" b="0" i="0" u="none" strike="noStrike" cap="none" spc="0" normalizeH="0" baseline="0" dirty="0">
+              <a:ln>
+                <a:noFill/>
+              </a:ln>
+              <a:solidFill>
+                <a:srgbClr val="5E5E5E"/>
+              </a:solidFill>
+              <a:effectLst/>
+              <a:uFillTx/>
+              <a:latin typeface="+mn-lt"/>
+              <a:ea typeface="+mn-ea"/>
+              <a:cs typeface="+mn-cs"/>
+              <a:sym typeface="Helvetica Neue"/>
+            </a:endParaRPr>
+          </a:p>
+        </p:txBody>
+      </p:sp>
+      <p:sp>
+        <p:nvSpPr>
+          <p:cNvPr id="13" name="Textfeld 12">
+            <a:extLst>
+              <a:ext uri="{FF2B5EF4-FFF2-40B4-BE49-F238E27FC236}">
+                <a16:creationId xmlns:a16="http://schemas.microsoft.com/office/drawing/2014/main" id="{21EE59F2-680E-442C-9E80-AD4971A7825A}"/>
+              </a:ext>
+            </a:extLst>
+          </p:cNvPr>
+          <p:cNvSpPr txBox="1"/>
+          <p:nvPr/>
+        </p:nvSpPr>
+        <p:spPr>
+          <a:xfrm>
+            <a:off x="10714865" y="9276962"/>
+            <a:ext cx="1596997" cy="461665"/>
+          </a:xfrm>
+          <a:prstGeom prst="rect">
+            <a:avLst/>
+          </a:prstGeom>
+          <a:noFill/>
+          <a:ln w="12700" cap="flat">
+            <a:noFill/>
+            <a:miter lim="400000"/>
+          </a:ln>
+          <a:effectLst/>
+          <a:sp3d/>
+        </p:spPr>
+        <p:style>
+          <a:lnRef idx="0">
+            <a:scrgbClr r="0" g="0" b="0"/>
+          </a:lnRef>
+          <a:fillRef idx="0">
+            <a:scrgbClr r="0" g="0" b="0"/>
+          </a:fillRef>
+          <a:effectRef idx="0">
+            <a:scrgbClr r="0" g="0" b="0"/>
+          </a:effectRef>
+          <a:fontRef idx="none"/>
+        </p:style>
+        <p:txBody>
+          <a:bodyPr wrap="square">
+            <a:spAutoFit/>
+          </a:bodyPr>
+          <a:lstStyle/>
+          <a:p>
+            <a:pPr marL="0" marR="0" indent="0" algn="ctr" defTabSz="2438338" rtl="0" fontAlgn="auto" latinLnBrk="0" hangingPunct="0">
+              <a:lnSpc>
+                <a:spcPct val="100000"/>
+              </a:lnSpc>
+              <a:spcBef>
+                <a:spcPts val="0"/>
+              </a:spcBef>
+              <a:spcAft>
+                <a:spcPts val="0"/>
+              </a:spcAft>
+              <a:buClrTx/>
+              <a:buSzTx/>
+              <a:buFontTx/>
+              <a:buNone/>
+              <a:tabLst/>
+            </a:pPr>
+            <a:r>
+              <a:rPr lang="en-US" dirty="0"/>
+              <a:t>43%</a:t>
+            </a:r>
+            <a:endParaRPr kumimoji="0" lang="en-DE" sz="2400" b="0" i="0" u="none" strike="noStrike" cap="none" spc="0" normalizeH="0" baseline="0" dirty="0">
+              <a:ln>
+                <a:noFill/>
+              </a:ln>
+              <a:solidFill>
+                <a:srgbClr val="5E5E5E"/>
+              </a:solidFill>
+              <a:effectLst/>
+              <a:uFillTx/>
+              <a:latin typeface="+mn-lt"/>
+              <a:ea typeface="+mn-ea"/>
+              <a:cs typeface="+mn-cs"/>
+              <a:sym typeface="Helvetica Neue"/>
+            </a:endParaRPr>
+          </a:p>
+        </p:txBody>
+      </p:sp>
+      <p:sp>
+        <p:nvSpPr>
+          <p:cNvPr id="21" name="Textfeld 20">
+            <a:extLst>
+              <a:ext uri="{FF2B5EF4-FFF2-40B4-BE49-F238E27FC236}">
+                <a16:creationId xmlns:a16="http://schemas.microsoft.com/office/drawing/2014/main" id="{4176E443-481E-4DC3-9D7E-E326679CCB50}"/>
+              </a:ext>
+            </a:extLst>
+          </p:cNvPr>
+          <p:cNvSpPr txBox="1"/>
+          <p:nvPr/>
+        </p:nvSpPr>
+        <p:spPr>
+          <a:xfrm>
+            <a:off x="14338295" y="8939154"/>
+            <a:ext cx="1596997" cy="461665"/>
+          </a:xfrm>
+          <a:prstGeom prst="rect">
+            <a:avLst/>
+          </a:prstGeom>
+          <a:noFill/>
+          <a:ln w="12700" cap="flat">
+            <a:noFill/>
+            <a:miter lim="400000"/>
+          </a:ln>
+          <a:effectLst/>
+          <a:sp3d/>
+        </p:spPr>
+        <p:style>
+          <a:lnRef idx="0">
+            <a:scrgbClr r="0" g="0" b="0"/>
+          </a:lnRef>
+          <a:fillRef idx="0">
+            <a:scrgbClr r="0" g="0" b="0"/>
+          </a:fillRef>
+          <a:effectRef idx="0">
+            <a:scrgbClr r="0" g="0" b="0"/>
+          </a:effectRef>
+          <a:fontRef idx="none"/>
+        </p:style>
+        <p:txBody>
+          <a:bodyPr wrap="square">
+            <a:spAutoFit/>
+          </a:bodyPr>
+          <a:lstStyle/>
+          <a:p>
+            <a:pPr marL="0" marR="0" indent="0" algn="ctr" defTabSz="2438338" rtl="0" fontAlgn="auto" latinLnBrk="0" hangingPunct="0">
+              <a:lnSpc>
+                <a:spcPct val="100000"/>
+              </a:lnSpc>
+              <a:spcBef>
+                <a:spcPts val="0"/>
+              </a:spcBef>
+              <a:spcAft>
+                <a:spcPts val="0"/>
+              </a:spcAft>
+              <a:buClrTx/>
+              <a:buSzTx/>
+              <a:buFontTx/>
+              <a:buNone/>
+              <a:tabLst/>
+            </a:pPr>
+            <a:r>
+              <a:rPr lang="en-US" dirty="0"/>
+              <a:t>16%</a:t>
+            </a:r>
+            <a:endParaRPr kumimoji="0" lang="en-DE" sz="2400" b="0" i="0" u="none" strike="noStrike" cap="none" spc="0" normalizeH="0" baseline="0" dirty="0">
+              <a:ln>
+                <a:noFill/>
+              </a:ln>
+              <a:solidFill>
+                <a:srgbClr val="5E5E5E"/>
+              </a:solidFill>
+              <a:effectLst/>
+              <a:uFillTx/>
+              <a:latin typeface="+mn-lt"/>
+              <a:ea typeface="+mn-ea"/>
+              <a:cs typeface="+mn-cs"/>
+              <a:sym typeface="Helvetica Neue"/>
+            </a:endParaRPr>
+          </a:p>
+        </p:txBody>
+      </p:sp>
+      <p:sp>
+        <p:nvSpPr>
+          <p:cNvPr id="23" name="Textfeld 22">
+            <a:extLst>
+              <a:ext uri="{FF2B5EF4-FFF2-40B4-BE49-F238E27FC236}">
+                <a16:creationId xmlns:a16="http://schemas.microsoft.com/office/drawing/2014/main" id="{C135B7AA-D911-4D62-801C-0AC540E07B89}"/>
+              </a:ext>
+            </a:extLst>
+          </p:cNvPr>
+          <p:cNvSpPr txBox="1"/>
+          <p:nvPr/>
+        </p:nvSpPr>
+        <p:spPr>
+          <a:xfrm>
+            <a:off x="19092373" y="9046129"/>
+            <a:ext cx="1596997" cy="461665"/>
+          </a:xfrm>
+          <a:prstGeom prst="rect">
+            <a:avLst/>
+          </a:prstGeom>
+          <a:noFill/>
+          <a:ln w="12700" cap="flat">
+            <a:noFill/>
+            <a:miter lim="400000"/>
+          </a:ln>
+          <a:effectLst/>
+          <a:sp3d/>
+        </p:spPr>
+        <p:style>
+          <a:lnRef idx="0">
+            <a:scrgbClr r="0" g="0" b="0"/>
+          </a:lnRef>
+          <a:fillRef idx="0">
+            <a:scrgbClr r="0" g="0" b="0"/>
+          </a:fillRef>
+          <a:effectRef idx="0">
+            <a:scrgbClr r="0" g="0" b="0"/>
+          </a:effectRef>
+          <a:fontRef idx="none"/>
+        </p:style>
+        <p:txBody>
+          <a:bodyPr wrap="square">
+            <a:spAutoFit/>
+          </a:bodyPr>
+          <a:lstStyle/>
+          <a:p>
+            <a:pPr marL="0" marR="0" indent="0" algn="ctr" defTabSz="2438338" rtl="0" fontAlgn="auto" latinLnBrk="0" hangingPunct="0">
+              <a:lnSpc>
+                <a:spcPct val="100000"/>
+              </a:lnSpc>
+              <a:spcBef>
+                <a:spcPts val="0"/>
+              </a:spcBef>
+              <a:spcAft>
+                <a:spcPts val="0"/>
+              </a:spcAft>
+              <a:buClrTx/>
+              <a:buSzTx/>
+              <a:buFontTx/>
+              <a:buNone/>
+              <a:tabLst/>
+            </a:pPr>
+            <a:r>
+              <a:rPr lang="en-US" dirty="0"/>
+              <a:t>1.7%</a:t>
+            </a:r>
+            <a:endParaRPr kumimoji="0" lang="en-DE" sz="2400" b="0" i="0" u="none" strike="noStrike" cap="none" spc="0" normalizeH="0" baseline="0" dirty="0">
+              <a:ln>
+                <a:noFill/>
+              </a:ln>
+              <a:solidFill>
+                <a:srgbClr val="5E5E5E"/>
+              </a:solidFill>
+              <a:effectLst/>
+              <a:uFillTx/>
+              <a:latin typeface="+mn-lt"/>
+              <a:ea typeface="+mn-ea"/>
+              <a:cs typeface="+mn-cs"/>
+              <a:sym typeface="Helvetica Neue"/>
+            </a:endParaRPr>
+          </a:p>
+        </p:txBody>
+      </p:sp>
+      <p:sp>
+        <p:nvSpPr>
+          <p:cNvPr id="26" name="Textfeld 25">
+            <a:extLst>
+              <a:ext uri="{FF2B5EF4-FFF2-40B4-BE49-F238E27FC236}">
+                <a16:creationId xmlns:a16="http://schemas.microsoft.com/office/drawing/2014/main" id="{7FB7BB8F-8637-4133-AE08-64655B08C659}"/>
+              </a:ext>
+            </a:extLst>
+          </p:cNvPr>
+          <p:cNvSpPr txBox="1"/>
+          <p:nvPr/>
+        </p:nvSpPr>
+        <p:spPr>
+          <a:xfrm>
+            <a:off x="1942456" y="1475631"/>
+            <a:ext cx="1596997" cy="461665"/>
+          </a:xfrm>
+          <a:prstGeom prst="rect">
+            <a:avLst/>
+          </a:prstGeom>
+          <a:noFill/>
+          <a:ln w="12700" cap="flat">
+            <a:noFill/>
+            <a:miter lim="400000"/>
+          </a:ln>
+          <a:effectLst/>
+          <a:sp3d/>
+        </p:spPr>
+        <p:style>
+          <a:lnRef idx="0">
+            <a:scrgbClr r="0" g="0" b="0"/>
+          </a:lnRef>
+          <a:fillRef idx="0">
+            <a:scrgbClr r="0" g="0" b="0"/>
+          </a:fillRef>
+          <a:effectRef idx="0">
+            <a:scrgbClr r="0" g="0" b="0"/>
+          </a:effectRef>
+          <a:fontRef idx="none"/>
+        </p:style>
+        <p:txBody>
+          <a:bodyPr wrap="square">
             <a:spAutoFit/>
           </a:bodyPr>
           <a:lstStyle/>
@@ -4769,53 +5309,17 @@
                 <a:cs typeface="+mn-cs"/>
                 <a:sym typeface="Helvetica Neue"/>
               </a:rPr>
-              <a:t>US</a:t>
+              <a:t>1.9</a:t>
             </a:r>
           </a:p>
-          <a:p>
-            <a:pPr marL="0" marR="0" indent="0" algn="ctr" defTabSz="2438338" rtl="0" fontAlgn="auto" latinLnBrk="0" hangingPunct="0">
-              <a:lnSpc>
-                <a:spcPct val="100000"/>
-              </a:lnSpc>
-              <a:spcBef>
-                <a:spcPts val="0"/>
-              </a:spcBef>
-              <a:spcAft>
-                <a:spcPts val="0"/>
-              </a:spcAft>
-              <a:buClrTx/>
-              <a:buSzTx/>
-              <a:buFontTx/>
-              <a:buNone/>
-              <a:tabLst/>
-            </a:pPr>
-            <a:r>
-              <a:rPr lang="en-US" dirty="0"/>
-              <a:t>13,18%</a:t>
-            </a:r>
-            <a:endParaRPr kumimoji="0" lang="en-DE" sz="2400" b="0" i="0" u="none" strike="noStrike" cap="none" spc="0" normalizeH="0" baseline="0" dirty="0">
-              <a:ln>
-                <a:noFill/>
-              </a:ln>
-              <a:solidFill>
-                <a:srgbClr val="5E5E5E"/>
-              </a:solidFill>
-              <a:effectLst/>
-              <a:uFillTx/>
-              <a:latin typeface="+mn-lt"/>
-              <a:ea typeface="+mn-ea"/>
-              <a:cs typeface="+mn-cs"/>
-              <a:sym typeface="Helvetica Neue"/>
-            </a:endParaRPr>
-          </a:p>
-        </p:txBody>
-      </p:sp>
-      <p:sp>
-        <p:nvSpPr>
-          <p:cNvPr id="20" name="Ellipse 19">
+        </p:txBody>
+      </p:sp>
+      <p:sp>
+        <p:nvSpPr>
+          <p:cNvPr id="28" name="Ellipse 27">
             <a:extLst>
               <a:ext uri="{FF2B5EF4-FFF2-40B4-BE49-F238E27FC236}">
-                <a16:creationId xmlns:a16="http://schemas.microsoft.com/office/drawing/2014/main" id="{3B21C54B-E5BC-4AC3-9BC2-6AD3C893EA54}"/>
+                <a16:creationId xmlns:a16="http://schemas.microsoft.com/office/drawing/2014/main" id="{F518F564-02E5-4490-8F8B-E86078DC55E7}"/>
               </a:ext>
             </a:extLst>
           </p:cNvPr>
@@ -4824,14 +5328,17 @@
         </p:nvSpPr>
         <p:spPr>
           <a:xfrm>
-            <a:off x="13633951" y="10674251"/>
-            <a:ext cx="1962000" cy="1962000"/>
+            <a:off x="10714865" y="9975995"/>
+            <a:ext cx="1548000" cy="1548000"/>
           </a:xfrm>
           <a:prstGeom prst="ellipse">
             <a:avLst/>
           </a:prstGeom>
           <a:solidFill>
-            <a:schemeClr val="accent5"/>
+            <a:schemeClr val="accent1">
+              <a:lumMod val="60000"/>
+              <a:lumOff val="40000"/>
+            </a:schemeClr>
           </a:solidFill>
           <a:ln w="12700" cap="flat">
             <a:noFill/>
@@ -4893,10 +5400,10 @@
       </p:sp>
       <p:sp>
         <p:nvSpPr>
-          <p:cNvPr id="22" name="Ellipse 21">
+          <p:cNvPr id="35" name="Ellipse 34">
             <a:extLst>
               <a:ext uri="{FF2B5EF4-FFF2-40B4-BE49-F238E27FC236}">
-                <a16:creationId xmlns:a16="http://schemas.microsoft.com/office/drawing/2014/main" id="{C2D02F71-99CC-4A3F-8DA0-C316606766B4}"/>
+                <a16:creationId xmlns:a16="http://schemas.microsoft.com/office/drawing/2014/main" id="{6A620A21-F09F-447B-B792-BEE52CD40087}"/>
               </a:ext>
             </a:extLst>
           </p:cNvPr>
@@ -4905,8 +5412,8 @@
         </p:nvSpPr>
         <p:spPr>
           <a:xfrm>
-            <a:off x="14888562" y="10674251"/>
-            <a:ext cx="2127600" cy="2127600"/>
+            <a:off x="14335520" y="9847248"/>
+            <a:ext cx="576000" cy="576000"/>
           </a:xfrm>
           <a:prstGeom prst="ellipse">
             <a:avLst/>
@@ -4916,522 +5423,6 @@
               <a:lumMod val="60000"/>
               <a:lumOff val="40000"/>
             </a:schemeClr>
-          </a:solidFill>
-          <a:ln w="12700" cap="flat">
-            <a:noFill/>
-            <a:miter lim="400000"/>
-          </a:ln>
-          <a:effectLst/>
-          <a:sp3d/>
-        </p:spPr>
-        <p:style>
-          <a:lnRef idx="0">
-            <a:scrgbClr r="0" g="0" b="0"/>
-          </a:lnRef>
-          <a:fillRef idx="0">
-            <a:scrgbClr r="0" g="0" b="0"/>
-          </a:fillRef>
-          <a:effectRef idx="0">
-            <a:scrgbClr r="0" g="0" b="0"/>
-          </a:effectRef>
-          <a:fontRef idx="none"/>
-        </p:style>
-        <p:txBody>
-          <a:bodyPr rot="0" spcFirstLastPara="1" vertOverflow="overflow" horzOverflow="overflow" vert="horz" wrap="square" lIns="50800" tIns="50800" rIns="50800" bIns="50800" numCol="1" spcCol="38100" rtlCol="0" anchor="ctr">
-            <a:spAutoFit/>
-          </a:bodyPr>
-          <a:lstStyle/>
-          <a:p>
-            <a:pPr marL="0" marR="0" indent="0" algn="ctr" defTabSz="825500" rtl="0" fontAlgn="auto" latinLnBrk="0" hangingPunct="0">
-              <a:lnSpc>
-                <a:spcPct val="100000"/>
-              </a:lnSpc>
-              <a:spcBef>
-                <a:spcPts val="0"/>
-              </a:spcBef>
-              <a:spcAft>
-                <a:spcPts val="0"/>
-              </a:spcAft>
-              <a:buClrTx/>
-              <a:buSzTx/>
-              <a:buFontTx/>
-              <a:buNone/>
-              <a:tabLst/>
-            </a:pPr>
-            <a:endParaRPr kumimoji="0" lang="en-DE" sz="3200" b="0" i="0" u="none" strike="noStrike" cap="none" spc="0" normalizeH="0" baseline="0">
-              <a:ln>
-                <a:noFill/>
-              </a:ln>
-              <a:solidFill>
-                <a:srgbClr val="FFFFFF"/>
-              </a:solidFill>
-              <a:effectLst/>
-              <a:uFillTx/>
-              <a:latin typeface="Helvetica Neue Medium"/>
-              <a:ea typeface="Helvetica Neue Medium"/>
-              <a:cs typeface="Helvetica Neue Medium"/>
-              <a:sym typeface="Helvetica Neue Medium"/>
-            </a:endParaRPr>
-          </a:p>
-        </p:txBody>
-      </p:sp>
-      <p:sp>
-        <p:nvSpPr>
-          <p:cNvPr id="24" name="Ellipse 23">
-            <a:extLst>
-              <a:ext uri="{FF2B5EF4-FFF2-40B4-BE49-F238E27FC236}">
-                <a16:creationId xmlns:a16="http://schemas.microsoft.com/office/drawing/2014/main" id="{442A7649-4062-439E-B04C-C1E33078D3F2}"/>
-              </a:ext>
-            </a:extLst>
-          </p:cNvPr>
-          <p:cNvSpPr/>
-          <p:nvPr/>
-        </p:nvSpPr>
-        <p:spPr>
-          <a:xfrm>
-            <a:off x="16121573" y="10742651"/>
-            <a:ext cx="1677600" cy="1677600"/>
-          </a:xfrm>
-          <a:prstGeom prst="ellipse">
-            <a:avLst/>
-          </a:prstGeom>
-          <a:solidFill>
-            <a:srgbClr val="7030A0"/>
-          </a:solidFill>
-          <a:ln w="12700" cap="flat">
-            <a:noFill/>
-            <a:miter lim="400000"/>
-          </a:ln>
-          <a:effectLst/>
-          <a:sp3d/>
-        </p:spPr>
-        <p:style>
-          <a:lnRef idx="0">
-            <a:scrgbClr r="0" g="0" b="0"/>
-          </a:lnRef>
-          <a:fillRef idx="0">
-            <a:scrgbClr r="0" g="0" b="0"/>
-          </a:fillRef>
-          <a:effectRef idx="0">
-            <a:scrgbClr r="0" g="0" b="0"/>
-          </a:effectRef>
-          <a:fontRef idx="none"/>
-        </p:style>
-        <p:txBody>
-          <a:bodyPr rot="0" spcFirstLastPara="1" vertOverflow="overflow" horzOverflow="overflow" vert="horz" wrap="square" lIns="50800" tIns="50800" rIns="50800" bIns="50800" numCol="1" spcCol="38100" rtlCol="0" anchor="ctr">
-            <a:spAutoFit/>
-          </a:bodyPr>
-          <a:lstStyle/>
-          <a:p>
-            <a:pPr marL="0" marR="0" indent="0" algn="ctr" defTabSz="825500" rtl="0" fontAlgn="auto" latinLnBrk="0" hangingPunct="0">
-              <a:lnSpc>
-                <a:spcPct val="100000"/>
-              </a:lnSpc>
-              <a:spcBef>
-                <a:spcPts val="0"/>
-              </a:spcBef>
-              <a:spcAft>
-                <a:spcPts val="0"/>
-              </a:spcAft>
-              <a:buClrTx/>
-              <a:buSzTx/>
-              <a:buFontTx/>
-              <a:buNone/>
-              <a:tabLst/>
-            </a:pPr>
-            <a:endParaRPr kumimoji="0" lang="en-DE" sz="3200" b="0" i="0" u="none" strike="noStrike" cap="none" spc="0" normalizeH="0" baseline="0">
-              <a:ln>
-                <a:noFill/>
-              </a:ln>
-              <a:solidFill>
-                <a:srgbClr val="FFFFFF"/>
-              </a:solidFill>
-              <a:effectLst/>
-              <a:uFillTx/>
-              <a:latin typeface="Helvetica Neue Medium"/>
-              <a:ea typeface="Helvetica Neue Medium"/>
-              <a:cs typeface="Helvetica Neue Medium"/>
-              <a:sym typeface="Helvetica Neue Medium"/>
-            </a:endParaRPr>
-          </a:p>
-        </p:txBody>
-      </p:sp>
-      <p:sp>
-        <p:nvSpPr>
-          <p:cNvPr id="25" name="Textfeld 24">
-            <a:extLst>
-              <a:ext uri="{FF2B5EF4-FFF2-40B4-BE49-F238E27FC236}">
-                <a16:creationId xmlns:a16="http://schemas.microsoft.com/office/drawing/2014/main" id="{862592C5-2B3B-4C2E-B6C4-AFF4F92EF983}"/>
-              </a:ext>
-            </a:extLst>
-          </p:cNvPr>
-          <p:cNvSpPr txBox="1"/>
-          <p:nvPr/>
-        </p:nvSpPr>
-        <p:spPr>
-          <a:xfrm>
-            <a:off x="13494278" y="9775416"/>
-            <a:ext cx="1219673" cy="841256"/>
-          </a:xfrm>
-          <a:prstGeom prst="rect">
-            <a:avLst/>
-          </a:prstGeom>
-          <a:noFill/>
-          <a:ln w="12700" cap="flat">
-            <a:noFill/>
-            <a:miter lim="400000"/>
-          </a:ln>
-          <a:effectLst/>
-          <a:sp3d/>
-        </p:spPr>
-        <p:style>
-          <a:lnRef idx="0">
-            <a:scrgbClr r="0" g="0" b="0"/>
-          </a:lnRef>
-          <a:fillRef idx="0">
-            <a:scrgbClr r="0" g="0" b="0"/>
-          </a:fillRef>
-          <a:effectRef idx="0">
-            <a:scrgbClr r="0" g="0" b="0"/>
-          </a:effectRef>
-          <a:fontRef idx="none"/>
-        </p:style>
-        <p:txBody>
-          <a:bodyPr rot="0" spcFirstLastPara="1" vertOverflow="overflow" horzOverflow="overflow" vert="horz" wrap="square" lIns="50800" tIns="50800" rIns="50800" bIns="50800" numCol="1" spcCol="38100" rtlCol="0" anchor="ctr">
-            <a:spAutoFit/>
-          </a:bodyPr>
-          <a:lstStyle/>
-          <a:p>
-            <a:pPr marL="0" marR="0" indent="0" algn="ctr" defTabSz="2438338" rtl="0" fontAlgn="auto" latinLnBrk="0" hangingPunct="0">
-              <a:lnSpc>
-                <a:spcPct val="100000"/>
-              </a:lnSpc>
-              <a:spcBef>
-                <a:spcPts val="0"/>
-              </a:spcBef>
-              <a:spcAft>
-                <a:spcPts val="0"/>
-              </a:spcAft>
-              <a:buClrTx/>
-              <a:buSzTx/>
-              <a:buFontTx/>
-              <a:buNone/>
-              <a:tabLst/>
-            </a:pPr>
-            <a:r>
-              <a:rPr kumimoji="0" lang="en-US" sz="2400" b="0" i="0" u="none" strike="noStrike" cap="none" spc="0" normalizeH="0" baseline="0" dirty="0">
-                <a:ln>
-                  <a:noFill/>
-                </a:ln>
-                <a:solidFill>
-                  <a:srgbClr val="5E5E5E"/>
-                </a:solidFill>
-                <a:effectLst/>
-                <a:uFillTx/>
-                <a:latin typeface="+mn-lt"/>
-                <a:ea typeface="+mn-ea"/>
-                <a:cs typeface="+mn-cs"/>
-                <a:sym typeface="Helvetica Neue"/>
-              </a:rPr>
-              <a:t>DACH</a:t>
-            </a:r>
-          </a:p>
-          <a:p>
-            <a:pPr marL="0" marR="0" indent="0" algn="ctr" defTabSz="2438338" rtl="0" fontAlgn="auto" latinLnBrk="0" hangingPunct="0">
-              <a:lnSpc>
-                <a:spcPct val="100000"/>
-              </a:lnSpc>
-              <a:spcBef>
-                <a:spcPts val="0"/>
-              </a:spcBef>
-              <a:spcAft>
-                <a:spcPts val="0"/>
-              </a:spcAft>
-              <a:buClrTx/>
-              <a:buSzTx/>
-              <a:buFontTx/>
-              <a:buNone/>
-              <a:tabLst/>
-            </a:pPr>
-            <a:r>
-              <a:rPr lang="en-US" dirty="0"/>
-              <a:t>5,45%</a:t>
-            </a:r>
-            <a:endParaRPr kumimoji="0" lang="en-DE" sz="2400" b="0" i="0" u="none" strike="noStrike" cap="none" spc="0" normalizeH="0" baseline="0" dirty="0">
-              <a:ln>
-                <a:noFill/>
-              </a:ln>
-              <a:solidFill>
-                <a:srgbClr val="5E5E5E"/>
-              </a:solidFill>
-              <a:effectLst/>
-              <a:uFillTx/>
-              <a:latin typeface="+mn-lt"/>
-              <a:ea typeface="+mn-ea"/>
-              <a:cs typeface="+mn-cs"/>
-              <a:sym typeface="Helvetica Neue"/>
-            </a:endParaRPr>
-          </a:p>
-        </p:txBody>
-      </p:sp>
-      <p:sp>
-        <p:nvSpPr>
-          <p:cNvPr id="27" name="Textfeld 26">
-            <a:extLst>
-              <a:ext uri="{FF2B5EF4-FFF2-40B4-BE49-F238E27FC236}">
-                <a16:creationId xmlns:a16="http://schemas.microsoft.com/office/drawing/2014/main" id="{F640212C-5616-4D82-AFBB-5BD132F7EBCF}"/>
-              </a:ext>
-            </a:extLst>
-          </p:cNvPr>
-          <p:cNvSpPr txBox="1"/>
-          <p:nvPr/>
-        </p:nvSpPr>
-        <p:spPr>
-          <a:xfrm>
-            <a:off x="14790171" y="9738627"/>
-            <a:ext cx="1219673" cy="841256"/>
-          </a:xfrm>
-          <a:prstGeom prst="rect">
-            <a:avLst/>
-          </a:prstGeom>
-          <a:noFill/>
-          <a:ln w="12700" cap="flat">
-            <a:noFill/>
-            <a:miter lim="400000"/>
-          </a:ln>
-          <a:effectLst/>
-          <a:sp3d/>
-        </p:spPr>
-        <p:style>
-          <a:lnRef idx="0">
-            <a:scrgbClr r="0" g="0" b="0"/>
-          </a:lnRef>
-          <a:fillRef idx="0">
-            <a:scrgbClr r="0" g="0" b="0"/>
-          </a:fillRef>
-          <a:effectRef idx="0">
-            <a:scrgbClr r="0" g="0" b="0"/>
-          </a:effectRef>
-          <a:fontRef idx="none"/>
-        </p:style>
-        <p:txBody>
-          <a:bodyPr rot="0" spcFirstLastPara="1" vertOverflow="overflow" horzOverflow="overflow" vert="horz" wrap="square" lIns="50800" tIns="50800" rIns="50800" bIns="50800" numCol="1" spcCol="38100" rtlCol="0" anchor="ctr">
-            <a:spAutoFit/>
-          </a:bodyPr>
-          <a:lstStyle/>
-          <a:p>
-            <a:pPr marL="0" marR="0" indent="0" algn="ctr" defTabSz="2438338" rtl="0" fontAlgn="auto" latinLnBrk="0" hangingPunct="0">
-              <a:lnSpc>
-                <a:spcPct val="100000"/>
-              </a:lnSpc>
-              <a:spcBef>
-                <a:spcPts val="0"/>
-              </a:spcBef>
-              <a:spcAft>
-                <a:spcPts val="0"/>
-              </a:spcAft>
-              <a:buClrTx/>
-              <a:buSzTx/>
-              <a:buFontTx/>
-              <a:buNone/>
-              <a:tabLst/>
-            </a:pPr>
-            <a:r>
-              <a:rPr kumimoji="0" lang="en-US" sz="2400" b="0" i="0" u="none" strike="noStrike" cap="none" spc="0" normalizeH="0" baseline="0" dirty="0">
-                <a:ln>
-                  <a:noFill/>
-                </a:ln>
-                <a:solidFill>
-                  <a:srgbClr val="5E5E5E"/>
-                </a:solidFill>
-                <a:effectLst/>
-                <a:uFillTx/>
-                <a:latin typeface="+mn-lt"/>
-                <a:ea typeface="+mn-ea"/>
-                <a:cs typeface="+mn-cs"/>
-                <a:sym typeface="Helvetica Neue"/>
-              </a:rPr>
-              <a:t>UK</a:t>
-            </a:r>
-          </a:p>
-          <a:p>
-            <a:pPr marL="0" marR="0" indent="0" algn="ctr" defTabSz="2438338" rtl="0" fontAlgn="auto" latinLnBrk="0" hangingPunct="0">
-              <a:lnSpc>
-                <a:spcPct val="100000"/>
-              </a:lnSpc>
-              <a:spcBef>
-                <a:spcPts val="0"/>
-              </a:spcBef>
-              <a:spcAft>
-                <a:spcPts val="0"/>
-              </a:spcAft>
-              <a:buClrTx/>
-              <a:buSzTx/>
-              <a:buFontTx/>
-              <a:buNone/>
-              <a:tabLst/>
-            </a:pPr>
-            <a:r>
-              <a:rPr lang="en-US" dirty="0"/>
-              <a:t>5,91%</a:t>
-            </a:r>
-            <a:endParaRPr kumimoji="0" lang="en-DE" sz="2400" b="0" i="0" u="none" strike="noStrike" cap="none" spc="0" normalizeH="0" baseline="0" dirty="0">
-              <a:ln>
-                <a:noFill/>
-              </a:ln>
-              <a:solidFill>
-                <a:srgbClr val="5E5E5E"/>
-              </a:solidFill>
-              <a:effectLst/>
-              <a:uFillTx/>
-              <a:latin typeface="+mn-lt"/>
-              <a:ea typeface="+mn-ea"/>
-              <a:cs typeface="+mn-cs"/>
-              <a:sym typeface="Helvetica Neue"/>
-            </a:endParaRPr>
-          </a:p>
-        </p:txBody>
-      </p:sp>
-      <p:sp>
-        <p:nvSpPr>
-          <p:cNvPr id="29" name="Textfeld 28">
-            <a:extLst>
-              <a:ext uri="{FF2B5EF4-FFF2-40B4-BE49-F238E27FC236}">
-                <a16:creationId xmlns:a16="http://schemas.microsoft.com/office/drawing/2014/main" id="{F5694B91-8B07-493E-894A-9FC60C6EFFDE}"/>
-              </a:ext>
-            </a:extLst>
-          </p:cNvPr>
-          <p:cNvSpPr txBox="1"/>
-          <p:nvPr/>
-        </p:nvSpPr>
-        <p:spPr>
-          <a:xfrm>
-            <a:off x="16009844" y="9722361"/>
-            <a:ext cx="1219673" cy="841256"/>
-          </a:xfrm>
-          <a:prstGeom prst="rect">
-            <a:avLst/>
-          </a:prstGeom>
-          <a:noFill/>
-          <a:ln w="12700" cap="flat">
-            <a:noFill/>
-            <a:miter lim="400000"/>
-          </a:ln>
-          <a:effectLst/>
-          <a:sp3d/>
-        </p:spPr>
-        <p:style>
-          <a:lnRef idx="0">
-            <a:scrgbClr r="0" g="0" b="0"/>
-          </a:lnRef>
-          <a:fillRef idx="0">
-            <a:scrgbClr r="0" g="0" b="0"/>
-          </a:fillRef>
-          <a:effectRef idx="0">
-            <a:scrgbClr r="0" g="0" b="0"/>
-          </a:effectRef>
-          <a:fontRef idx="none"/>
-        </p:style>
-        <p:txBody>
-          <a:bodyPr rot="0" spcFirstLastPara="1" vertOverflow="overflow" horzOverflow="overflow" vert="horz" wrap="square" lIns="50800" tIns="50800" rIns="50800" bIns="50800" numCol="1" spcCol="38100" rtlCol="0" anchor="ctr">
-            <a:spAutoFit/>
-          </a:bodyPr>
-          <a:lstStyle/>
-          <a:p>
-            <a:pPr marL="0" marR="0" indent="0" algn="ctr" defTabSz="2438338" rtl="0" fontAlgn="auto" latinLnBrk="0" hangingPunct="0">
-              <a:lnSpc>
-                <a:spcPct val="100000"/>
-              </a:lnSpc>
-              <a:spcBef>
-                <a:spcPts val="0"/>
-              </a:spcBef>
-              <a:spcAft>
-                <a:spcPts val="0"/>
-              </a:spcAft>
-              <a:buClrTx/>
-              <a:buSzTx/>
-              <a:buFontTx/>
-              <a:buNone/>
-              <a:tabLst/>
-            </a:pPr>
-            <a:r>
-              <a:rPr kumimoji="0" lang="en-US" sz="2400" b="0" i="0" u="none" strike="noStrike" cap="none" spc="0" normalizeH="0" baseline="0" dirty="0">
-                <a:ln>
-                  <a:noFill/>
-                </a:ln>
-                <a:solidFill>
-                  <a:srgbClr val="5E5E5E"/>
-                </a:solidFill>
-                <a:effectLst/>
-                <a:uFillTx/>
-                <a:latin typeface="+mn-lt"/>
-                <a:ea typeface="+mn-ea"/>
-                <a:cs typeface="+mn-cs"/>
-                <a:sym typeface="Helvetica Neue"/>
-              </a:rPr>
-              <a:t>US</a:t>
-            </a:r>
-          </a:p>
-          <a:p>
-            <a:pPr marL="0" marR="0" indent="0" algn="ctr" defTabSz="2438338" rtl="0" fontAlgn="auto" latinLnBrk="0" hangingPunct="0">
-              <a:lnSpc>
-                <a:spcPct val="100000"/>
-              </a:lnSpc>
-              <a:spcBef>
-                <a:spcPts val="0"/>
-              </a:spcBef>
-              <a:spcAft>
-                <a:spcPts val="0"/>
-              </a:spcAft>
-              <a:buClrTx/>
-              <a:buSzTx/>
-              <a:buFontTx/>
-              <a:buNone/>
-              <a:tabLst/>
-            </a:pPr>
-            <a:r>
-              <a:rPr lang="en-US" dirty="0"/>
-              <a:t>4,66%</a:t>
-            </a:r>
-            <a:endParaRPr kumimoji="0" lang="en-DE" sz="2400" b="0" i="0" u="none" strike="noStrike" cap="none" spc="0" normalizeH="0" baseline="0" dirty="0">
-              <a:ln>
-                <a:noFill/>
-              </a:ln>
-              <a:solidFill>
-                <a:srgbClr val="5E5E5E"/>
-              </a:solidFill>
-              <a:effectLst/>
-              <a:uFillTx/>
-              <a:latin typeface="+mn-lt"/>
-              <a:ea typeface="+mn-ea"/>
-              <a:cs typeface="+mn-cs"/>
-              <a:sym typeface="Helvetica Neue"/>
-            </a:endParaRPr>
-          </a:p>
-        </p:txBody>
-      </p:sp>
-      <p:sp>
-        <p:nvSpPr>
-          <p:cNvPr id="30" name="Ellipse 29">
-            <a:extLst>
-              <a:ext uri="{FF2B5EF4-FFF2-40B4-BE49-F238E27FC236}">
-                <a16:creationId xmlns:a16="http://schemas.microsoft.com/office/drawing/2014/main" id="{FA5C5F59-E903-47FE-9940-A8F87223390A}"/>
-              </a:ext>
-            </a:extLst>
-          </p:cNvPr>
-          <p:cNvSpPr/>
-          <p:nvPr/>
-        </p:nvSpPr>
-        <p:spPr>
-          <a:xfrm>
-            <a:off x="18356744" y="10895770"/>
-            <a:ext cx="432000" cy="432000"/>
-          </a:xfrm>
-          <a:prstGeom prst="ellipse">
-            <a:avLst/>
-          </a:prstGeom>
-          <a:solidFill>
-            <a:schemeClr val="accent5"/>
           </a:solidFill>
           <a:ln w="12700" cap="flat">
             <a:noFill/>
@@ -5493,10 +5484,10 @@
       </p:sp>
       <p:sp>
         <p:nvSpPr>
-          <p:cNvPr id="32" name="Ellipse 31">
+          <p:cNvPr id="37" name="Ellipse 36">
             <a:extLst>
               <a:ext uri="{FF2B5EF4-FFF2-40B4-BE49-F238E27FC236}">
-                <a16:creationId xmlns:a16="http://schemas.microsoft.com/office/drawing/2014/main" id="{ABB50A3B-7920-4044-BB1C-78EFA9BEAC81}"/>
+                <a16:creationId xmlns:a16="http://schemas.microsoft.com/office/drawing/2014/main" id="{7367690D-DDB0-460B-8C2B-23EE4B5AE790}"/>
               </a:ext>
             </a:extLst>
           </p:cNvPr>
@@ -5505,8 +5496,8 @@
         </p:nvSpPr>
         <p:spPr>
           <a:xfrm>
-            <a:off x="19867044" y="11004727"/>
-            <a:ext cx="79200" cy="79200"/>
+            <a:off x="19579044" y="10135248"/>
+            <a:ext cx="61200" cy="61200"/>
           </a:xfrm>
           <a:prstGeom prst="ellipse">
             <a:avLst/>
@@ -5516,522 +5507,6 @@
               <a:lumMod val="60000"/>
               <a:lumOff val="40000"/>
             </a:schemeClr>
-          </a:solidFill>
-          <a:ln w="12700" cap="flat">
-            <a:noFill/>
-            <a:miter lim="400000"/>
-          </a:ln>
-          <a:effectLst/>
-          <a:sp3d/>
-        </p:spPr>
-        <p:style>
-          <a:lnRef idx="0">
-            <a:scrgbClr r="0" g="0" b="0"/>
-          </a:lnRef>
-          <a:fillRef idx="0">
-            <a:scrgbClr r="0" g="0" b="0"/>
-          </a:fillRef>
-          <a:effectRef idx="0">
-            <a:scrgbClr r="0" g="0" b="0"/>
-          </a:effectRef>
-          <a:fontRef idx="none"/>
-        </p:style>
-        <p:txBody>
-          <a:bodyPr rot="0" spcFirstLastPara="1" vertOverflow="overflow" horzOverflow="overflow" vert="horz" wrap="square" lIns="50800" tIns="50800" rIns="50800" bIns="50800" numCol="1" spcCol="38100" rtlCol="0" anchor="ctr">
-            <a:spAutoFit/>
-          </a:bodyPr>
-          <a:lstStyle/>
-          <a:p>
-            <a:pPr marL="0" marR="0" indent="0" algn="ctr" defTabSz="825500" rtl="0" fontAlgn="auto" latinLnBrk="0" hangingPunct="0">
-              <a:lnSpc>
-                <a:spcPct val="100000"/>
-              </a:lnSpc>
-              <a:spcBef>
-                <a:spcPts val="0"/>
-              </a:spcBef>
-              <a:spcAft>
-                <a:spcPts val="0"/>
-              </a:spcAft>
-              <a:buClrTx/>
-              <a:buSzTx/>
-              <a:buFontTx/>
-              <a:buNone/>
-              <a:tabLst/>
-            </a:pPr>
-            <a:endParaRPr kumimoji="0" lang="en-DE" sz="3200" b="0" i="0" u="none" strike="noStrike" cap="none" spc="0" normalizeH="0" baseline="0">
-              <a:ln>
-                <a:noFill/>
-              </a:ln>
-              <a:solidFill>
-                <a:srgbClr val="FFFFFF"/>
-              </a:solidFill>
-              <a:effectLst/>
-              <a:uFillTx/>
-              <a:latin typeface="Helvetica Neue Medium"/>
-              <a:ea typeface="Helvetica Neue Medium"/>
-              <a:cs typeface="Helvetica Neue Medium"/>
-              <a:sym typeface="Helvetica Neue Medium"/>
-            </a:endParaRPr>
-          </a:p>
-        </p:txBody>
-      </p:sp>
-      <p:sp>
-        <p:nvSpPr>
-          <p:cNvPr id="34" name="Ellipse 33">
-            <a:extLst>
-              <a:ext uri="{FF2B5EF4-FFF2-40B4-BE49-F238E27FC236}">
-                <a16:creationId xmlns:a16="http://schemas.microsoft.com/office/drawing/2014/main" id="{353AC69D-B51A-4F51-A00F-8FFFB31CC87D}"/>
-              </a:ext>
-            </a:extLst>
-          </p:cNvPr>
-          <p:cNvSpPr/>
-          <p:nvPr/>
-        </p:nvSpPr>
-        <p:spPr>
-          <a:xfrm>
-            <a:off x="20853420" y="10947970"/>
-            <a:ext cx="327600" cy="327600"/>
-          </a:xfrm>
-          <a:prstGeom prst="ellipse">
-            <a:avLst/>
-          </a:prstGeom>
-          <a:solidFill>
-            <a:srgbClr val="7030A0"/>
-          </a:solidFill>
-          <a:ln w="12700" cap="flat">
-            <a:noFill/>
-            <a:miter lim="400000"/>
-          </a:ln>
-          <a:effectLst/>
-          <a:sp3d/>
-        </p:spPr>
-        <p:style>
-          <a:lnRef idx="0">
-            <a:scrgbClr r="0" g="0" b="0"/>
-          </a:lnRef>
-          <a:fillRef idx="0">
-            <a:scrgbClr r="0" g="0" b="0"/>
-          </a:fillRef>
-          <a:effectRef idx="0">
-            <a:scrgbClr r="0" g="0" b="0"/>
-          </a:effectRef>
-          <a:fontRef idx="none"/>
-        </p:style>
-        <p:txBody>
-          <a:bodyPr rot="0" spcFirstLastPara="1" vertOverflow="overflow" horzOverflow="overflow" vert="horz" wrap="square" lIns="50800" tIns="50800" rIns="50800" bIns="50800" numCol="1" spcCol="38100" rtlCol="0" anchor="ctr">
-            <a:spAutoFit/>
-          </a:bodyPr>
-          <a:lstStyle/>
-          <a:p>
-            <a:pPr marL="0" marR="0" indent="0" algn="ctr" defTabSz="825500" rtl="0" fontAlgn="auto" latinLnBrk="0" hangingPunct="0">
-              <a:lnSpc>
-                <a:spcPct val="100000"/>
-              </a:lnSpc>
-              <a:spcBef>
-                <a:spcPts val="0"/>
-              </a:spcBef>
-              <a:spcAft>
-                <a:spcPts val="0"/>
-              </a:spcAft>
-              <a:buClrTx/>
-              <a:buSzTx/>
-              <a:buFontTx/>
-              <a:buNone/>
-              <a:tabLst/>
-            </a:pPr>
-            <a:endParaRPr kumimoji="0" lang="en-DE" sz="3200" b="0" i="0" u="none" strike="noStrike" cap="none" spc="0" normalizeH="0" baseline="0">
-              <a:ln>
-                <a:noFill/>
-              </a:ln>
-              <a:solidFill>
-                <a:srgbClr val="FFFFFF"/>
-              </a:solidFill>
-              <a:effectLst/>
-              <a:uFillTx/>
-              <a:latin typeface="Helvetica Neue Medium"/>
-              <a:ea typeface="Helvetica Neue Medium"/>
-              <a:cs typeface="Helvetica Neue Medium"/>
-              <a:sym typeface="Helvetica Neue Medium"/>
-            </a:endParaRPr>
-          </a:p>
-        </p:txBody>
-      </p:sp>
-      <p:sp>
-        <p:nvSpPr>
-          <p:cNvPr id="36" name="Textfeld 35">
-            <a:extLst>
-              <a:ext uri="{FF2B5EF4-FFF2-40B4-BE49-F238E27FC236}">
-                <a16:creationId xmlns:a16="http://schemas.microsoft.com/office/drawing/2014/main" id="{C9669955-32AC-4FE3-8F2C-A2378B9757DE}"/>
-              </a:ext>
-            </a:extLst>
-          </p:cNvPr>
-          <p:cNvSpPr txBox="1"/>
-          <p:nvPr/>
-        </p:nvSpPr>
-        <p:spPr>
-          <a:xfrm>
-            <a:off x="17962908" y="9715623"/>
-            <a:ext cx="1219673" cy="841256"/>
-          </a:xfrm>
-          <a:prstGeom prst="rect">
-            <a:avLst/>
-          </a:prstGeom>
-          <a:noFill/>
-          <a:ln w="12700" cap="flat">
-            <a:noFill/>
-            <a:miter lim="400000"/>
-          </a:ln>
-          <a:effectLst/>
-          <a:sp3d/>
-        </p:spPr>
-        <p:style>
-          <a:lnRef idx="0">
-            <a:scrgbClr r="0" g="0" b="0"/>
-          </a:lnRef>
-          <a:fillRef idx="0">
-            <a:scrgbClr r="0" g="0" b="0"/>
-          </a:fillRef>
-          <a:effectRef idx="0">
-            <a:scrgbClr r="0" g="0" b="0"/>
-          </a:effectRef>
-          <a:fontRef idx="none"/>
-        </p:style>
-        <p:txBody>
-          <a:bodyPr rot="0" spcFirstLastPara="1" vertOverflow="overflow" horzOverflow="overflow" vert="horz" wrap="square" lIns="50800" tIns="50800" rIns="50800" bIns="50800" numCol="1" spcCol="38100" rtlCol="0" anchor="ctr">
-            <a:spAutoFit/>
-          </a:bodyPr>
-          <a:lstStyle/>
-          <a:p>
-            <a:pPr marL="0" marR="0" indent="0" algn="ctr" defTabSz="2438338" rtl="0" fontAlgn="auto" latinLnBrk="0" hangingPunct="0">
-              <a:lnSpc>
-                <a:spcPct val="100000"/>
-              </a:lnSpc>
-              <a:spcBef>
-                <a:spcPts val="0"/>
-              </a:spcBef>
-              <a:spcAft>
-                <a:spcPts val="0"/>
-              </a:spcAft>
-              <a:buClrTx/>
-              <a:buSzTx/>
-              <a:buFontTx/>
-              <a:buNone/>
-              <a:tabLst/>
-            </a:pPr>
-            <a:r>
-              <a:rPr kumimoji="0" lang="en-US" sz="2400" b="0" i="0" u="none" strike="noStrike" cap="none" spc="0" normalizeH="0" baseline="0" dirty="0">
-                <a:ln>
-                  <a:noFill/>
-                </a:ln>
-                <a:solidFill>
-                  <a:srgbClr val="5E5E5E"/>
-                </a:solidFill>
-                <a:effectLst/>
-                <a:uFillTx/>
-                <a:latin typeface="+mn-lt"/>
-                <a:ea typeface="+mn-ea"/>
-                <a:cs typeface="+mn-cs"/>
-                <a:sym typeface="Helvetica Neue"/>
-              </a:rPr>
-              <a:t>DACH</a:t>
-            </a:r>
-          </a:p>
-          <a:p>
-            <a:pPr marL="0" marR="0" indent="0" algn="ctr" defTabSz="2438338" rtl="0" fontAlgn="auto" latinLnBrk="0" hangingPunct="0">
-              <a:lnSpc>
-                <a:spcPct val="100000"/>
-              </a:lnSpc>
-              <a:spcBef>
-                <a:spcPts val="0"/>
-              </a:spcBef>
-              <a:spcAft>
-                <a:spcPts val="0"/>
-              </a:spcAft>
-              <a:buClrTx/>
-              <a:buSzTx/>
-              <a:buFontTx/>
-              <a:buNone/>
-              <a:tabLst/>
-            </a:pPr>
-            <a:r>
-              <a:rPr lang="en-US" dirty="0"/>
-              <a:t>0,6%</a:t>
-            </a:r>
-            <a:endParaRPr kumimoji="0" lang="en-DE" sz="2400" b="0" i="0" u="none" strike="noStrike" cap="none" spc="0" normalizeH="0" baseline="0" dirty="0">
-              <a:ln>
-                <a:noFill/>
-              </a:ln>
-              <a:solidFill>
-                <a:srgbClr val="5E5E5E"/>
-              </a:solidFill>
-              <a:effectLst/>
-              <a:uFillTx/>
-              <a:latin typeface="+mn-lt"/>
-              <a:ea typeface="+mn-ea"/>
-              <a:cs typeface="+mn-cs"/>
-              <a:sym typeface="Helvetica Neue"/>
-            </a:endParaRPr>
-          </a:p>
-        </p:txBody>
-      </p:sp>
-      <p:sp>
-        <p:nvSpPr>
-          <p:cNvPr id="38" name="Textfeld 37">
-            <a:extLst>
-              <a:ext uri="{FF2B5EF4-FFF2-40B4-BE49-F238E27FC236}">
-                <a16:creationId xmlns:a16="http://schemas.microsoft.com/office/drawing/2014/main" id="{250AC010-A983-4C49-A311-82698F16B2F3}"/>
-              </a:ext>
-            </a:extLst>
-          </p:cNvPr>
-          <p:cNvSpPr txBox="1"/>
-          <p:nvPr/>
-        </p:nvSpPr>
-        <p:spPr>
-          <a:xfrm>
-            <a:off x="19258801" y="9678834"/>
-            <a:ext cx="1219673" cy="841256"/>
-          </a:xfrm>
-          <a:prstGeom prst="rect">
-            <a:avLst/>
-          </a:prstGeom>
-          <a:noFill/>
-          <a:ln w="12700" cap="flat">
-            <a:noFill/>
-            <a:miter lim="400000"/>
-          </a:ln>
-          <a:effectLst/>
-          <a:sp3d/>
-        </p:spPr>
-        <p:style>
-          <a:lnRef idx="0">
-            <a:scrgbClr r="0" g="0" b="0"/>
-          </a:lnRef>
-          <a:fillRef idx="0">
-            <a:scrgbClr r="0" g="0" b="0"/>
-          </a:fillRef>
-          <a:effectRef idx="0">
-            <a:scrgbClr r="0" g="0" b="0"/>
-          </a:effectRef>
-          <a:fontRef idx="none"/>
-        </p:style>
-        <p:txBody>
-          <a:bodyPr rot="0" spcFirstLastPara="1" vertOverflow="overflow" horzOverflow="overflow" vert="horz" wrap="square" lIns="50800" tIns="50800" rIns="50800" bIns="50800" numCol="1" spcCol="38100" rtlCol="0" anchor="ctr">
-            <a:spAutoFit/>
-          </a:bodyPr>
-          <a:lstStyle/>
-          <a:p>
-            <a:pPr marL="0" marR="0" indent="0" algn="ctr" defTabSz="2438338" rtl="0" fontAlgn="auto" latinLnBrk="0" hangingPunct="0">
-              <a:lnSpc>
-                <a:spcPct val="100000"/>
-              </a:lnSpc>
-              <a:spcBef>
-                <a:spcPts val="0"/>
-              </a:spcBef>
-              <a:spcAft>
-                <a:spcPts val="0"/>
-              </a:spcAft>
-              <a:buClrTx/>
-              <a:buSzTx/>
-              <a:buFontTx/>
-              <a:buNone/>
-              <a:tabLst/>
-            </a:pPr>
-            <a:r>
-              <a:rPr kumimoji="0" lang="en-US" sz="2400" b="0" i="0" u="none" strike="noStrike" cap="none" spc="0" normalizeH="0" baseline="0" dirty="0">
-                <a:ln>
-                  <a:noFill/>
-                </a:ln>
-                <a:solidFill>
-                  <a:srgbClr val="5E5E5E"/>
-                </a:solidFill>
-                <a:effectLst/>
-                <a:uFillTx/>
-                <a:latin typeface="+mn-lt"/>
-                <a:ea typeface="+mn-ea"/>
-                <a:cs typeface="+mn-cs"/>
-                <a:sym typeface="Helvetica Neue"/>
-              </a:rPr>
-              <a:t>UK</a:t>
-            </a:r>
-          </a:p>
-          <a:p>
-            <a:pPr marL="0" marR="0" indent="0" algn="ctr" defTabSz="2438338" rtl="0" fontAlgn="auto" latinLnBrk="0" hangingPunct="0">
-              <a:lnSpc>
-                <a:spcPct val="100000"/>
-              </a:lnSpc>
-              <a:spcBef>
-                <a:spcPts val="0"/>
-              </a:spcBef>
-              <a:spcAft>
-                <a:spcPts val="0"/>
-              </a:spcAft>
-              <a:buClrTx/>
-              <a:buSzTx/>
-              <a:buFontTx/>
-              <a:buNone/>
-              <a:tabLst/>
-            </a:pPr>
-            <a:r>
-              <a:rPr lang="en-US" dirty="0"/>
-              <a:t>0,11%</a:t>
-            </a:r>
-            <a:endParaRPr kumimoji="0" lang="en-DE" sz="2400" b="0" i="0" u="none" strike="noStrike" cap="none" spc="0" normalizeH="0" baseline="0" dirty="0">
-              <a:ln>
-                <a:noFill/>
-              </a:ln>
-              <a:solidFill>
-                <a:srgbClr val="5E5E5E"/>
-              </a:solidFill>
-              <a:effectLst/>
-              <a:uFillTx/>
-              <a:latin typeface="+mn-lt"/>
-              <a:ea typeface="+mn-ea"/>
-              <a:cs typeface="+mn-cs"/>
-              <a:sym typeface="Helvetica Neue"/>
-            </a:endParaRPr>
-          </a:p>
-        </p:txBody>
-      </p:sp>
-      <p:sp>
-        <p:nvSpPr>
-          <p:cNvPr id="40" name="Textfeld 39">
-            <a:extLst>
-              <a:ext uri="{FF2B5EF4-FFF2-40B4-BE49-F238E27FC236}">
-                <a16:creationId xmlns:a16="http://schemas.microsoft.com/office/drawing/2014/main" id="{698FF6F2-07FD-47DC-B8F5-C81F9D8F4C60}"/>
-              </a:ext>
-            </a:extLst>
-          </p:cNvPr>
-          <p:cNvSpPr txBox="1"/>
-          <p:nvPr/>
-        </p:nvSpPr>
-        <p:spPr>
-          <a:xfrm>
-            <a:off x="20478474" y="9662568"/>
-            <a:ext cx="1219673" cy="841256"/>
-          </a:xfrm>
-          <a:prstGeom prst="rect">
-            <a:avLst/>
-          </a:prstGeom>
-          <a:noFill/>
-          <a:ln w="12700" cap="flat">
-            <a:noFill/>
-            <a:miter lim="400000"/>
-          </a:ln>
-          <a:effectLst/>
-          <a:sp3d/>
-        </p:spPr>
-        <p:style>
-          <a:lnRef idx="0">
-            <a:scrgbClr r="0" g="0" b="0"/>
-          </a:lnRef>
-          <a:fillRef idx="0">
-            <a:scrgbClr r="0" g="0" b="0"/>
-          </a:fillRef>
-          <a:effectRef idx="0">
-            <a:scrgbClr r="0" g="0" b="0"/>
-          </a:effectRef>
-          <a:fontRef idx="none"/>
-        </p:style>
-        <p:txBody>
-          <a:bodyPr rot="0" spcFirstLastPara="1" vertOverflow="overflow" horzOverflow="overflow" vert="horz" wrap="square" lIns="50800" tIns="50800" rIns="50800" bIns="50800" numCol="1" spcCol="38100" rtlCol="0" anchor="ctr">
-            <a:spAutoFit/>
-          </a:bodyPr>
-          <a:lstStyle/>
-          <a:p>
-            <a:pPr marL="0" marR="0" indent="0" algn="ctr" defTabSz="2438338" rtl="0" fontAlgn="auto" latinLnBrk="0" hangingPunct="0">
-              <a:lnSpc>
-                <a:spcPct val="100000"/>
-              </a:lnSpc>
-              <a:spcBef>
-                <a:spcPts val="0"/>
-              </a:spcBef>
-              <a:spcAft>
-                <a:spcPts val="0"/>
-              </a:spcAft>
-              <a:buClrTx/>
-              <a:buSzTx/>
-              <a:buFontTx/>
-              <a:buNone/>
-              <a:tabLst/>
-            </a:pPr>
-            <a:r>
-              <a:rPr kumimoji="0" lang="en-US" sz="2400" b="0" i="0" u="none" strike="noStrike" cap="none" spc="0" normalizeH="0" baseline="0" dirty="0">
-                <a:ln>
-                  <a:noFill/>
-                </a:ln>
-                <a:solidFill>
-                  <a:srgbClr val="5E5E5E"/>
-                </a:solidFill>
-                <a:effectLst/>
-                <a:uFillTx/>
-                <a:latin typeface="+mn-lt"/>
-                <a:ea typeface="+mn-ea"/>
-                <a:cs typeface="+mn-cs"/>
-                <a:sym typeface="Helvetica Neue"/>
-              </a:rPr>
-              <a:t>US</a:t>
-            </a:r>
-          </a:p>
-          <a:p>
-            <a:pPr marL="0" marR="0" indent="0" algn="ctr" defTabSz="2438338" rtl="0" fontAlgn="auto" latinLnBrk="0" hangingPunct="0">
-              <a:lnSpc>
-                <a:spcPct val="100000"/>
-              </a:lnSpc>
-              <a:spcBef>
-                <a:spcPts val="0"/>
-              </a:spcBef>
-              <a:spcAft>
-                <a:spcPts val="0"/>
-              </a:spcAft>
-              <a:buClrTx/>
-              <a:buSzTx/>
-              <a:buFontTx/>
-              <a:buNone/>
-              <a:tabLst/>
-            </a:pPr>
-            <a:r>
-              <a:rPr lang="en-US" dirty="0"/>
-              <a:t>0,91%</a:t>
-            </a:r>
-            <a:endParaRPr kumimoji="0" lang="en-DE" sz="2400" b="0" i="0" u="none" strike="noStrike" cap="none" spc="0" normalizeH="0" baseline="0" dirty="0">
-              <a:ln>
-                <a:noFill/>
-              </a:ln>
-              <a:solidFill>
-                <a:srgbClr val="5E5E5E"/>
-              </a:solidFill>
-              <a:effectLst/>
-              <a:uFillTx/>
-              <a:latin typeface="+mn-lt"/>
-              <a:ea typeface="+mn-ea"/>
-              <a:cs typeface="+mn-cs"/>
-              <a:sym typeface="Helvetica Neue"/>
-            </a:endParaRPr>
-          </a:p>
-        </p:txBody>
-      </p:sp>
-      <p:sp>
-        <p:nvSpPr>
-          <p:cNvPr id="42" name="Ellipse 41">
-            <a:extLst>
-              <a:ext uri="{FF2B5EF4-FFF2-40B4-BE49-F238E27FC236}">
-                <a16:creationId xmlns:a16="http://schemas.microsoft.com/office/drawing/2014/main" id="{7B267DAC-F9DA-4C46-A0D0-F12676BFD8A8}"/>
-              </a:ext>
-            </a:extLst>
-          </p:cNvPr>
-          <p:cNvSpPr/>
-          <p:nvPr/>
-        </p:nvSpPr>
-        <p:spPr>
-          <a:xfrm>
-            <a:off x="9079159" y="7223724"/>
-            <a:ext cx="1022400" cy="1022400"/>
-          </a:xfrm>
-          <a:prstGeom prst="ellipse">
-            <a:avLst/>
-          </a:prstGeom>
-          <a:solidFill>
-            <a:schemeClr val="accent5"/>
           </a:solidFill>
           <a:ln w="12700" cap="flat">
             <a:noFill/>
@@ -6093,10 +5568,10 @@
       </p:sp>
       <p:sp>
         <p:nvSpPr>
-          <p:cNvPr id="44" name="Ellipse 43">
+          <p:cNvPr id="39" name="Ellipse 38">
             <a:extLst>
               <a:ext uri="{FF2B5EF4-FFF2-40B4-BE49-F238E27FC236}">
-                <a16:creationId xmlns:a16="http://schemas.microsoft.com/office/drawing/2014/main" id="{7B549156-8C10-4C26-AE03-4FEC2EAF7E5E}"/>
+                <a16:creationId xmlns:a16="http://schemas.microsoft.com/office/drawing/2014/main" id="{37C86AA0-EF61-4994-B88E-87EFA8EC700E}"/>
               </a:ext>
             </a:extLst>
           </p:cNvPr>
@@ -6105,8 +5580,8 @@
         </p:nvSpPr>
         <p:spPr>
           <a:xfrm>
-            <a:off x="10376474" y="7142254"/>
-            <a:ext cx="1105200" cy="1105200"/>
+            <a:off x="15312295" y="6969929"/>
+            <a:ext cx="295200" cy="295200"/>
           </a:xfrm>
           <a:prstGeom prst="ellipse">
             <a:avLst/>
@@ -6116,522 +5591,6 @@
               <a:lumMod val="60000"/>
               <a:lumOff val="40000"/>
             </a:schemeClr>
-          </a:solidFill>
-          <a:ln w="12700" cap="flat">
-            <a:noFill/>
-            <a:miter lim="400000"/>
-          </a:ln>
-          <a:effectLst/>
-          <a:sp3d/>
-        </p:spPr>
-        <p:style>
-          <a:lnRef idx="0">
-            <a:scrgbClr r="0" g="0" b="0"/>
-          </a:lnRef>
-          <a:fillRef idx="0">
-            <a:scrgbClr r="0" g="0" b="0"/>
-          </a:fillRef>
-          <a:effectRef idx="0">
-            <a:scrgbClr r="0" g="0" b="0"/>
-          </a:effectRef>
-          <a:fontRef idx="none"/>
-        </p:style>
-        <p:txBody>
-          <a:bodyPr rot="0" spcFirstLastPara="1" vertOverflow="overflow" horzOverflow="overflow" vert="horz" wrap="square" lIns="50800" tIns="50800" rIns="50800" bIns="50800" numCol="1" spcCol="38100" rtlCol="0" anchor="ctr">
-            <a:spAutoFit/>
-          </a:bodyPr>
-          <a:lstStyle/>
-          <a:p>
-            <a:pPr marL="0" marR="0" indent="0" algn="ctr" defTabSz="825500" rtl="0" fontAlgn="auto" latinLnBrk="0" hangingPunct="0">
-              <a:lnSpc>
-                <a:spcPct val="100000"/>
-              </a:lnSpc>
-              <a:spcBef>
-                <a:spcPts val="0"/>
-              </a:spcBef>
-              <a:spcAft>
-                <a:spcPts val="0"/>
-              </a:spcAft>
-              <a:buClrTx/>
-              <a:buSzTx/>
-              <a:buFontTx/>
-              <a:buNone/>
-              <a:tabLst/>
-            </a:pPr>
-            <a:endParaRPr kumimoji="0" lang="en-DE" sz="3200" b="0" i="0" u="none" strike="noStrike" cap="none" spc="0" normalizeH="0" baseline="0">
-              <a:ln>
-                <a:noFill/>
-              </a:ln>
-              <a:solidFill>
-                <a:srgbClr val="FFFFFF"/>
-              </a:solidFill>
-              <a:effectLst/>
-              <a:uFillTx/>
-              <a:latin typeface="Helvetica Neue Medium"/>
-              <a:ea typeface="Helvetica Neue Medium"/>
-              <a:cs typeface="Helvetica Neue Medium"/>
-              <a:sym typeface="Helvetica Neue Medium"/>
-            </a:endParaRPr>
-          </a:p>
-        </p:txBody>
-      </p:sp>
-      <p:sp>
-        <p:nvSpPr>
-          <p:cNvPr id="46" name="Ellipse 45">
-            <a:extLst>
-              <a:ext uri="{FF2B5EF4-FFF2-40B4-BE49-F238E27FC236}">
-                <a16:creationId xmlns:a16="http://schemas.microsoft.com/office/drawing/2014/main" id="{5E4F996C-4171-4BDD-B061-9A13629BE55F}"/>
-              </a:ext>
-            </a:extLst>
-          </p:cNvPr>
-          <p:cNvSpPr/>
-          <p:nvPr/>
-        </p:nvSpPr>
-        <p:spPr>
-          <a:xfrm>
-            <a:off x="11758059" y="7106285"/>
-            <a:ext cx="817200" cy="817200"/>
-          </a:xfrm>
-          <a:prstGeom prst="ellipse">
-            <a:avLst/>
-          </a:prstGeom>
-          <a:solidFill>
-            <a:srgbClr val="7030A0"/>
-          </a:solidFill>
-          <a:ln w="12700" cap="flat">
-            <a:noFill/>
-            <a:miter lim="400000"/>
-          </a:ln>
-          <a:effectLst/>
-          <a:sp3d/>
-        </p:spPr>
-        <p:style>
-          <a:lnRef idx="0">
-            <a:scrgbClr r="0" g="0" b="0"/>
-          </a:lnRef>
-          <a:fillRef idx="0">
-            <a:scrgbClr r="0" g="0" b="0"/>
-          </a:fillRef>
-          <a:effectRef idx="0">
-            <a:scrgbClr r="0" g="0" b="0"/>
-          </a:effectRef>
-          <a:fontRef idx="none"/>
-        </p:style>
-        <p:txBody>
-          <a:bodyPr rot="0" spcFirstLastPara="1" vertOverflow="overflow" horzOverflow="overflow" vert="horz" wrap="square" lIns="50800" tIns="50800" rIns="50800" bIns="50800" numCol="1" spcCol="38100" rtlCol="0" anchor="ctr">
-            <a:spAutoFit/>
-          </a:bodyPr>
-          <a:lstStyle/>
-          <a:p>
-            <a:pPr marL="0" marR="0" indent="0" algn="ctr" defTabSz="825500" rtl="0" fontAlgn="auto" latinLnBrk="0" hangingPunct="0">
-              <a:lnSpc>
-                <a:spcPct val="100000"/>
-              </a:lnSpc>
-              <a:spcBef>
-                <a:spcPts val="0"/>
-              </a:spcBef>
-              <a:spcAft>
-                <a:spcPts val="0"/>
-              </a:spcAft>
-              <a:buClrTx/>
-              <a:buSzTx/>
-              <a:buFontTx/>
-              <a:buNone/>
-              <a:tabLst/>
-            </a:pPr>
-            <a:endParaRPr kumimoji="0" lang="en-DE" sz="3200" b="0" i="0" u="none" strike="noStrike" cap="none" spc="0" normalizeH="0" baseline="0">
-              <a:ln>
-                <a:noFill/>
-              </a:ln>
-              <a:solidFill>
-                <a:srgbClr val="FFFFFF"/>
-              </a:solidFill>
-              <a:effectLst/>
-              <a:uFillTx/>
-              <a:latin typeface="Helvetica Neue Medium"/>
-              <a:ea typeface="Helvetica Neue Medium"/>
-              <a:cs typeface="Helvetica Neue Medium"/>
-              <a:sym typeface="Helvetica Neue Medium"/>
-            </a:endParaRPr>
-          </a:p>
-        </p:txBody>
-      </p:sp>
-      <p:sp>
-        <p:nvSpPr>
-          <p:cNvPr id="48" name="Textfeld 47">
-            <a:extLst>
-              <a:ext uri="{FF2B5EF4-FFF2-40B4-BE49-F238E27FC236}">
-                <a16:creationId xmlns:a16="http://schemas.microsoft.com/office/drawing/2014/main" id="{5205331B-4AC7-4265-846E-7EADCE031175}"/>
-              </a:ext>
-            </a:extLst>
-          </p:cNvPr>
-          <p:cNvSpPr txBox="1"/>
-          <p:nvPr/>
-        </p:nvSpPr>
-        <p:spPr>
-          <a:xfrm>
-            <a:off x="9067237" y="6334943"/>
-            <a:ext cx="1219673" cy="841256"/>
-          </a:xfrm>
-          <a:prstGeom prst="rect">
-            <a:avLst/>
-          </a:prstGeom>
-          <a:noFill/>
-          <a:ln w="12700" cap="flat">
-            <a:noFill/>
-            <a:miter lim="400000"/>
-          </a:ln>
-          <a:effectLst/>
-          <a:sp3d/>
-        </p:spPr>
-        <p:style>
-          <a:lnRef idx="0">
-            <a:scrgbClr r="0" g="0" b="0"/>
-          </a:lnRef>
-          <a:fillRef idx="0">
-            <a:scrgbClr r="0" g="0" b="0"/>
-          </a:fillRef>
-          <a:effectRef idx="0">
-            <a:scrgbClr r="0" g="0" b="0"/>
-          </a:effectRef>
-          <a:fontRef idx="none"/>
-        </p:style>
-        <p:txBody>
-          <a:bodyPr rot="0" spcFirstLastPara="1" vertOverflow="overflow" horzOverflow="overflow" vert="horz" wrap="square" lIns="50800" tIns="50800" rIns="50800" bIns="50800" numCol="1" spcCol="38100" rtlCol="0" anchor="ctr">
-            <a:spAutoFit/>
-          </a:bodyPr>
-          <a:lstStyle/>
-          <a:p>
-            <a:pPr marL="0" marR="0" indent="0" algn="ctr" defTabSz="2438338" rtl="0" fontAlgn="auto" latinLnBrk="0" hangingPunct="0">
-              <a:lnSpc>
-                <a:spcPct val="100000"/>
-              </a:lnSpc>
-              <a:spcBef>
-                <a:spcPts val="0"/>
-              </a:spcBef>
-              <a:spcAft>
-                <a:spcPts val="0"/>
-              </a:spcAft>
-              <a:buClrTx/>
-              <a:buSzTx/>
-              <a:buFontTx/>
-              <a:buNone/>
-              <a:tabLst/>
-            </a:pPr>
-            <a:r>
-              <a:rPr kumimoji="0" lang="en-US" sz="2400" b="0" i="0" u="none" strike="noStrike" cap="none" spc="0" normalizeH="0" baseline="0" dirty="0">
-                <a:ln>
-                  <a:noFill/>
-                </a:ln>
-                <a:solidFill>
-                  <a:srgbClr val="5E5E5E"/>
-                </a:solidFill>
-                <a:effectLst/>
-                <a:uFillTx/>
-                <a:latin typeface="+mn-lt"/>
-                <a:ea typeface="+mn-ea"/>
-                <a:cs typeface="+mn-cs"/>
-                <a:sym typeface="Helvetica Neue"/>
-              </a:rPr>
-              <a:t>DACH</a:t>
-            </a:r>
-          </a:p>
-          <a:p>
-            <a:pPr marL="0" marR="0" indent="0" algn="ctr" defTabSz="2438338" rtl="0" fontAlgn="auto" latinLnBrk="0" hangingPunct="0">
-              <a:lnSpc>
-                <a:spcPct val="100000"/>
-              </a:lnSpc>
-              <a:spcBef>
-                <a:spcPts val="0"/>
-              </a:spcBef>
-              <a:spcAft>
-                <a:spcPts val="0"/>
-              </a:spcAft>
-              <a:buClrTx/>
-              <a:buSzTx/>
-              <a:buFontTx/>
-              <a:buNone/>
-              <a:tabLst/>
-            </a:pPr>
-            <a:r>
-              <a:rPr lang="en-US" dirty="0"/>
-              <a:t>2,84%</a:t>
-            </a:r>
-            <a:endParaRPr kumimoji="0" lang="en-DE" sz="2400" b="0" i="0" u="none" strike="noStrike" cap="none" spc="0" normalizeH="0" baseline="0" dirty="0">
-              <a:ln>
-                <a:noFill/>
-              </a:ln>
-              <a:solidFill>
-                <a:srgbClr val="5E5E5E"/>
-              </a:solidFill>
-              <a:effectLst/>
-              <a:uFillTx/>
-              <a:latin typeface="+mn-lt"/>
-              <a:ea typeface="+mn-ea"/>
-              <a:cs typeface="+mn-cs"/>
-              <a:sym typeface="Helvetica Neue"/>
-            </a:endParaRPr>
-          </a:p>
-        </p:txBody>
-      </p:sp>
-      <p:sp>
-        <p:nvSpPr>
-          <p:cNvPr id="50" name="Textfeld 49">
-            <a:extLst>
-              <a:ext uri="{FF2B5EF4-FFF2-40B4-BE49-F238E27FC236}">
-                <a16:creationId xmlns:a16="http://schemas.microsoft.com/office/drawing/2014/main" id="{98A2EF0B-36AA-4DDE-97F9-CB4AC9E6E5B2}"/>
-              </a:ext>
-            </a:extLst>
-          </p:cNvPr>
-          <p:cNvSpPr txBox="1"/>
-          <p:nvPr/>
-        </p:nvSpPr>
-        <p:spPr>
-          <a:xfrm>
-            <a:off x="10372934" y="6314336"/>
-            <a:ext cx="1219673" cy="841256"/>
-          </a:xfrm>
-          <a:prstGeom prst="rect">
-            <a:avLst/>
-          </a:prstGeom>
-          <a:noFill/>
-          <a:ln w="12700" cap="flat">
-            <a:noFill/>
-            <a:miter lim="400000"/>
-          </a:ln>
-          <a:effectLst/>
-          <a:sp3d/>
-        </p:spPr>
-        <p:style>
-          <a:lnRef idx="0">
-            <a:scrgbClr r="0" g="0" b="0"/>
-          </a:lnRef>
-          <a:fillRef idx="0">
-            <a:scrgbClr r="0" g="0" b="0"/>
-          </a:fillRef>
-          <a:effectRef idx="0">
-            <a:scrgbClr r="0" g="0" b="0"/>
-          </a:effectRef>
-          <a:fontRef idx="none"/>
-        </p:style>
-        <p:txBody>
-          <a:bodyPr rot="0" spcFirstLastPara="1" vertOverflow="overflow" horzOverflow="overflow" vert="horz" wrap="square" lIns="50800" tIns="50800" rIns="50800" bIns="50800" numCol="1" spcCol="38100" rtlCol="0" anchor="ctr">
-            <a:spAutoFit/>
-          </a:bodyPr>
-          <a:lstStyle/>
-          <a:p>
-            <a:pPr marL="0" marR="0" indent="0" algn="ctr" defTabSz="2438338" rtl="0" fontAlgn="auto" latinLnBrk="0" hangingPunct="0">
-              <a:lnSpc>
-                <a:spcPct val="100000"/>
-              </a:lnSpc>
-              <a:spcBef>
-                <a:spcPts val="0"/>
-              </a:spcBef>
-              <a:spcAft>
-                <a:spcPts val="0"/>
-              </a:spcAft>
-              <a:buClrTx/>
-              <a:buSzTx/>
-              <a:buFontTx/>
-              <a:buNone/>
-              <a:tabLst/>
-            </a:pPr>
-            <a:r>
-              <a:rPr kumimoji="0" lang="en-US" sz="2400" b="0" i="0" u="none" strike="noStrike" cap="none" spc="0" normalizeH="0" baseline="0" dirty="0">
-                <a:ln>
-                  <a:noFill/>
-                </a:ln>
-                <a:solidFill>
-                  <a:srgbClr val="5E5E5E"/>
-                </a:solidFill>
-                <a:effectLst/>
-                <a:uFillTx/>
-                <a:latin typeface="+mn-lt"/>
-                <a:ea typeface="+mn-ea"/>
-                <a:cs typeface="+mn-cs"/>
-                <a:sym typeface="Helvetica Neue"/>
-              </a:rPr>
-              <a:t>UK</a:t>
-            </a:r>
-          </a:p>
-          <a:p>
-            <a:pPr marL="0" marR="0" indent="0" algn="ctr" defTabSz="2438338" rtl="0" fontAlgn="auto" latinLnBrk="0" hangingPunct="0">
-              <a:lnSpc>
-                <a:spcPct val="100000"/>
-              </a:lnSpc>
-              <a:spcBef>
-                <a:spcPts val="0"/>
-              </a:spcBef>
-              <a:spcAft>
-                <a:spcPts val="0"/>
-              </a:spcAft>
-              <a:buClrTx/>
-              <a:buSzTx/>
-              <a:buFontTx/>
-              <a:buNone/>
-              <a:tabLst/>
-            </a:pPr>
-            <a:r>
-              <a:rPr lang="en-US" dirty="0"/>
-              <a:t>3,07%</a:t>
-            </a:r>
-            <a:endParaRPr kumimoji="0" lang="en-DE" sz="2400" b="0" i="0" u="none" strike="noStrike" cap="none" spc="0" normalizeH="0" baseline="0" dirty="0">
-              <a:ln>
-                <a:noFill/>
-              </a:ln>
-              <a:solidFill>
-                <a:srgbClr val="5E5E5E"/>
-              </a:solidFill>
-              <a:effectLst/>
-              <a:uFillTx/>
-              <a:latin typeface="+mn-lt"/>
-              <a:ea typeface="+mn-ea"/>
-              <a:cs typeface="+mn-cs"/>
-              <a:sym typeface="Helvetica Neue"/>
-            </a:endParaRPr>
-          </a:p>
-        </p:txBody>
-      </p:sp>
-      <p:sp>
-        <p:nvSpPr>
-          <p:cNvPr id="52" name="Textfeld 51">
-            <a:extLst>
-              <a:ext uri="{FF2B5EF4-FFF2-40B4-BE49-F238E27FC236}">
-                <a16:creationId xmlns:a16="http://schemas.microsoft.com/office/drawing/2014/main" id="{F233F5BC-5953-4DF7-B40F-FB0EF87240F4}"/>
-              </a:ext>
-            </a:extLst>
-          </p:cNvPr>
-          <p:cNvSpPr txBox="1"/>
-          <p:nvPr/>
-        </p:nvSpPr>
-        <p:spPr>
-          <a:xfrm>
-            <a:off x="11582804" y="6318226"/>
-            <a:ext cx="1219673" cy="841256"/>
-          </a:xfrm>
-          <a:prstGeom prst="rect">
-            <a:avLst/>
-          </a:prstGeom>
-          <a:noFill/>
-          <a:ln w="12700" cap="flat">
-            <a:noFill/>
-            <a:miter lim="400000"/>
-          </a:ln>
-          <a:effectLst/>
-          <a:sp3d/>
-        </p:spPr>
-        <p:style>
-          <a:lnRef idx="0">
-            <a:scrgbClr r="0" g="0" b="0"/>
-          </a:lnRef>
-          <a:fillRef idx="0">
-            <a:scrgbClr r="0" g="0" b="0"/>
-          </a:fillRef>
-          <a:effectRef idx="0">
-            <a:scrgbClr r="0" g="0" b="0"/>
-          </a:effectRef>
-          <a:fontRef idx="none"/>
-        </p:style>
-        <p:txBody>
-          <a:bodyPr rot="0" spcFirstLastPara="1" vertOverflow="overflow" horzOverflow="overflow" vert="horz" wrap="square" lIns="50800" tIns="50800" rIns="50800" bIns="50800" numCol="1" spcCol="38100" rtlCol="0" anchor="ctr">
-            <a:spAutoFit/>
-          </a:bodyPr>
-          <a:lstStyle/>
-          <a:p>
-            <a:pPr marL="0" marR="0" indent="0" algn="ctr" defTabSz="2438338" rtl="0" fontAlgn="auto" latinLnBrk="0" hangingPunct="0">
-              <a:lnSpc>
-                <a:spcPct val="100000"/>
-              </a:lnSpc>
-              <a:spcBef>
-                <a:spcPts val="0"/>
-              </a:spcBef>
-              <a:spcAft>
-                <a:spcPts val="0"/>
-              </a:spcAft>
-              <a:buClrTx/>
-              <a:buSzTx/>
-              <a:buFontTx/>
-              <a:buNone/>
-              <a:tabLst/>
-            </a:pPr>
-            <a:r>
-              <a:rPr kumimoji="0" lang="en-US" sz="2400" b="0" i="0" u="none" strike="noStrike" cap="none" spc="0" normalizeH="0" baseline="0" dirty="0">
-                <a:ln>
-                  <a:noFill/>
-                </a:ln>
-                <a:solidFill>
-                  <a:srgbClr val="5E5E5E"/>
-                </a:solidFill>
-                <a:effectLst/>
-                <a:uFillTx/>
-                <a:latin typeface="+mn-lt"/>
-                <a:ea typeface="+mn-ea"/>
-                <a:cs typeface="+mn-cs"/>
-                <a:sym typeface="Helvetica Neue"/>
-              </a:rPr>
-              <a:t>US</a:t>
-            </a:r>
-          </a:p>
-          <a:p>
-            <a:pPr marL="0" marR="0" indent="0" algn="ctr" defTabSz="2438338" rtl="0" fontAlgn="auto" latinLnBrk="0" hangingPunct="0">
-              <a:lnSpc>
-                <a:spcPct val="100000"/>
-              </a:lnSpc>
-              <a:spcBef>
-                <a:spcPts val="0"/>
-              </a:spcBef>
-              <a:spcAft>
-                <a:spcPts val="0"/>
-              </a:spcAft>
-              <a:buClrTx/>
-              <a:buSzTx/>
-              <a:buFontTx/>
-              <a:buNone/>
-              <a:tabLst/>
-            </a:pPr>
-            <a:r>
-              <a:rPr lang="en-US" dirty="0"/>
-              <a:t>2,27%</a:t>
-            </a:r>
-            <a:endParaRPr kumimoji="0" lang="en-DE" sz="2400" b="0" i="0" u="none" strike="noStrike" cap="none" spc="0" normalizeH="0" baseline="0" dirty="0">
-              <a:ln>
-                <a:noFill/>
-              </a:ln>
-              <a:solidFill>
-                <a:srgbClr val="5E5E5E"/>
-              </a:solidFill>
-              <a:effectLst/>
-              <a:uFillTx/>
-              <a:latin typeface="+mn-lt"/>
-              <a:ea typeface="+mn-ea"/>
-              <a:cs typeface="+mn-cs"/>
-              <a:sym typeface="Helvetica Neue"/>
-            </a:endParaRPr>
-          </a:p>
-        </p:txBody>
-      </p:sp>
-      <p:sp>
-        <p:nvSpPr>
-          <p:cNvPr id="54" name="Ellipse 53">
-            <a:extLst>
-              <a:ext uri="{FF2B5EF4-FFF2-40B4-BE49-F238E27FC236}">
-                <a16:creationId xmlns:a16="http://schemas.microsoft.com/office/drawing/2014/main" id="{195401F7-D899-4AE1-88D2-E2D3F11E1A65}"/>
-              </a:ext>
-            </a:extLst>
-          </p:cNvPr>
-          <p:cNvSpPr/>
-          <p:nvPr/>
-        </p:nvSpPr>
-        <p:spPr>
-          <a:xfrm>
-            <a:off x="16918650" y="4662699"/>
-            <a:ext cx="122400" cy="122400"/>
-          </a:xfrm>
-          <a:prstGeom prst="ellipse">
-            <a:avLst/>
-          </a:prstGeom>
-          <a:solidFill>
-            <a:schemeClr val="accent5"/>
           </a:solidFill>
           <a:ln w="12700" cap="flat">
             <a:noFill/>
@@ -6693,10 +5652,10 @@
       </p:sp>
       <p:sp>
         <p:nvSpPr>
-          <p:cNvPr id="56" name="Ellipse 55">
+          <p:cNvPr id="41" name="Ellipse 40">
             <a:extLst>
               <a:ext uri="{FF2B5EF4-FFF2-40B4-BE49-F238E27FC236}">
-                <a16:creationId xmlns:a16="http://schemas.microsoft.com/office/drawing/2014/main" id="{518F5BD0-EAD3-46E0-BED9-0DEC0E8DD19F}"/>
+                <a16:creationId xmlns:a16="http://schemas.microsoft.com/office/drawing/2014/main" id="{DF8F85BF-1E70-4106-9C8F-2718D64FD814}"/>
               </a:ext>
             </a:extLst>
           </p:cNvPr>
@@ -6705,8 +5664,8 @@
         </p:nvSpPr>
         <p:spPr>
           <a:xfrm>
-            <a:off x="18242104" y="4613740"/>
-            <a:ext cx="244800" cy="244800"/>
+            <a:off x="19009573" y="4742030"/>
+            <a:ext cx="82800" cy="82800"/>
           </a:xfrm>
           <a:prstGeom prst="ellipse">
             <a:avLst/>
@@ -6716,522 +5675,6 @@
               <a:lumMod val="60000"/>
               <a:lumOff val="40000"/>
             </a:schemeClr>
-          </a:solidFill>
-          <a:ln w="12700" cap="flat">
-            <a:noFill/>
-            <a:miter lim="400000"/>
-          </a:ln>
-          <a:effectLst/>
-          <a:sp3d/>
-        </p:spPr>
-        <p:style>
-          <a:lnRef idx="0">
-            <a:scrgbClr r="0" g="0" b="0"/>
-          </a:lnRef>
-          <a:fillRef idx="0">
-            <a:scrgbClr r="0" g="0" b="0"/>
-          </a:fillRef>
-          <a:effectRef idx="0">
-            <a:scrgbClr r="0" g="0" b="0"/>
-          </a:effectRef>
-          <a:fontRef idx="none"/>
-        </p:style>
-        <p:txBody>
-          <a:bodyPr rot="0" spcFirstLastPara="1" vertOverflow="overflow" horzOverflow="overflow" vert="horz" wrap="square" lIns="50800" tIns="50800" rIns="50800" bIns="50800" numCol="1" spcCol="38100" rtlCol="0" anchor="ctr">
-            <a:spAutoFit/>
-          </a:bodyPr>
-          <a:lstStyle/>
-          <a:p>
-            <a:pPr marL="0" marR="0" indent="0" algn="ctr" defTabSz="825500" rtl="0" fontAlgn="auto" latinLnBrk="0" hangingPunct="0">
-              <a:lnSpc>
-                <a:spcPct val="100000"/>
-              </a:lnSpc>
-              <a:spcBef>
-                <a:spcPts val="0"/>
-              </a:spcBef>
-              <a:spcAft>
-                <a:spcPts val="0"/>
-              </a:spcAft>
-              <a:buClrTx/>
-              <a:buSzTx/>
-              <a:buFontTx/>
-              <a:buNone/>
-              <a:tabLst/>
-            </a:pPr>
-            <a:endParaRPr kumimoji="0" lang="en-DE" sz="3200" b="0" i="0" u="none" strike="noStrike" cap="none" spc="0" normalizeH="0" baseline="0">
-              <a:ln>
-                <a:noFill/>
-              </a:ln>
-              <a:solidFill>
-                <a:srgbClr val="FFFFFF"/>
-              </a:solidFill>
-              <a:effectLst/>
-              <a:uFillTx/>
-              <a:latin typeface="Helvetica Neue Medium"/>
-              <a:ea typeface="Helvetica Neue Medium"/>
-              <a:cs typeface="Helvetica Neue Medium"/>
-              <a:sym typeface="Helvetica Neue Medium"/>
-            </a:endParaRPr>
-          </a:p>
-        </p:txBody>
-      </p:sp>
-      <p:sp>
-        <p:nvSpPr>
-          <p:cNvPr id="58" name="Ellipse 57">
-            <a:extLst>
-              <a:ext uri="{FF2B5EF4-FFF2-40B4-BE49-F238E27FC236}">
-                <a16:creationId xmlns:a16="http://schemas.microsoft.com/office/drawing/2014/main" id="{EAFBC562-100E-4438-BF13-17D36425D1BE}"/>
-              </a:ext>
-            </a:extLst>
-          </p:cNvPr>
-          <p:cNvSpPr/>
-          <p:nvPr/>
-        </p:nvSpPr>
-        <p:spPr>
-          <a:xfrm>
-            <a:off x="19275795" y="4523548"/>
-            <a:ext cx="450000" cy="450000"/>
-          </a:xfrm>
-          <a:prstGeom prst="ellipse">
-            <a:avLst/>
-          </a:prstGeom>
-          <a:solidFill>
-            <a:srgbClr val="7030A0"/>
-          </a:solidFill>
-          <a:ln w="12700" cap="flat">
-            <a:noFill/>
-            <a:miter lim="400000"/>
-          </a:ln>
-          <a:effectLst/>
-          <a:sp3d/>
-        </p:spPr>
-        <p:style>
-          <a:lnRef idx="0">
-            <a:scrgbClr r="0" g="0" b="0"/>
-          </a:lnRef>
-          <a:fillRef idx="0">
-            <a:scrgbClr r="0" g="0" b="0"/>
-          </a:fillRef>
-          <a:effectRef idx="0">
-            <a:scrgbClr r="0" g="0" b="0"/>
-          </a:effectRef>
-          <a:fontRef idx="none"/>
-        </p:style>
-        <p:txBody>
-          <a:bodyPr rot="0" spcFirstLastPara="1" vertOverflow="overflow" horzOverflow="overflow" vert="horz" wrap="square" lIns="50800" tIns="50800" rIns="50800" bIns="50800" numCol="1" spcCol="38100" rtlCol="0" anchor="ctr">
-            <a:spAutoFit/>
-          </a:bodyPr>
-          <a:lstStyle/>
-          <a:p>
-            <a:pPr marL="0" marR="0" indent="0" algn="ctr" defTabSz="825500" rtl="0" fontAlgn="auto" latinLnBrk="0" hangingPunct="0">
-              <a:lnSpc>
-                <a:spcPct val="100000"/>
-              </a:lnSpc>
-              <a:spcBef>
-                <a:spcPts val="0"/>
-              </a:spcBef>
-              <a:spcAft>
-                <a:spcPts val="0"/>
-              </a:spcAft>
-              <a:buClrTx/>
-              <a:buSzTx/>
-              <a:buFontTx/>
-              <a:buNone/>
-              <a:tabLst/>
-            </a:pPr>
-            <a:endParaRPr kumimoji="0" lang="en-DE" sz="3200" b="0" i="0" u="none" strike="noStrike" cap="none" spc="0" normalizeH="0" baseline="0">
-              <a:ln>
-                <a:noFill/>
-              </a:ln>
-              <a:solidFill>
-                <a:srgbClr val="FFFFFF"/>
-              </a:solidFill>
-              <a:effectLst/>
-              <a:uFillTx/>
-              <a:latin typeface="Helvetica Neue Medium"/>
-              <a:ea typeface="Helvetica Neue Medium"/>
-              <a:cs typeface="Helvetica Neue Medium"/>
-              <a:sym typeface="Helvetica Neue Medium"/>
-            </a:endParaRPr>
-          </a:p>
-        </p:txBody>
-      </p:sp>
-      <p:sp>
-        <p:nvSpPr>
-          <p:cNvPr id="60" name="Textfeld 59">
-            <a:extLst>
-              <a:ext uri="{FF2B5EF4-FFF2-40B4-BE49-F238E27FC236}">
-                <a16:creationId xmlns:a16="http://schemas.microsoft.com/office/drawing/2014/main" id="{4B318F54-32C3-4C45-9E2F-2D1750E27AB6}"/>
-              </a:ext>
-            </a:extLst>
-          </p:cNvPr>
-          <p:cNvSpPr txBox="1"/>
-          <p:nvPr/>
-        </p:nvSpPr>
-        <p:spPr>
-          <a:xfrm>
-            <a:off x="16370014" y="3604355"/>
-            <a:ext cx="1219673" cy="841256"/>
-          </a:xfrm>
-          <a:prstGeom prst="rect">
-            <a:avLst/>
-          </a:prstGeom>
-          <a:noFill/>
-          <a:ln w="12700" cap="flat">
-            <a:noFill/>
-            <a:miter lim="400000"/>
-          </a:ln>
-          <a:effectLst/>
-          <a:sp3d/>
-        </p:spPr>
-        <p:style>
-          <a:lnRef idx="0">
-            <a:scrgbClr r="0" g="0" b="0"/>
-          </a:lnRef>
-          <a:fillRef idx="0">
-            <a:scrgbClr r="0" g="0" b="0"/>
-          </a:fillRef>
-          <a:effectRef idx="0">
-            <a:scrgbClr r="0" g="0" b="0"/>
-          </a:effectRef>
-          <a:fontRef idx="none"/>
-        </p:style>
-        <p:txBody>
-          <a:bodyPr rot="0" spcFirstLastPara="1" vertOverflow="overflow" horzOverflow="overflow" vert="horz" wrap="square" lIns="50800" tIns="50800" rIns="50800" bIns="50800" numCol="1" spcCol="38100" rtlCol="0" anchor="ctr">
-            <a:spAutoFit/>
-          </a:bodyPr>
-          <a:lstStyle/>
-          <a:p>
-            <a:pPr marL="0" marR="0" indent="0" algn="ctr" defTabSz="2438338" rtl="0" fontAlgn="auto" latinLnBrk="0" hangingPunct="0">
-              <a:lnSpc>
-                <a:spcPct val="100000"/>
-              </a:lnSpc>
-              <a:spcBef>
-                <a:spcPts val="0"/>
-              </a:spcBef>
-              <a:spcAft>
-                <a:spcPts val="0"/>
-              </a:spcAft>
-              <a:buClrTx/>
-              <a:buSzTx/>
-              <a:buFontTx/>
-              <a:buNone/>
-              <a:tabLst/>
-            </a:pPr>
-            <a:r>
-              <a:rPr kumimoji="0" lang="en-US" sz="2400" b="0" i="0" u="none" strike="noStrike" cap="none" spc="0" normalizeH="0" baseline="0" dirty="0">
-                <a:ln>
-                  <a:noFill/>
-                </a:ln>
-                <a:solidFill>
-                  <a:srgbClr val="5E5E5E"/>
-                </a:solidFill>
-                <a:effectLst/>
-                <a:uFillTx/>
-                <a:latin typeface="+mn-lt"/>
-                <a:ea typeface="+mn-ea"/>
-                <a:cs typeface="+mn-cs"/>
-                <a:sym typeface="Helvetica Neue"/>
-              </a:rPr>
-              <a:t>DACH</a:t>
-            </a:r>
-          </a:p>
-          <a:p>
-            <a:pPr marL="0" marR="0" indent="0" algn="ctr" defTabSz="2438338" rtl="0" fontAlgn="auto" latinLnBrk="0" hangingPunct="0">
-              <a:lnSpc>
-                <a:spcPct val="100000"/>
-              </a:lnSpc>
-              <a:spcBef>
-                <a:spcPts val="0"/>
-              </a:spcBef>
-              <a:spcAft>
-                <a:spcPts val="0"/>
-              </a:spcAft>
-              <a:buClrTx/>
-              <a:buSzTx/>
-              <a:buFontTx/>
-              <a:buNone/>
-              <a:tabLst/>
-            </a:pPr>
-            <a:r>
-              <a:rPr lang="en-US" dirty="0"/>
-              <a:t>0,34%</a:t>
-            </a:r>
-            <a:endParaRPr kumimoji="0" lang="en-DE" sz="2400" b="0" i="0" u="none" strike="noStrike" cap="none" spc="0" normalizeH="0" baseline="0" dirty="0">
-              <a:ln>
-                <a:noFill/>
-              </a:ln>
-              <a:solidFill>
-                <a:srgbClr val="5E5E5E"/>
-              </a:solidFill>
-              <a:effectLst/>
-              <a:uFillTx/>
-              <a:latin typeface="+mn-lt"/>
-              <a:ea typeface="+mn-ea"/>
-              <a:cs typeface="+mn-cs"/>
-              <a:sym typeface="Helvetica Neue"/>
-            </a:endParaRPr>
-          </a:p>
-        </p:txBody>
-      </p:sp>
-      <p:sp>
-        <p:nvSpPr>
-          <p:cNvPr id="62" name="Textfeld 61">
-            <a:extLst>
-              <a:ext uri="{FF2B5EF4-FFF2-40B4-BE49-F238E27FC236}">
-                <a16:creationId xmlns:a16="http://schemas.microsoft.com/office/drawing/2014/main" id="{A4205DB8-2D25-414C-ABA7-9B475417737C}"/>
-              </a:ext>
-            </a:extLst>
-          </p:cNvPr>
-          <p:cNvSpPr txBox="1"/>
-          <p:nvPr/>
-        </p:nvSpPr>
-        <p:spPr>
-          <a:xfrm>
-            <a:off x="17675711" y="3583748"/>
-            <a:ext cx="1219673" cy="841256"/>
-          </a:xfrm>
-          <a:prstGeom prst="rect">
-            <a:avLst/>
-          </a:prstGeom>
-          <a:noFill/>
-          <a:ln w="12700" cap="flat">
-            <a:noFill/>
-            <a:miter lim="400000"/>
-          </a:ln>
-          <a:effectLst/>
-          <a:sp3d/>
-        </p:spPr>
-        <p:style>
-          <a:lnRef idx="0">
-            <a:scrgbClr r="0" g="0" b="0"/>
-          </a:lnRef>
-          <a:fillRef idx="0">
-            <a:scrgbClr r="0" g="0" b="0"/>
-          </a:fillRef>
-          <a:effectRef idx="0">
-            <a:scrgbClr r="0" g="0" b="0"/>
-          </a:effectRef>
-          <a:fontRef idx="none"/>
-        </p:style>
-        <p:txBody>
-          <a:bodyPr rot="0" spcFirstLastPara="1" vertOverflow="overflow" horzOverflow="overflow" vert="horz" wrap="square" lIns="50800" tIns="50800" rIns="50800" bIns="50800" numCol="1" spcCol="38100" rtlCol="0" anchor="ctr">
-            <a:spAutoFit/>
-          </a:bodyPr>
-          <a:lstStyle/>
-          <a:p>
-            <a:pPr marL="0" marR="0" indent="0" algn="ctr" defTabSz="2438338" rtl="0" fontAlgn="auto" latinLnBrk="0" hangingPunct="0">
-              <a:lnSpc>
-                <a:spcPct val="100000"/>
-              </a:lnSpc>
-              <a:spcBef>
-                <a:spcPts val="0"/>
-              </a:spcBef>
-              <a:spcAft>
-                <a:spcPts val="0"/>
-              </a:spcAft>
-              <a:buClrTx/>
-              <a:buSzTx/>
-              <a:buFontTx/>
-              <a:buNone/>
-              <a:tabLst/>
-            </a:pPr>
-            <a:r>
-              <a:rPr kumimoji="0" lang="en-US" sz="2400" b="0" i="0" u="none" strike="noStrike" cap="none" spc="0" normalizeH="0" baseline="0" dirty="0">
-                <a:ln>
-                  <a:noFill/>
-                </a:ln>
-                <a:solidFill>
-                  <a:srgbClr val="5E5E5E"/>
-                </a:solidFill>
-                <a:effectLst/>
-                <a:uFillTx/>
-                <a:latin typeface="+mn-lt"/>
-                <a:ea typeface="+mn-ea"/>
-                <a:cs typeface="+mn-cs"/>
-                <a:sym typeface="Helvetica Neue"/>
-              </a:rPr>
-              <a:t>UK</a:t>
-            </a:r>
-          </a:p>
-          <a:p>
-            <a:pPr marL="0" marR="0" indent="0" algn="ctr" defTabSz="2438338" rtl="0" fontAlgn="auto" latinLnBrk="0" hangingPunct="0">
-              <a:lnSpc>
-                <a:spcPct val="100000"/>
-              </a:lnSpc>
-              <a:spcBef>
-                <a:spcPts val="0"/>
-              </a:spcBef>
-              <a:spcAft>
-                <a:spcPts val="0"/>
-              </a:spcAft>
-              <a:buClrTx/>
-              <a:buSzTx/>
-              <a:buFontTx/>
-              <a:buNone/>
-              <a:tabLst/>
-            </a:pPr>
-            <a:r>
-              <a:rPr lang="en-US" dirty="0"/>
-              <a:t>0,68%</a:t>
-            </a:r>
-            <a:endParaRPr kumimoji="0" lang="en-DE" sz="2400" b="0" i="0" u="none" strike="noStrike" cap="none" spc="0" normalizeH="0" baseline="0" dirty="0">
-              <a:ln>
-                <a:noFill/>
-              </a:ln>
-              <a:solidFill>
-                <a:srgbClr val="5E5E5E"/>
-              </a:solidFill>
-              <a:effectLst/>
-              <a:uFillTx/>
-              <a:latin typeface="+mn-lt"/>
-              <a:ea typeface="+mn-ea"/>
-              <a:cs typeface="+mn-cs"/>
-              <a:sym typeface="Helvetica Neue"/>
-            </a:endParaRPr>
-          </a:p>
-        </p:txBody>
-      </p:sp>
-      <p:sp>
-        <p:nvSpPr>
-          <p:cNvPr id="64" name="Textfeld 63">
-            <a:extLst>
-              <a:ext uri="{FF2B5EF4-FFF2-40B4-BE49-F238E27FC236}">
-                <a16:creationId xmlns:a16="http://schemas.microsoft.com/office/drawing/2014/main" id="{AE4EC75E-ECA4-4DE1-8AF0-8D383D9E9860}"/>
-              </a:ext>
-            </a:extLst>
-          </p:cNvPr>
-          <p:cNvSpPr txBox="1"/>
-          <p:nvPr/>
-        </p:nvSpPr>
-        <p:spPr>
-          <a:xfrm>
-            <a:off x="18885581" y="3587638"/>
-            <a:ext cx="1219673" cy="841256"/>
-          </a:xfrm>
-          <a:prstGeom prst="rect">
-            <a:avLst/>
-          </a:prstGeom>
-          <a:noFill/>
-          <a:ln w="12700" cap="flat">
-            <a:noFill/>
-            <a:miter lim="400000"/>
-          </a:ln>
-          <a:effectLst/>
-          <a:sp3d/>
-        </p:spPr>
-        <p:style>
-          <a:lnRef idx="0">
-            <a:scrgbClr r="0" g="0" b="0"/>
-          </a:lnRef>
-          <a:fillRef idx="0">
-            <a:scrgbClr r="0" g="0" b="0"/>
-          </a:fillRef>
-          <a:effectRef idx="0">
-            <a:scrgbClr r="0" g="0" b="0"/>
-          </a:effectRef>
-          <a:fontRef idx="none"/>
-        </p:style>
-        <p:txBody>
-          <a:bodyPr rot="0" spcFirstLastPara="1" vertOverflow="overflow" horzOverflow="overflow" vert="horz" wrap="square" lIns="50800" tIns="50800" rIns="50800" bIns="50800" numCol="1" spcCol="38100" rtlCol="0" anchor="ctr">
-            <a:spAutoFit/>
-          </a:bodyPr>
-          <a:lstStyle/>
-          <a:p>
-            <a:pPr marL="0" marR="0" indent="0" algn="ctr" defTabSz="2438338" rtl="0" fontAlgn="auto" latinLnBrk="0" hangingPunct="0">
-              <a:lnSpc>
-                <a:spcPct val="100000"/>
-              </a:lnSpc>
-              <a:spcBef>
-                <a:spcPts val="0"/>
-              </a:spcBef>
-              <a:spcAft>
-                <a:spcPts val="0"/>
-              </a:spcAft>
-              <a:buClrTx/>
-              <a:buSzTx/>
-              <a:buFontTx/>
-              <a:buNone/>
-              <a:tabLst/>
-            </a:pPr>
-            <a:r>
-              <a:rPr kumimoji="0" lang="en-US" sz="2400" b="0" i="0" u="none" strike="noStrike" cap="none" spc="0" normalizeH="0" baseline="0" dirty="0">
-                <a:ln>
-                  <a:noFill/>
-                </a:ln>
-                <a:solidFill>
-                  <a:srgbClr val="5E5E5E"/>
-                </a:solidFill>
-                <a:effectLst/>
-                <a:uFillTx/>
-                <a:latin typeface="+mn-lt"/>
-                <a:ea typeface="+mn-ea"/>
-                <a:cs typeface="+mn-cs"/>
-                <a:sym typeface="Helvetica Neue"/>
-              </a:rPr>
-              <a:t>US</a:t>
-            </a:r>
-          </a:p>
-          <a:p>
-            <a:pPr marL="0" marR="0" indent="0" algn="ctr" defTabSz="2438338" rtl="0" fontAlgn="auto" latinLnBrk="0" hangingPunct="0">
-              <a:lnSpc>
-                <a:spcPct val="100000"/>
-              </a:lnSpc>
-              <a:spcBef>
-                <a:spcPts val="0"/>
-              </a:spcBef>
-              <a:spcAft>
-                <a:spcPts val="0"/>
-              </a:spcAft>
-              <a:buClrTx/>
-              <a:buSzTx/>
-              <a:buFontTx/>
-              <a:buNone/>
-              <a:tabLst/>
-            </a:pPr>
-            <a:r>
-              <a:rPr lang="en-US" dirty="0"/>
-              <a:t>1,25%</a:t>
-            </a:r>
-            <a:endParaRPr kumimoji="0" lang="en-DE" sz="2400" b="0" i="0" u="none" strike="noStrike" cap="none" spc="0" normalizeH="0" baseline="0" dirty="0">
-              <a:ln>
-                <a:noFill/>
-              </a:ln>
-              <a:solidFill>
-                <a:srgbClr val="5E5E5E"/>
-              </a:solidFill>
-              <a:effectLst/>
-              <a:uFillTx/>
-              <a:latin typeface="+mn-lt"/>
-              <a:ea typeface="+mn-ea"/>
-              <a:cs typeface="+mn-cs"/>
-              <a:sym typeface="Helvetica Neue"/>
-            </a:endParaRPr>
-          </a:p>
-        </p:txBody>
-      </p:sp>
-      <p:sp>
-        <p:nvSpPr>
-          <p:cNvPr id="66" name="Ellipse 65">
-            <a:extLst>
-              <a:ext uri="{FF2B5EF4-FFF2-40B4-BE49-F238E27FC236}">
-                <a16:creationId xmlns:a16="http://schemas.microsoft.com/office/drawing/2014/main" id="{3CCFC058-5D77-42C3-A68D-BF60E936750D}"/>
-              </a:ext>
-            </a:extLst>
-          </p:cNvPr>
-          <p:cNvSpPr/>
-          <p:nvPr/>
-        </p:nvSpPr>
-        <p:spPr>
-          <a:xfrm>
-            <a:off x="9701223" y="4083483"/>
-            <a:ext cx="2001600" cy="2001600"/>
-          </a:xfrm>
-          <a:prstGeom prst="ellipse">
-            <a:avLst/>
-          </a:prstGeom>
-          <a:solidFill>
-            <a:schemeClr val="accent5"/>
           </a:solidFill>
           <a:ln w="12700" cap="flat">
             <a:noFill/>
@@ -7293,10 +5736,10 @@
       </p:sp>
       <p:sp>
         <p:nvSpPr>
-          <p:cNvPr id="68" name="Ellipse 67">
+          <p:cNvPr id="43" name="Ellipse 42">
             <a:extLst>
               <a:ext uri="{FF2B5EF4-FFF2-40B4-BE49-F238E27FC236}">
-                <a16:creationId xmlns:a16="http://schemas.microsoft.com/office/drawing/2014/main" id="{7E83C94B-815C-4054-9E9E-0E1C796C8453}"/>
+                <a16:creationId xmlns:a16="http://schemas.microsoft.com/office/drawing/2014/main" id="{BF767667-E7FC-4867-A526-3540FC520C6D}"/>
               </a:ext>
             </a:extLst>
           </p:cNvPr>
@@ -7305,8 +5748,8 @@
         </p:nvSpPr>
         <p:spPr>
           <a:xfrm>
-            <a:off x="11745835" y="4326012"/>
-            <a:ext cx="1389600" cy="1389600"/>
+            <a:off x="12262865" y="4449384"/>
+            <a:ext cx="518400" cy="518400"/>
           </a:xfrm>
           <a:prstGeom prst="ellipse">
             <a:avLst/>
@@ -7316,522 +5759,6 @@
               <a:lumMod val="60000"/>
               <a:lumOff val="40000"/>
             </a:schemeClr>
-          </a:solidFill>
-          <a:ln w="12700" cap="flat">
-            <a:noFill/>
-            <a:miter lim="400000"/>
-          </a:ln>
-          <a:effectLst/>
-          <a:sp3d/>
-        </p:spPr>
-        <p:style>
-          <a:lnRef idx="0">
-            <a:scrgbClr r="0" g="0" b="0"/>
-          </a:lnRef>
-          <a:fillRef idx="0">
-            <a:scrgbClr r="0" g="0" b="0"/>
-          </a:fillRef>
-          <a:effectRef idx="0">
-            <a:scrgbClr r="0" g="0" b="0"/>
-          </a:effectRef>
-          <a:fontRef idx="none"/>
-        </p:style>
-        <p:txBody>
-          <a:bodyPr rot="0" spcFirstLastPara="1" vertOverflow="overflow" horzOverflow="overflow" vert="horz" wrap="square" lIns="50800" tIns="50800" rIns="50800" bIns="50800" numCol="1" spcCol="38100" rtlCol="0" anchor="ctr">
-            <a:spAutoFit/>
-          </a:bodyPr>
-          <a:lstStyle/>
-          <a:p>
-            <a:pPr marL="0" marR="0" indent="0" algn="ctr" defTabSz="825500" rtl="0" fontAlgn="auto" latinLnBrk="0" hangingPunct="0">
-              <a:lnSpc>
-                <a:spcPct val="100000"/>
-              </a:lnSpc>
-              <a:spcBef>
-                <a:spcPts val="0"/>
-              </a:spcBef>
-              <a:spcAft>
-                <a:spcPts val="0"/>
-              </a:spcAft>
-              <a:buClrTx/>
-              <a:buSzTx/>
-              <a:buFontTx/>
-              <a:buNone/>
-              <a:tabLst/>
-            </a:pPr>
-            <a:endParaRPr kumimoji="0" lang="en-DE" sz="3200" b="0" i="0" u="none" strike="noStrike" cap="none" spc="0" normalizeH="0" baseline="0">
-              <a:ln>
-                <a:noFill/>
-              </a:ln>
-              <a:solidFill>
-                <a:srgbClr val="FFFFFF"/>
-              </a:solidFill>
-              <a:effectLst/>
-              <a:uFillTx/>
-              <a:latin typeface="Helvetica Neue Medium"/>
-              <a:ea typeface="Helvetica Neue Medium"/>
-              <a:cs typeface="Helvetica Neue Medium"/>
-              <a:sym typeface="Helvetica Neue Medium"/>
-            </a:endParaRPr>
-          </a:p>
-        </p:txBody>
-      </p:sp>
-      <p:sp>
-        <p:nvSpPr>
-          <p:cNvPr id="70" name="Ellipse 69">
-            <a:extLst>
-              <a:ext uri="{FF2B5EF4-FFF2-40B4-BE49-F238E27FC236}">
-                <a16:creationId xmlns:a16="http://schemas.microsoft.com/office/drawing/2014/main" id="{8951A944-1B04-49C5-9AAA-832102CA3C95}"/>
-              </a:ext>
-            </a:extLst>
-          </p:cNvPr>
-          <p:cNvSpPr/>
-          <p:nvPr/>
-        </p:nvSpPr>
-        <p:spPr>
-          <a:xfrm>
-            <a:off x="13283470" y="4192920"/>
-            <a:ext cx="1800000" cy="1800000"/>
-          </a:xfrm>
-          <a:prstGeom prst="ellipse">
-            <a:avLst/>
-          </a:prstGeom>
-          <a:solidFill>
-            <a:srgbClr val="7030A0"/>
-          </a:solidFill>
-          <a:ln w="12700" cap="flat">
-            <a:noFill/>
-            <a:miter lim="400000"/>
-          </a:ln>
-          <a:effectLst/>
-          <a:sp3d/>
-        </p:spPr>
-        <p:style>
-          <a:lnRef idx="0">
-            <a:scrgbClr r="0" g="0" b="0"/>
-          </a:lnRef>
-          <a:fillRef idx="0">
-            <a:scrgbClr r="0" g="0" b="0"/>
-          </a:fillRef>
-          <a:effectRef idx="0">
-            <a:scrgbClr r="0" g="0" b="0"/>
-          </a:effectRef>
-          <a:fontRef idx="none"/>
-        </p:style>
-        <p:txBody>
-          <a:bodyPr rot="0" spcFirstLastPara="1" vertOverflow="overflow" horzOverflow="overflow" vert="horz" wrap="square" lIns="50800" tIns="50800" rIns="50800" bIns="50800" numCol="1" spcCol="38100" rtlCol="0" anchor="ctr">
-            <a:spAutoFit/>
-          </a:bodyPr>
-          <a:lstStyle/>
-          <a:p>
-            <a:pPr marL="0" marR="0" indent="0" algn="ctr" defTabSz="825500" rtl="0" fontAlgn="auto" latinLnBrk="0" hangingPunct="0">
-              <a:lnSpc>
-                <a:spcPct val="100000"/>
-              </a:lnSpc>
-              <a:spcBef>
-                <a:spcPts val="0"/>
-              </a:spcBef>
-              <a:spcAft>
-                <a:spcPts val="0"/>
-              </a:spcAft>
-              <a:buClrTx/>
-              <a:buSzTx/>
-              <a:buFontTx/>
-              <a:buNone/>
-              <a:tabLst/>
-            </a:pPr>
-            <a:endParaRPr kumimoji="0" lang="en-DE" sz="3200" b="0" i="0" u="none" strike="noStrike" cap="none" spc="0" normalizeH="0" baseline="0">
-              <a:ln>
-                <a:noFill/>
-              </a:ln>
-              <a:solidFill>
-                <a:srgbClr val="FFFFFF"/>
-              </a:solidFill>
-              <a:effectLst/>
-              <a:uFillTx/>
-              <a:latin typeface="Helvetica Neue Medium"/>
-              <a:ea typeface="Helvetica Neue Medium"/>
-              <a:cs typeface="Helvetica Neue Medium"/>
-              <a:sym typeface="Helvetica Neue Medium"/>
-            </a:endParaRPr>
-          </a:p>
-        </p:txBody>
-      </p:sp>
-      <p:sp>
-        <p:nvSpPr>
-          <p:cNvPr id="72" name="Textfeld 71">
-            <a:extLst>
-              <a:ext uri="{FF2B5EF4-FFF2-40B4-BE49-F238E27FC236}">
-                <a16:creationId xmlns:a16="http://schemas.microsoft.com/office/drawing/2014/main" id="{431DD86D-6855-497B-A4E0-24539E899A9E}"/>
-              </a:ext>
-            </a:extLst>
-          </p:cNvPr>
-          <p:cNvSpPr txBox="1"/>
-          <p:nvPr/>
-        </p:nvSpPr>
-        <p:spPr>
-          <a:xfrm>
-            <a:off x="10490143" y="3279880"/>
-            <a:ext cx="1219673" cy="841256"/>
-          </a:xfrm>
-          <a:prstGeom prst="rect">
-            <a:avLst/>
-          </a:prstGeom>
-          <a:noFill/>
-          <a:ln w="12700" cap="flat">
-            <a:noFill/>
-            <a:miter lim="400000"/>
-          </a:ln>
-          <a:effectLst/>
-          <a:sp3d/>
-        </p:spPr>
-        <p:style>
-          <a:lnRef idx="0">
-            <a:scrgbClr r="0" g="0" b="0"/>
-          </a:lnRef>
-          <a:fillRef idx="0">
-            <a:scrgbClr r="0" g="0" b="0"/>
-          </a:fillRef>
-          <a:effectRef idx="0">
-            <a:scrgbClr r="0" g="0" b="0"/>
-          </a:effectRef>
-          <a:fontRef idx="none"/>
-        </p:style>
-        <p:txBody>
-          <a:bodyPr rot="0" spcFirstLastPara="1" vertOverflow="overflow" horzOverflow="overflow" vert="horz" wrap="square" lIns="50800" tIns="50800" rIns="50800" bIns="50800" numCol="1" spcCol="38100" rtlCol="0" anchor="ctr">
-            <a:spAutoFit/>
-          </a:bodyPr>
-          <a:lstStyle/>
-          <a:p>
-            <a:pPr marL="0" marR="0" indent="0" algn="ctr" defTabSz="2438338" rtl="0" fontAlgn="auto" latinLnBrk="0" hangingPunct="0">
-              <a:lnSpc>
-                <a:spcPct val="100000"/>
-              </a:lnSpc>
-              <a:spcBef>
-                <a:spcPts val="0"/>
-              </a:spcBef>
-              <a:spcAft>
-                <a:spcPts val="0"/>
-              </a:spcAft>
-              <a:buClrTx/>
-              <a:buSzTx/>
-              <a:buFontTx/>
-              <a:buNone/>
-              <a:tabLst/>
-            </a:pPr>
-            <a:r>
-              <a:rPr kumimoji="0" lang="en-US" sz="2400" b="0" i="0" u="none" strike="noStrike" cap="none" spc="0" normalizeH="0" baseline="0" dirty="0">
-                <a:ln>
-                  <a:noFill/>
-                </a:ln>
-                <a:solidFill>
-                  <a:srgbClr val="5E5E5E"/>
-                </a:solidFill>
-                <a:effectLst/>
-                <a:uFillTx/>
-                <a:latin typeface="+mn-lt"/>
-                <a:ea typeface="+mn-ea"/>
-                <a:cs typeface="+mn-cs"/>
-                <a:sym typeface="Helvetica Neue"/>
-              </a:rPr>
-              <a:t>DACH</a:t>
-            </a:r>
-          </a:p>
-          <a:p>
-            <a:pPr marL="0" marR="0" indent="0" algn="ctr" defTabSz="2438338" rtl="0" fontAlgn="auto" latinLnBrk="0" hangingPunct="0">
-              <a:lnSpc>
-                <a:spcPct val="100000"/>
-              </a:lnSpc>
-              <a:spcBef>
-                <a:spcPts val="0"/>
-              </a:spcBef>
-              <a:spcAft>
-                <a:spcPts val="0"/>
-              </a:spcAft>
-              <a:buClrTx/>
-              <a:buSzTx/>
-              <a:buFontTx/>
-              <a:buNone/>
-              <a:tabLst/>
-            </a:pPr>
-            <a:r>
-              <a:rPr lang="en-US" dirty="0"/>
-              <a:t>5,56%</a:t>
-            </a:r>
-            <a:endParaRPr kumimoji="0" lang="en-DE" sz="2400" b="0" i="0" u="none" strike="noStrike" cap="none" spc="0" normalizeH="0" baseline="0" dirty="0">
-              <a:ln>
-                <a:noFill/>
-              </a:ln>
-              <a:solidFill>
-                <a:srgbClr val="5E5E5E"/>
-              </a:solidFill>
-              <a:effectLst/>
-              <a:uFillTx/>
-              <a:latin typeface="+mn-lt"/>
-              <a:ea typeface="+mn-ea"/>
-              <a:cs typeface="+mn-cs"/>
-              <a:sym typeface="Helvetica Neue"/>
-            </a:endParaRPr>
-          </a:p>
-        </p:txBody>
-      </p:sp>
-      <p:sp>
-        <p:nvSpPr>
-          <p:cNvPr id="74" name="Textfeld 73">
-            <a:extLst>
-              <a:ext uri="{FF2B5EF4-FFF2-40B4-BE49-F238E27FC236}">
-                <a16:creationId xmlns:a16="http://schemas.microsoft.com/office/drawing/2014/main" id="{69784348-3090-4B09-BA71-2DB19CBD813C}"/>
-              </a:ext>
-            </a:extLst>
-          </p:cNvPr>
-          <p:cNvSpPr txBox="1"/>
-          <p:nvPr/>
-        </p:nvSpPr>
-        <p:spPr>
-          <a:xfrm>
-            <a:off x="11795840" y="3259273"/>
-            <a:ext cx="1219673" cy="841256"/>
-          </a:xfrm>
-          <a:prstGeom prst="rect">
-            <a:avLst/>
-          </a:prstGeom>
-          <a:noFill/>
-          <a:ln w="12700" cap="flat">
-            <a:noFill/>
-            <a:miter lim="400000"/>
-          </a:ln>
-          <a:effectLst/>
-          <a:sp3d/>
-        </p:spPr>
-        <p:style>
-          <a:lnRef idx="0">
-            <a:scrgbClr r="0" g="0" b="0"/>
-          </a:lnRef>
-          <a:fillRef idx="0">
-            <a:scrgbClr r="0" g="0" b="0"/>
-          </a:fillRef>
-          <a:effectRef idx="0">
-            <a:scrgbClr r="0" g="0" b="0"/>
-          </a:effectRef>
-          <a:fontRef idx="none"/>
-        </p:style>
-        <p:txBody>
-          <a:bodyPr rot="0" spcFirstLastPara="1" vertOverflow="overflow" horzOverflow="overflow" vert="horz" wrap="square" lIns="50800" tIns="50800" rIns="50800" bIns="50800" numCol="1" spcCol="38100" rtlCol="0" anchor="ctr">
-            <a:spAutoFit/>
-          </a:bodyPr>
-          <a:lstStyle/>
-          <a:p>
-            <a:pPr marL="0" marR="0" indent="0" algn="ctr" defTabSz="2438338" rtl="0" fontAlgn="auto" latinLnBrk="0" hangingPunct="0">
-              <a:lnSpc>
-                <a:spcPct val="100000"/>
-              </a:lnSpc>
-              <a:spcBef>
-                <a:spcPts val="0"/>
-              </a:spcBef>
-              <a:spcAft>
-                <a:spcPts val="0"/>
-              </a:spcAft>
-              <a:buClrTx/>
-              <a:buSzTx/>
-              <a:buFontTx/>
-              <a:buNone/>
-              <a:tabLst/>
-            </a:pPr>
-            <a:r>
-              <a:rPr kumimoji="0" lang="en-US" sz="2400" b="0" i="0" u="none" strike="noStrike" cap="none" spc="0" normalizeH="0" baseline="0" dirty="0">
-                <a:ln>
-                  <a:noFill/>
-                </a:ln>
-                <a:solidFill>
-                  <a:srgbClr val="5E5E5E"/>
-                </a:solidFill>
-                <a:effectLst/>
-                <a:uFillTx/>
-                <a:latin typeface="+mn-lt"/>
-                <a:ea typeface="+mn-ea"/>
-                <a:cs typeface="+mn-cs"/>
-                <a:sym typeface="Helvetica Neue"/>
-              </a:rPr>
-              <a:t>UK</a:t>
-            </a:r>
-          </a:p>
-          <a:p>
-            <a:pPr marL="0" marR="0" indent="0" algn="ctr" defTabSz="2438338" rtl="0" fontAlgn="auto" latinLnBrk="0" hangingPunct="0">
-              <a:lnSpc>
-                <a:spcPct val="100000"/>
-              </a:lnSpc>
-              <a:spcBef>
-                <a:spcPts val="0"/>
-              </a:spcBef>
-              <a:spcAft>
-                <a:spcPts val="0"/>
-              </a:spcAft>
-              <a:buClrTx/>
-              <a:buSzTx/>
-              <a:buFontTx/>
-              <a:buNone/>
-              <a:tabLst/>
-            </a:pPr>
-            <a:r>
-              <a:rPr lang="en-US" dirty="0"/>
-              <a:t>3,86%</a:t>
-            </a:r>
-            <a:endParaRPr kumimoji="0" lang="en-DE" sz="2400" b="0" i="0" u="none" strike="noStrike" cap="none" spc="0" normalizeH="0" baseline="0" dirty="0">
-              <a:ln>
-                <a:noFill/>
-              </a:ln>
-              <a:solidFill>
-                <a:srgbClr val="5E5E5E"/>
-              </a:solidFill>
-              <a:effectLst/>
-              <a:uFillTx/>
-              <a:latin typeface="+mn-lt"/>
-              <a:ea typeface="+mn-ea"/>
-              <a:cs typeface="+mn-cs"/>
-              <a:sym typeface="Helvetica Neue"/>
-            </a:endParaRPr>
-          </a:p>
-        </p:txBody>
-      </p:sp>
-      <p:sp>
-        <p:nvSpPr>
-          <p:cNvPr id="76" name="Textfeld 75">
-            <a:extLst>
-              <a:ext uri="{FF2B5EF4-FFF2-40B4-BE49-F238E27FC236}">
-                <a16:creationId xmlns:a16="http://schemas.microsoft.com/office/drawing/2014/main" id="{BA281881-1475-452C-A343-11D642734856}"/>
-              </a:ext>
-            </a:extLst>
-          </p:cNvPr>
-          <p:cNvSpPr txBox="1"/>
-          <p:nvPr/>
-        </p:nvSpPr>
-        <p:spPr>
-          <a:xfrm>
-            <a:off x="13005710" y="3263163"/>
-            <a:ext cx="1219673" cy="841256"/>
-          </a:xfrm>
-          <a:prstGeom prst="rect">
-            <a:avLst/>
-          </a:prstGeom>
-          <a:noFill/>
-          <a:ln w="12700" cap="flat">
-            <a:noFill/>
-            <a:miter lim="400000"/>
-          </a:ln>
-          <a:effectLst/>
-          <a:sp3d/>
-        </p:spPr>
-        <p:style>
-          <a:lnRef idx="0">
-            <a:scrgbClr r="0" g="0" b="0"/>
-          </a:lnRef>
-          <a:fillRef idx="0">
-            <a:scrgbClr r="0" g="0" b="0"/>
-          </a:fillRef>
-          <a:effectRef idx="0">
-            <a:scrgbClr r="0" g="0" b="0"/>
-          </a:effectRef>
-          <a:fontRef idx="none"/>
-        </p:style>
-        <p:txBody>
-          <a:bodyPr rot="0" spcFirstLastPara="1" vertOverflow="overflow" horzOverflow="overflow" vert="horz" wrap="square" lIns="50800" tIns="50800" rIns="50800" bIns="50800" numCol="1" spcCol="38100" rtlCol="0" anchor="ctr">
-            <a:spAutoFit/>
-          </a:bodyPr>
-          <a:lstStyle/>
-          <a:p>
-            <a:pPr marL="0" marR="0" indent="0" algn="ctr" defTabSz="2438338" rtl="0" fontAlgn="auto" latinLnBrk="0" hangingPunct="0">
-              <a:lnSpc>
-                <a:spcPct val="100000"/>
-              </a:lnSpc>
-              <a:spcBef>
-                <a:spcPts val="0"/>
-              </a:spcBef>
-              <a:spcAft>
-                <a:spcPts val="0"/>
-              </a:spcAft>
-              <a:buClrTx/>
-              <a:buSzTx/>
-              <a:buFontTx/>
-              <a:buNone/>
-              <a:tabLst/>
-            </a:pPr>
-            <a:r>
-              <a:rPr kumimoji="0" lang="en-US" sz="2400" b="0" i="0" u="none" strike="noStrike" cap="none" spc="0" normalizeH="0" baseline="0" dirty="0">
-                <a:ln>
-                  <a:noFill/>
-                </a:ln>
-                <a:solidFill>
-                  <a:srgbClr val="5E5E5E"/>
-                </a:solidFill>
-                <a:effectLst/>
-                <a:uFillTx/>
-                <a:latin typeface="+mn-lt"/>
-                <a:ea typeface="+mn-ea"/>
-                <a:cs typeface="+mn-cs"/>
-                <a:sym typeface="Helvetica Neue"/>
-              </a:rPr>
-              <a:t>US</a:t>
-            </a:r>
-          </a:p>
-          <a:p>
-            <a:pPr marL="0" marR="0" indent="0" algn="ctr" defTabSz="2438338" rtl="0" fontAlgn="auto" latinLnBrk="0" hangingPunct="0">
-              <a:lnSpc>
-                <a:spcPct val="100000"/>
-              </a:lnSpc>
-              <a:spcBef>
-                <a:spcPts val="0"/>
-              </a:spcBef>
-              <a:spcAft>
-                <a:spcPts val="0"/>
-              </a:spcAft>
-              <a:buClrTx/>
-              <a:buSzTx/>
-              <a:buFontTx/>
-              <a:buNone/>
-              <a:tabLst/>
-            </a:pPr>
-            <a:r>
-              <a:rPr lang="en-US" dirty="0"/>
-              <a:t>5,00%</a:t>
-            </a:r>
-            <a:endParaRPr kumimoji="0" lang="en-DE" sz="2400" b="0" i="0" u="none" strike="noStrike" cap="none" spc="0" normalizeH="0" baseline="0" dirty="0">
-              <a:ln>
-                <a:noFill/>
-              </a:ln>
-              <a:solidFill>
-                <a:srgbClr val="5E5E5E"/>
-              </a:solidFill>
-              <a:effectLst/>
-              <a:uFillTx/>
-              <a:latin typeface="+mn-lt"/>
-              <a:ea typeface="+mn-ea"/>
-              <a:cs typeface="+mn-cs"/>
-              <a:sym typeface="Helvetica Neue"/>
-            </a:endParaRPr>
-          </a:p>
-        </p:txBody>
-      </p:sp>
-      <p:sp>
-        <p:nvSpPr>
-          <p:cNvPr id="84" name="Ellipse 83">
-            <a:extLst>
-              <a:ext uri="{FF2B5EF4-FFF2-40B4-BE49-F238E27FC236}">
-                <a16:creationId xmlns:a16="http://schemas.microsoft.com/office/drawing/2014/main" id="{365B3AE8-A24C-4C41-9C5E-F0BF606E9518}"/>
-              </a:ext>
-            </a:extLst>
-          </p:cNvPr>
-          <p:cNvSpPr/>
-          <p:nvPr/>
-        </p:nvSpPr>
-        <p:spPr>
-          <a:xfrm>
-            <a:off x="5695866" y="10746370"/>
-            <a:ext cx="738000" cy="738000"/>
-          </a:xfrm>
-          <a:prstGeom prst="ellipse">
-            <a:avLst/>
-          </a:prstGeom>
-          <a:solidFill>
-            <a:schemeClr val="accent5"/>
           </a:solidFill>
           <a:ln w="12700" cap="flat">
             <a:noFill/>
@@ -7893,10 +5820,10 @@
       </p:sp>
       <p:sp>
         <p:nvSpPr>
-          <p:cNvPr id="86" name="Ellipse 85">
+          <p:cNvPr id="45" name="Ellipse 44">
             <a:extLst>
               <a:ext uri="{FF2B5EF4-FFF2-40B4-BE49-F238E27FC236}">
-                <a16:creationId xmlns:a16="http://schemas.microsoft.com/office/drawing/2014/main" id="{F102EF21-D76D-425E-A4B3-52EFB3AE9073}"/>
+                <a16:creationId xmlns:a16="http://schemas.microsoft.com/office/drawing/2014/main" id="{BA20C2A8-93AE-4048-9774-324CF8AF3AEC}"/>
               </a:ext>
             </a:extLst>
           </p:cNvPr>
@@ -7905,8 +5832,8 @@
         </p:nvSpPr>
         <p:spPr>
           <a:xfrm>
-            <a:off x="6950477" y="10746370"/>
-            <a:ext cx="489600" cy="489600"/>
+            <a:off x="7286860" y="10196448"/>
+            <a:ext cx="183600" cy="183600"/>
           </a:xfrm>
           <a:prstGeom prst="ellipse">
             <a:avLst/>
@@ -7916,522 +5843,6 @@
               <a:lumMod val="60000"/>
               <a:lumOff val="40000"/>
             </a:schemeClr>
-          </a:solidFill>
-          <a:ln w="12700" cap="flat">
-            <a:noFill/>
-            <a:miter lim="400000"/>
-          </a:ln>
-          <a:effectLst/>
-          <a:sp3d/>
-        </p:spPr>
-        <p:style>
-          <a:lnRef idx="0">
-            <a:scrgbClr r="0" g="0" b="0"/>
-          </a:lnRef>
-          <a:fillRef idx="0">
-            <a:scrgbClr r="0" g="0" b="0"/>
-          </a:fillRef>
-          <a:effectRef idx="0">
-            <a:scrgbClr r="0" g="0" b="0"/>
-          </a:effectRef>
-          <a:fontRef idx="none"/>
-        </p:style>
-        <p:txBody>
-          <a:bodyPr rot="0" spcFirstLastPara="1" vertOverflow="overflow" horzOverflow="overflow" vert="horz" wrap="square" lIns="50800" tIns="50800" rIns="50800" bIns="50800" numCol="1" spcCol="38100" rtlCol="0" anchor="ctr">
-            <a:spAutoFit/>
-          </a:bodyPr>
-          <a:lstStyle/>
-          <a:p>
-            <a:pPr marL="0" marR="0" indent="0" algn="ctr" defTabSz="825500" rtl="0" fontAlgn="auto" latinLnBrk="0" hangingPunct="0">
-              <a:lnSpc>
-                <a:spcPct val="100000"/>
-              </a:lnSpc>
-              <a:spcBef>
-                <a:spcPts val="0"/>
-              </a:spcBef>
-              <a:spcAft>
-                <a:spcPts val="0"/>
-              </a:spcAft>
-              <a:buClrTx/>
-              <a:buSzTx/>
-              <a:buFontTx/>
-              <a:buNone/>
-              <a:tabLst/>
-            </a:pPr>
-            <a:endParaRPr kumimoji="0" lang="en-DE" sz="3200" b="0" i="0" u="none" strike="noStrike" cap="none" spc="0" normalizeH="0" baseline="0">
-              <a:ln>
-                <a:noFill/>
-              </a:ln>
-              <a:solidFill>
-                <a:srgbClr val="FFFFFF"/>
-              </a:solidFill>
-              <a:effectLst/>
-              <a:uFillTx/>
-              <a:latin typeface="Helvetica Neue Medium"/>
-              <a:ea typeface="Helvetica Neue Medium"/>
-              <a:cs typeface="Helvetica Neue Medium"/>
-              <a:sym typeface="Helvetica Neue Medium"/>
-            </a:endParaRPr>
-          </a:p>
-        </p:txBody>
-      </p:sp>
-      <p:sp>
-        <p:nvSpPr>
-          <p:cNvPr id="88" name="Ellipse 87">
-            <a:extLst>
-              <a:ext uri="{FF2B5EF4-FFF2-40B4-BE49-F238E27FC236}">
-                <a16:creationId xmlns:a16="http://schemas.microsoft.com/office/drawing/2014/main" id="{40F7042D-1755-4D83-8CBC-7DC363C2B2F0}"/>
-              </a:ext>
-            </a:extLst>
-          </p:cNvPr>
-          <p:cNvSpPr/>
-          <p:nvPr/>
-        </p:nvSpPr>
-        <p:spPr>
-          <a:xfrm>
-            <a:off x="8183488" y="10814770"/>
-            <a:ext cx="612000" cy="612000"/>
-          </a:xfrm>
-          <a:prstGeom prst="ellipse">
-            <a:avLst/>
-          </a:prstGeom>
-          <a:solidFill>
-            <a:srgbClr val="7030A0"/>
-          </a:solidFill>
-          <a:ln w="12700" cap="flat">
-            <a:noFill/>
-            <a:miter lim="400000"/>
-          </a:ln>
-          <a:effectLst/>
-          <a:sp3d/>
-        </p:spPr>
-        <p:style>
-          <a:lnRef idx="0">
-            <a:scrgbClr r="0" g="0" b="0"/>
-          </a:lnRef>
-          <a:fillRef idx="0">
-            <a:scrgbClr r="0" g="0" b="0"/>
-          </a:fillRef>
-          <a:effectRef idx="0">
-            <a:scrgbClr r="0" g="0" b="0"/>
-          </a:effectRef>
-          <a:fontRef idx="none"/>
-        </p:style>
-        <p:txBody>
-          <a:bodyPr rot="0" spcFirstLastPara="1" vertOverflow="overflow" horzOverflow="overflow" vert="horz" wrap="square" lIns="50800" tIns="50800" rIns="50800" bIns="50800" numCol="1" spcCol="38100" rtlCol="0" anchor="ctr">
-            <a:spAutoFit/>
-          </a:bodyPr>
-          <a:lstStyle/>
-          <a:p>
-            <a:pPr marL="0" marR="0" indent="0" algn="ctr" defTabSz="825500" rtl="0" fontAlgn="auto" latinLnBrk="0" hangingPunct="0">
-              <a:lnSpc>
-                <a:spcPct val="100000"/>
-              </a:lnSpc>
-              <a:spcBef>
-                <a:spcPts val="0"/>
-              </a:spcBef>
-              <a:spcAft>
-                <a:spcPts val="0"/>
-              </a:spcAft>
-              <a:buClrTx/>
-              <a:buSzTx/>
-              <a:buFontTx/>
-              <a:buNone/>
-              <a:tabLst/>
-            </a:pPr>
-            <a:endParaRPr kumimoji="0" lang="en-DE" sz="3200" b="0" i="0" u="none" strike="noStrike" cap="none" spc="0" normalizeH="0" baseline="0">
-              <a:ln>
-                <a:noFill/>
-              </a:ln>
-              <a:solidFill>
-                <a:srgbClr val="FFFFFF"/>
-              </a:solidFill>
-              <a:effectLst/>
-              <a:uFillTx/>
-              <a:latin typeface="Helvetica Neue Medium"/>
-              <a:ea typeface="Helvetica Neue Medium"/>
-              <a:cs typeface="Helvetica Neue Medium"/>
-              <a:sym typeface="Helvetica Neue Medium"/>
-            </a:endParaRPr>
-          </a:p>
-        </p:txBody>
-      </p:sp>
-      <p:sp>
-        <p:nvSpPr>
-          <p:cNvPr id="90" name="Textfeld 89">
-            <a:extLst>
-              <a:ext uri="{FF2B5EF4-FFF2-40B4-BE49-F238E27FC236}">
-                <a16:creationId xmlns:a16="http://schemas.microsoft.com/office/drawing/2014/main" id="{5290F245-27C6-44DA-9DED-1C6324ABAB65}"/>
-              </a:ext>
-            </a:extLst>
-          </p:cNvPr>
-          <p:cNvSpPr txBox="1"/>
-          <p:nvPr/>
-        </p:nvSpPr>
-        <p:spPr>
-          <a:xfrm>
-            <a:off x="5556193" y="9847535"/>
-            <a:ext cx="1219673" cy="841256"/>
-          </a:xfrm>
-          <a:prstGeom prst="rect">
-            <a:avLst/>
-          </a:prstGeom>
-          <a:noFill/>
-          <a:ln w="12700" cap="flat">
-            <a:noFill/>
-            <a:miter lim="400000"/>
-          </a:ln>
-          <a:effectLst/>
-          <a:sp3d/>
-        </p:spPr>
-        <p:style>
-          <a:lnRef idx="0">
-            <a:scrgbClr r="0" g="0" b="0"/>
-          </a:lnRef>
-          <a:fillRef idx="0">
-            <a:scrgbClr r="0" g="0" b="0"/>
-          </a:fillRef>
-          <a:effectRef idx="0">
-            <a:scrgbClr r="0" g="0" b="0"/>
-          </a:effectRef>
-          <a:fontRef idx="none"/>
-        </p:style>
-        <p:txBody>
-          <a:bodyPr rot="0" spcFirstLastPara="1" vertOverflow="overflow" horzOverflow="overflow" vert="horz" wrap="square" lIns="50800" tIns="50800" rIns="50800" bIns="50800" numCol="1" spcCol="38100" rtlCol="0" anchor="ctr">
-            <a:spAutoFit/>
-          </a:bodyPr>
-          <a:lstStyle/>
-          <a:p>
-            <a:pPr marL="0" marR="0" indent="0" algn="ctr" defTabSz="2438338" rtl="0" fontAlgn="auto" latinLnBrk="0" hangingPunct="0">
-              <a:lnSpc>
-                <a:spcPct val="100000"/>
-              </a:lnSpc>
-              <a:spcBef>
-                <a:spcPts val="0"/>
-              </a:spcBef>
-              <a:spcAft>
-                <a:spcPts val="0"/>
-              </a:spcAft>
-              <a:buClrTx/>
-              <a:buSzTx/>
-              <a:buFontTx/>
-              <a:buNone/>
-              <a:tabLst/>
-            </a:pPr>
-            <a:r>
-              <a:rPr kumimoji="0" lang="en-US" sz="2400" b="0" i="0" u="none" strike="noStrike" cap="none" spc="0" normalizeH="0" baseline="0" dirty="0">
-                <a:ln>
-                  <a:noFill/>
-                </a:ln>
-                <a:solidFill>
-                  <a:srgbClr val="5E5E5E"/>
-                </a:solidFill>
-                <a:effectLst/>
-                <a:uFillTx/>
-                <a:latin typeface="+mn-lt"/>
-                <a:ea typeface="+mn-ea"/>
-                <a:cs typeface="+mn-cs"/>
-                <a:sym typeface="Helvetica Neue"/>
-              </a:rPr>
-              <a:t>DACH</a:t>
-            </a:r>
-          </a:p>
-          <a:p>
-            <a:pPr marL="0" marR="0" indent="0" algn="ctr" defTabSz="2438338" rtl="0" fontAlgn="auto" latinLnBrk="0" hangingPunct="0">
-              <a:lnSpc>
-                <a:spcPct val="100000"/>
-              </a:lnSpc>
-              <a:spcBef>
-                <a:spcPts val="0"/>
-              </a:spcBef>
-              <a:spcAft>
-                <a:spcPts val="0"/>
-              </a:spcAft>
-              <a:buClrTx/>
-              <a:buSzTx/>
-              <a:buFontTx/>
-              <a:buNone/>
-              <a:tabLst/>
-            </a:pPr>
-            <a:r>
-              <a:rPr lang="en-US" dirty="0"/>
-              <a:t>2,05%</a:t>
-            </a:r>
-            <a:endParaRPr kumimoji="0" lang="en-DE" sz="2400" b="0" i="0" u="none" strike="noStrike" cap="none" spc="0" normalizeH="0" baseline="0" dirty="0">
-              <a:ln>
-                <a:noFill/>
-              </a:ln>
-              <a:solidFill>
-                <a:srgbClr val="5E5E5E"/>
-              </a:solidFill>
-              <a:effectLst/>
-              <a:uFillTx/>
-              <a:latin typeface="+mn-lt"/>
-              <a:ea typeface="+mn-ea"/>
-              <a:cs typeface="+mn-cs"/>
-              <a:sym typeface="Helvetica Neue"/>
-            </a:endParaRPr>
-          </a:p>
-        </p:txBody>
-      </p:sp>
-      <p:sp>
-        <p:nvSpPr>
-          <p:cNvPr id="92" name="Textfeld 91">
-            <a:extLst>
-              <a:ext uri="{FF2B5EF4-FFF2-40B4-BE49-F238E27FC236}">
-                <a16:creationId xmlns:a16="http://schemas.microsoft.com/office/drawing/2014/main" id="{8D12CE18-6C3F-4CA1-AA6F-D94817897BB8}"/>
-              </a:ext>
-            </a:extLst>
-          </p:cNvPr>
-          <p:cNvSpPr txBox="1"/>
-          <p:nvPr/>
-        </p:nvSpPr>
-        <p:spPr>
-          <a:xfrm>
-            <a:off x="6852086" y="9810746"/>
-            <a:ext cx="1219673" cy="841256"/>
-          </a:xfrm>
-          <a:prstGeom prst="rect">
-            <a:avLst/>
-          </a:prstGeom>
-          <a:noFill/>
-          <a:ln w="12700" cap="flat">
-            <a:noFill/>
-            <a:miter lim="400000"/>
-          </a:ln>
-          <a:effectLst/>
-          <a:sp3d/>
-        </p:spPr>
-        <p:style>
-          <a:lnRef idx="0">
-            <a:scrgbClr r="0" g="0" b="0"/>
-          </a:lnRef>
-          <a:fillRef idx="0">
-            <a:scrgbClr r="0" g="0" b="0"/>
-          </a:fillRef>
-          <a:effectRef idx="0">
-            <a:scrgbClr r="0" g="0" b="0"/>
-          </a:effectRef>
-          <a:fontRef idx="none"/>
-        </p:style>
-        <p:txBody>
-          <a:bodyPr rot="0" spcFirstLastPara="1" vertOverflow="overflow" horzOverflow="overflow" vert="horz" wrap="square" lIns="50800" tIns="50800" rIns="50800" bIns="50800" numCol="1" spcCol="38100" rtlCol="0" anchor="ctr">
-            <a:spAutoFit/>
-          </a:bodyPr>
-          <a:lstStyle/>
-          <a:p>
-            <a:pPr marL="0" marR="0" indent="0" algn="ctr" defTabSz="2438338" rtl="0" fontAlgn="auto" latinLnBrk="0" hangingPunct="0">
-              <a:lnSpc>
-                <a:spcPct val="100000"/>
-              </a:lnSpc>
-              <a:spcBef>
-                <a:spcPts val="0"/>
-              </a:spcBef>
-              <a:spcAft>
-                <a:spcPts val="0"/>
-              </a:spcAft>
-              <a:buClrTx/>
-              <a:buSzTx/>
-              <a:buFontTx/>
-              <a:buNone/>
-              <a:tabLst/>
-            </a:pPr>
-            <a:r>
-              <a:rPr kumimoji="0" lang="en-US" sz="2400" b="0" i="0" u="none" strike="noStrike" cap="none" spc="0" normalizeH="0" baseline="0" dirty="0">
-                <a:ln>
-                  <a:noFill/>
-                </a:ln>
-                <a:solidFill>
-                  <a:srgbClr val="5E5E5E"/>
-                </a:solidFill>
-                <a:effectLst/>
-                <a:uFillTx/>
-                <a:latin typeface="+mn-lt"/>
-                <a:ea typeface="+mn-ea"/>
-                <a:cs typeface="+mn-cs"/>
-                <a:sym typeface="Helvetica Neue"/>
-              </a:rPr>
-              <a:t>UK</a:t>
-            </a:r>
-          </a:p>
-          <a:p>
-            <a:pPr marL="0" marR="0" indent="0" algn="ctr" defTabSz="2438338" rtl="0" fontAlgn="auto" latinLnBrk="0" hangingPunct="0">
-              <a:lnSpc>
-                <a:spcPct val="100000"/>
-              </a:lnSpc>
-              <a:spcBef>
-                <a:spcPts val="0"/>
-              </a:spcBef>
-              <a:spcAft>
-                <a:spcPts val="0"/>
-              </a:spcAft>
-              <a:buClrTx/>
-              <a:buSzTx/>
-              <a:buFontTx/>
-              <a:buNone/>
-              <a:tabLst/>
-            </a:pPr>
-            <a:r>
-              <a:rPr lang="en-US" dirty="0"/>
-              <a:t>1,36%</a:t>
-            </a:r>
-            <a:endParaRPr kumimoji="0" lang="en-DE" sz="2400" b="0" i="0" u="none" strike="noStrike" cap="none" spc="0" normalizeH="0" baseline="0" dirty="0">
-              <a:ln>
-                <a:noFill/>
-              </a:ln>
-              <a:solidFill>
-                <a:srgbClr val="5E5E5E"/>
-              </a:solidFill>
-              <a:effectLst/>
-              <a:uFillTx/>
-              <a:latin typeface="+mn-lt"/>
-              <a:ea typeface="+mn-ea"/>
-              <a:cs typeface="+mn-cs"/>
-              <a:sym typeface="Helvetica Neue"/>
-            </a:endParaRPr>
-          </a:p>
-        </p:txBody>
-      </p:sp>
-      <p:sp>
-        <p:nvSpPr>
-          <p:cNvPr id="94" name="Textfeld 93">
-            <a:extLst>
-              <a:ext uri="{FF2B5EF4-FFF2-40B4-BE49-F238E27FC236}">
-                <a16:creationId xmlns:a16="http://schemas.microsoft.com/office/drawing/2014/main" id="{19AF1B3E-415E-4CC6-A04B-8AA6C7B0AA77}"/>
-              </a:ext>
-            </a:extLst>
-          </p:cNvPr>
-          <p:cNvSpPr txBox="1"/>
-          <p:nvPr/>
-        </p:nvSpPr>
-        <p:spPr>
-          <a:xfrm>
-            <a:off x="8071759" y="9794480"/>
-            <a:ext cx="1219673" cy="841256"/>
-          </a:xfrm>
-          <a:prstGeom prst="rect">
-            <a:avLst/>
-          </a:prstGeom>
-          <a:noFill/>
-          <a:ln w="12700" cap="flat">
-            <a:noFill/>
-            <a:miter lim="400000"/>
-          </a:ln>
-          <a:effectLst/>
-          <a:sp3d/>
-        </p:spPr>
-        <p:style>
-          <a:lnRef idx="0">
-            <a:scrgbClr r="0" g="0" b="0"/>
-          </a:lnRef>
-          <a:fillRef idx="0">
-            <a:scrgbClr r="0" g="0" b="0"/>
-          </a:fillRef>
-          <a:effectRef idx="0">
-            <a:scrgbClr r="0" g="0" b="0"/>
-          </a:effectRef>
-          <a:fontRef idx="none"/>
-        </p:style>
-        <p:txBody>
-          <a:bodyPr rot="0" spcFirstLastPara="1" vertOverflow="overflow" horzOverflow="overflow" vert="horz" wrap="square" lIns="50800" tIns="50800" rIns="50800" bIns="50800" numCol="1" spcCol="38100" rtlCol="0" anchor="ctr">
-            <a:spAutoFit/>
-          </a:bodyPr>
-          <a:lstStyle/>
-          <a:p>
-            <a:pPr marL="0" marR="0" indent="0" algn="ctr" defTabSz="2438338" rtl="0" fontAlgn="auto" latinLnBrk="0" hangingPunct="0">
-              <a:lnSpc>
-                <a:spcPct val="100000"/>
-              </a:lnSpc>
-              <a:spcBef>
-                <a:spcPts val="0"/>
-              </a:spcBef>
-              <a:spcAft>
-                <a:spcPts val="0"/>
-              </a:spcAft>
-              <a:buClrTx/>
-              <a:buSzTx/>
-              <a:buFontTx/>
-              <a:buNone/>
-              <a:tabLst/>
-            </a:pPr>
-            <a:r>
-              <a:rPr kumimoji="0" lang="en-US" sz="2400" b="0" i="0" u="none" strike="noStrike" cap="none" spc="0" normalizeH="0" baseline="0" dirty="0">
-                <a:ln>
-                  <a:noFill/>
-                </a:ln>
-                <a:solidFill>
-                  <a:srgbClr val="5E5E5E"/>
-                </a:solidFill>
-                <a:effectLst/>
-                <a:uFillTx/>
-                <a:latin typeface="+mn-lt"/>
-                <a:ea typeface="+mn-ea"/>
-                <a:cs typeface="+mn-cs"/>
-                <a:sym typeface="Helvetica Neue"/>
-              </a:rPr>
-              <a:t>US</a:t>
-            </a:r>
-          </a:p>
-          <a:p>
-            <a:pPr marL="0" marR="0" indent="0" algn="ctr" defTabSz="2438338" rtl="0" fontAlgn="auto" latinLnBrk="0" hangingPunct="0">
-              <a:lnSpc>
-                <a:spcPct val="100000"/>
-              </a:lnSpc>
-              <a:spcBef>
-                <a:spcPts val="0"/>
-              </a:spcBef>
-              <a:spcAft>
-                <a:spcPts val="0"/>
-              </a:spcAft>
-              <a:buClrTx/>
-              <a:buSzTx/>
-              <a:buFontTx/>
-              <a:buNone/>
-              <a:tabLst/>
-            </a:pPr>
-            <a:r>
-              <a:rPr lang="en-US" dirty="0"/>
-              <a:t>1,70%</a:t>
-            </a:r>
-            <a:endParaRPr kumimoji="0" lang="en-DE" sz="2400" b="0" i="0" u="none" strike="noStrike" cap="none" spc="0" normalizeH="0" baseline="0" dirty="0">
-              <a:ln>
-                <a:noFill/>
-              </a:ln>
-              <a:solidFill>
-                <a:srgbClr val="5E5E5E"/>
-              </a:solidFill>
-              <a:effectLst/>
-              <a:uFillTx/>
-              <a:latin typeface="+mn-lt"/>
-              <a:ea typeface="+mn-ea"/>
-              <a:cs typeface="+mn-cs"/>
-              <a:sym typeface="Helvetica Neue"/>
-            </a:endParaRPr>
-          </a:p>
-        </p:txBody>
-      </p:sp>
-      <p:sp>
-        <p:nvSpPr>
-          <p:cNvPr id="96" name="Ellipse 95">
-            <a:extLst>
-              <a:ext uri="{FF2B5EF4-FFF2-40B4-BE49-F238E27FC236}">
-                <a16:creationId xmlns:a16="http://schemas.microsoft.com/office/drawing/2014/main" id="{86ED0622-C6C7-4A6C-95D7-74E710514DD2}"/>
-              </a:ext>
-            </a:extLst>
-          </p:cNvPr>
-          <p:cNvSpPr/>
-          <p:nvPr/>
-        </p:nvSpPr>
-        <p:spPr>
-          <a:xfrm>
-            <a:off x="1675305" y="6624951"/>
-            <a:ext cx="82800" cy="82800"/>
-          </a:xfrm>
-          <a:prstGeom prst="ellipse">
-            <a:avLst/>
-          </a:prstGeom>
-          <a:solidFill>
-            <a:schemeClr val="accent5"/>
           </a:solidFill>
           <a:ln w="12700" cap="flat">
             <a:noFill/>
@@ -8493,10 +5904,10 @@
       </p:sp>
       <p:sp>
         <p:nvSpPr>
-          <p:cNvPr id="100" name="Ellipse 99">
+          <p:cNvPr id="47" name="Ellipse 46">
             <a:extLst>
               <a:ext uri="{FF2B5EF4-FFF2-40B4-BE49-F238E27FC236}">
-                <a16:creationId xmlns:a16="http://schemas.microsoft.com/office/drawing/2014/main" id="{9CED359E-437F-41B8-9F01-800569793015}"/>
+                <a16:creationId xmlns:a16="http://schemas.microsoft.com/office/drawing/2014/main" id="{4FF7AB61-14A9-47CD-B7C8-EFC4A638E580}"/>
               </a:ext>
             </a:extLst>
           </p:cNvPr>
@@ -8505,449 +5916,17 @@
         </p:nvSpPr>
         <p:spPr>
           <a:xfrm>
-            <a:off x="3927247" y="6473441"/>
-            <a:ext cx="612000" cy="612000"/>
+            <a:off x="7011676" y="4248658"/>
+            <a:ext cx="57600" cy="57600"/>
           </a:xfrm>
           <a:prstGeom prst="ellipse">
             <a:avLst/>
           </a:prstGeom>
           <a:solidFill>
-            <a:srgbClr val="7030A0"/>
-          </a:solidFill>
-          <a:ln w="12700" cap="flat">
-            <a:noFill/>
-            <a:miter lim="400000"/>
-          </a:ln>
-          <a:effectLst/>
-          <a:sp3d/>
-        </p:spPr>
-        <p:style>
-          <a:lnRef idx="0">
-            <a:scrgbClr r="0" g="0" b="0"/>
-          </a:lnRef>
-          <a:fillRef idx="0">
-            <a:scrgbClr r="0" g="0" b="0"/>
-          </a:fillRef>
-          <a:effectRef idx="0">
-            <a:scrgbClr r="0" g="0" b="0"/>
-          </a:effectRef>
-          <a:fontRef idx="none"/>
-        </p:style>
-        <p:txBody>
-          <a:bodyPr rot="0" spcFirstLastPara="1" vertOverflow="overflow" horzOverflow="overflow" vert="horz" wrap="square" lIns="50800" tIns="50800" rIns="50800" bIns="50800" numCol="1" spcCol="38100" rtlCol="0" anchor="ctr">
-            <a:spAutoFit/>
-          </a:bodyPr>
-          <a:lstStyle/>
-          <a:p>
-            <a:pPr marL="0" marR="0" indent="0" algn="ctr" defTabSz="825500" rtl="0" fontAlgn="auto" latinLnBrk="0" hangingPunct="0">
-              <a:lnSpc>
-                <a:spcPct val="100000"/>
-              </a:lnSpc>
-              <a:spcBef>
-                <a:spcPts val="0"/>
-              </a:spcBef>
-              <a:spcAft>
-                <a:spcPts val="0"/>
-              </a:spcAft>
-              <a:buClrTx/>
-              <a:buSzTx/>
-              <a:buFontTx/>
-              <a:buNone/>
-              <a:tabLst/>
-            </a:pPr>
-            <a:endParaRPr kumimoji="0" lang="en-DE" sz="3200" b="0" i="0" u="none" strike="noStrike" cap="none" spc="0" normalizeH="0" baseline="0">
-              <a:ln>
-                <a:noFill/>
-              </a:ln>
-              <a:solidFill>
-                <a:srgbClr val="FFFFFF"/>
-              </a:solidFill>
-              <a:effectLst/>
-              <a:uFillTx/>
-              <a:latin typeface="Helvetica Neue Medium"/>
-              <a:ea typeface="Helvetica Neue Medium"/>
-              <a:cs typeface="Helvetica Neue Medium"/>
-              <a:sym typeface="Helvetica Neue Medium"/>
-            </a:endParaRPr>
-          </a:p>
-        </p:txBody>
-      </p:sp>
-      <p:sp>
-        <p:nvSpPr>
-          <p:cNvPr id="102" name="Textfeld 101">
-            <a:extLst>
-              <a:ext uri="{FF2B5EF4-FFF2-40B4-BE49-F238E27FC236}">
-                <a16:creationId xmlns:a16="http://schemas.microsoft.com/office/drawing/2014/main" id="{8B2567ED-45E7-4E23-A658-BBFBA3D5799C}"/>
-              </a:ext>
-            </a:extLst>
-          </p:cNvPr>
-          <p:cNvSpPr txBox="1"/>
-          <p:nvPr/>
-        </p:nvSpPr>
-        <p:spPr>
-          <a:xfrm>
-            <a:off x="1112252" y="5589009"/>
-            <a:ext cx="1219673" cy="841256"/>
-          </a:xfrm>
-          <a:prstGeom prst="rect">
-            <a:avLst/>
-          </a:prstGeom>
-          <a:noFill/>
-          <a:ln w="12700" cap="flat">
-            <a:noFill/>
-            <a:miter lim="400000"/>
-          </a:ln>
-          <a:effectLst/>
-          <a:sp3d/>
-        </p:spPr>
-        <p:style>
-          <a:lnRef idx="0">
-            <a:scrgbClr r="0" g="0" b="0"/>
-          </a:lnRef>
-          <a:fillRef idx="0">
-            <a:scrgbClr r="0" g="0" b="0"/>
-          </a:fillRef>
-          <a:effectRef idx="0">
-            <a:scrgbClr r="0" g="0" b="0"/>
-          </a:effectRef>
-          <a:fontRef idx="none"/>
-        </p:style>
-        <p:txBody>
-          <a:bodyPr rot="0" spcFirstLastPara="1" vertOverflow="overflow" horzOverflow="overflow" vert="horz" wrap="square" lIns="50800" tIns="50800" rIns="50800" bIns="50800" numCol="1" spcCol="38100" rtlCol="0" anchor="ctr">
-            <a:spAutoFit/>
-          </a:bodyPr>
-          <a:lstStyle/>
-          <a:p>
-            <a:pPr marL="0" marR="0" indent="0" algn="ctr" defTabSz="2438338" rtl="0" fontAlgn="auto" latinLnBrk="0" hangingPunct="0">
-              <a:lnSpc>
-                <a:spcPct val="100000"/>
-              </a:lnSpc>
-              <a:spcBef>
-                <a:spcPts val="0"/>
-              </a:spcBef>
-              <a:spcAft>
-                <a:spcPts val="0"/>
-              </a:spcAft>
-              <a:buClrTx/>
-              <a:buSzTx/>
-              <a:buFontTx/>
-              <a:buNone/>
-              <a:tabLst/>
-            </a:pPr>
-            <a:r>
-              <a:rPr kumimoji="0" lang="en-US" sz="2400" b="0" i="0" u="none" strike="noStrike" cap="none" spc="0" normalizeH="0" baseline="0" dirty="0">
-                <a:ln>
-                  <a:noFill/>
-                </a:ln>
-                <a:solidFill>
-                  <a:srgbClr val="5E5E5E"/>
-                </a:solidFill>
-                <a:effectLst/>
-                <a:uFillTx/>
-                <a:latin typeface="+mn-lt"/>
-                <a:ea typeface="+mn-ea"/>
-                <a:cs typeface="+mn-cs"/>
-                <a:sym typeface="Helvetica Neue"/>
-              </a:rPr>
-              <a:t>DACH</a:t>
-            </a:r>
-          </a:p>
-          <a:p>
-            <a:pPr marL="0" marR="0" indent="0" algn="ctr" defTabSz="2438338" rtl="0" fontAlgn="auto" latinLnBrk="0" hangingPunct="0">
-              <a:lnSpc>
-                <a:spcPct val="100000"/>
-              </a:lnSpc>
-              <a:spcBef>
-                <a:spcPts val="0"/>
-              </a:spcBef>
-              <a:spcAft>
-                <a:spcPts val="0"/>
-              </a:spcAft>
-              <a:buClrTx/>
-              <a:buSzTx/>
-              <a:buFontTx/>
-              <a:buNone/>
-              <a:tabLst/>
-            </a:pPr>
-            <a:r>
-              <a:rPr lang="en-US" dirty="0"/>
-              <a:t>0,23%</a:t>
-            </a:r>
-            <a:endParaRPr kumimoji="0" lang="en-DE" sz="2400" b="0" i="0" u="none" strike="noStrike" cap="none" spc="0" normalizeH="0" baseline="0" dirty="0">
-              <a:ln>
-                <a:noFill/>
-              </a:ln>
-              <a:solidFill>
-                <a:srgbClr val="5E5E5E"/>
-              </a:solidFill>
-              <a:effectLst/>
-              <a:uFillTx/>
-              <a:latin typeface="+mn-lt"/>
-              <a:ea typeface="+mn-ea"/>
-              <a:cs typeface="+mn-cs"/>
-              <a:sym typeface="Helvetica Neue"/>
-            </a:endParaRPr>
-          </a:p>
-        </p:txBody>
-      </p:sp>
-      <p:sp>
-        <p:nvSpPr>
-          <p:cNvPr id="104" name="Textfeld 103">
-            <a:extLst>
-              <a:ext uri="{FF2B5EF4-FFF2-40B4-BE49-F238E27FC236}">
-                <a16:creationId xmlns:a16="http://schemas.microsoft.com/office/drawing/2014/main" id="{2BCB2C68-338A-4562-8E95-36C864C5C2A0}"/>
-              </a:ext>
-            </a:extLst>
-          </p:cNvPr>
-          <p:cNvSpPr txBox="1"/>
-          <p:nvPr/>
-        </p:nvSpPr>
-        <p:spPr>
-          <a:xfrm>
-            <a:off x="2417949" y="5568402"/>
-            <a:ext cx="1219673" cy="841256"/>
-          </a:xfrm>
-          <a:prstGeom prst="rect">
-            <a:avLst/>
-          </a:prstGeom>
-          <a:noFill/>
-          <a:ln w="12700" cap="flat">
-            <a:noFill/>
-            <a:miter lim="400000"/>
-          </a:ln>
-          <a:effectLst/>
-          <a:sp3d/>
-        </p:spPr>
-        <p:style>
-          <a:lnRef idx="0">
-            <a:scrgbClr r="0" g="0" b="0"/>
-          </a:lnRef>
-          <a:fillRef idx="0">
-            <a:scrgbClr r="0" g="0" b="0"/>
-          </a:fillRef>
-          <a:effectRef idx="0">
-            <a:scrgbClr r="0" g="0" b="0"/>
-          </a:effectRef>
-          <a:fontRef idx="none"/>
-        </p:style>
-        <p:txBody>
-          <a:bodyPr rot="0" spcFirstLastPara="1" vertOverflow="overflow" horzOverflow="overflow" vert="horz" wrap="square" lIns="50800" tIns="50800" rIns="50800" bIns="50800" numCol="1" spcCol="38100" rtlCol="0" anchor="ctr">
-            <a:spAutoFit/>
-          </a:bodyPr>
-          <a:lstStyle/>
-          <a:p>
-            <a:pPr marL="0" marR="0" indent="0" algn="ctr" defTabSz="2438338" rtl="0" fontAlgn="auto" latinLnBrk="0" hangingPunct="0">
-              <a:lnSpc>
-                <a:spcPct val="100000"/>
-              </a:lnSpc>
-              <a:spcBef>
-                <a:spcPts val="0"/>
-              </a:spcBef>
-              <a:spcAft>
-                <a:spcPts val="0"/>
-              </a:spcAft>
-              <a:buClrTx/>
-              <a:buSzTx/>
-              <a:buFontTx/>
-              <a:buNone/>
-              <a:tabLst/>
-            </a:pPr>
-            <a:r>
-              <a:rPr kumimoji="0" lang="en-US" sz="2400" b="0" i="0" u="none" strike="noStrike" cap="none" spc="0" normalizeH="0" baseline="0" dirty="0">
-                <a:ln>
-                  <a:noFill/>
-                </a:ln>
-                <a:solidFill>
-                  <a:srgbClr val="5E5E5E"/>
-                </a:solidFill>
-                <a:effectLst/>
-                <a:uFillTx/>
-                <a:latin typeface="+mn-lt"/>
-                <a:ea typeface="+mn-ea"/>
-                <a:cs typeface="+mn-cs"/>
-                <a:sym typeface="Helvetica Neue"/>
-              </a:rPr>
-              <a:t>UK</a:t>
-            </a:r>
-          </a:p>
-          <a:p>
-            <a:pPr marL="0" marR="0" indent="0" algn="ctr" defTabSz="2438338" rtl="0" fontAlgn="auto" latinLnBrk="0" hangingPunct="0">
-              <a:lnSpc>
-                <a:spcPct val="100000"/>
-              </a:lnSpc>
-              <a:spcBef>
-                <a:spcPts val="0"/>
-              </a:spcBef>
-              <a:spcAft>
-                <a:spcPts val="0"/>
-              </a:spcAft>
-              <a:buClrTx/>
-              <a:buSzTx/>
-              <a:buFontTx/>
-              <a:buNone/>
-              <a:tabLst/>
-            </a:pPr>
-            <a:r>
-              <a:rPr lang="en-US" dirty="0"/>
-              <a:t>0,00%</a:t>
-            </a:r>
-            <a:endParaRPr kumimoji="0" lang="en-DE" sz="2400" b="0" i="0" u="none" strike="noStrike" cap="none" spc="0" normalizeH="0" baseline="0" dirty="0">
-              <a:ln>
-                <a:noFill/>
-              </a:ln>
-              <a:solidFill>
-                <a:srgbClr val="5E5E5E"/>
-              </a:solidFill>
-              <a:effectLst/>
-              <a:uFillTx/>
-              <a:latin typeface="+mn-lt"/>
-              <a:ea typeface="+mn-ea"/>
-              <a:cs typeface="+mn-cs"/>
-              <a:sym typeface="Helvetica Neue"/>
-            </a:endParaRPr>
-          </a:p>
-        </p:txBody>
-      </p:sp>
-      <p:sp>
-        <p:nvSpPr>
-          <p:cNvPr id="106" name="Textfeld 105">
-            <a:extLst>
-              <a:ext uri="{FF2B5EF4-FFF2-40B4-BE49-F238E27FC236}">
-                <a16:creationId xmlns:a16="http://schemas.microsoft.com/office/drawing/2014/main" id="{BBF762AB-17A1-47D4-90B0-C76284C9DC40}"/>
-              </a:ext>
-            </a:extLst>
-          </p:cNvPr>
-          <p:cNvSpPr txBox="1"/>
-          <p:nvPr/>
-        </p:nvSpPr>
-        <p:spPr>
-          <a:xfrm>
-            <a:off x="3627819" y="5572292"/>
-            <a:ext cx="1219673" cy="841256"/>
-          </a:xfrm>
-          <a:prstGeom prst="rect">
-            <a:avLst/>
-          </a:prstGeom>
-          <a:noFill/>
-          <a:ln w="12700" cap="flat">
-            <a:noFill/>
-            <a:miter lim="400000"/>
-          </a:ln>
-          <a:effectLst/>
-          <a:sp3d/>
-        </p:spPr>
-        <p:style>
-          <a:lnRef idx="0">
-            <a:scrgbClr r="0" g="0" b="0"/>
-          </a:lnRef>
-          <a:fillRef idx="0">
-            <a:scrgbClr r="0" g="0" b="0"/>
-          </a:fillRef>
-          <a:effectRef idx="0">
-            <a:scrgbClr r="0" g="0" b="0"/>
-          </a:effectRef>
-          <a:fontRef idx="none"/>
-        </p:style>
-        <p:txBody>
-          <a:bodyPr rot="0" spcFirstLastPara="1" vertOverflow="overflow" horzOverflow="overflow" vert="horz" wrap="square" lIns="50800" tIns="50800" rIns="50800" bIns="50800" numCol="1" spcCol="38100" rtlCol="0" anchor="ctr">
-            <a:spAutoFit/>
-          </a:bodyPr>
-          <a:lstStyle/>
-          <a:p>
-            <a:pPr marL="0" marR="0" indent="0" algn="ctr" defTabSz="2438338" rtl="0" fontAlgn="auto" latinLnBrk="0" hangingPunct="0">
-              <a:lnSpc>
-                <a:spcPct val="100000"/>
-              </a:lnSpc>
-              <a:spcBef>
-                <a:spcPts val="0"/>
-              </a:spcBef>
-              <a:spcAft>
-                <a:spcPts val="0"/>
-              </a:spcAft>
-              <a:buClrTx/>
-              <a:buSzTx/>
-              <a:buFontTx/>
-              <a:buNone/>
-              <a:tabLst/>
-            </a:pPr>
-            <a:r>
-              <a:rPr kumimoji="0" lang="en-US" sz="2400" b="0" i="0" u="none" strike="noStrike" cap="none" spc="0" normalizeH="0" baseline="0" dirty="0">
-                <a:ln>
-                  <a:noFill/>
-                </a:ln>
-                <a:solidFill>
-                  <a:srgbClr val="5E5E5E"/>
-                </a:solidFill>
-                <a:effectLst/>
-                <a:uFillTx/>
-                <a:latin typeface="+mn-lt"/>
-                <a:ea typeface="+mn-ea"/>
-                <a:cs typeface="+mn-cs"/>
-                <a:sym typeface="Helvetica Neue"/>
-              </a:rPr>
-              <a:t>US</a:t>
-            </a:r>
-          </a:p>
-          <a:p>
-            <a:pPr marL="0" marR="0" indent="0" algn="ctr" defTabSz="2438338" rtl="0" fontAlgn="auto" latinLnBrk="0" hangingPunct="0">
-              <a:lnSpc>
-                <a:spcPct val="100000"/>
-              </a:lnSpc>
-              <a:spcBef>
-                <a:spcPts val="0"/>
-              </a:spcBef>
-              <a:spcAft>
-                <a:spcPts val="0"/>
-              </a:spcAft>
-              <a:buClrTx/>
-              <a:buSzTx/>
-              <a:buFontTx/>
-              <a:buNone/>
-              <a:tabLst/>
-            </a:pPr>
-            <a:r>
-              <a:rPr lang="en-US" dirty="0"/>
-              <a:t>1,70%</a:t>
-            </a:r>
-            <a:endParaRPr kumimoji="0" lang="en-DE" sz="2400" b="0" i="0" u="none" strike="noStrike" cap="none" spc="0" normalizeH="0" baseline="0" dirty="0">
-              <a:ln>
-                <a:noFill/>
-              </a:ln>
-              <a:solidFill>
-                <a:srgbClr val="5E5E5E"/>
-              </a:solidFill>
-              <a:effectLst/>
-              <a:uFillTx/>
-              <a:latin typeface="+mn-lt"/>
-              <a:ea typeface="+mn-ea"/>
-              <a:cs typeface="+mn-cs"/>
-              <a:sym typeface="Helvetica Neue"/>
-            </a:endParaRPr>
-          </a:p>
-        </p:txBody>
-      </p:sp>
-      <p:sp>
-        <p:nvSpPr>
-          <p:cNvPr id="107" name="Ellipse 106">
-            <a:extLst>
-              <a:ext uri="{FF2B5EF4-FFF2-40B4-BE49-F238E27FC236}">
-                <a16:creationId xmlns:a16="http://schemas.microsoft.com/office/drawing/2014/main" id="{B0A46F3A-76A8-461D-B3BD-C6D203354D34}"/>
-              </a:ext>
-            </a:extLst>
-          </p:cNvPr>
-          <p:cNvSpPr/>
-          <p:nvPr/>
-        </p:nvSpPr>
-        <p:spPr>
-          <a:xfrm>
-            <a:off x="1192963" y="2038964"/>
-            <a:ext cx="1080000" cy="1080000"/>
-          </a:xfrm>
-          <a:prstGeom prst="ellipse">
-            <a:avLst/>
-          </a:prstGeom>
-          <a:solidFill>
-            <a:schemeClr val="accent5"/>
+            <a:schemeClr val="accent1">
+              <a:lumMod val="60000"/>
+              <a:lumOff val="40000"/>
+            </a:schemeClr>
           </a:solidFill>
           <a:ln w="12700" cap="flat">
             <a:noFill/>
@@ -9009,10 +5988,10 @@
       </p:sp>
       <p:sp>
         <p:nvSpPr>
-          <p:cNvPr id="109" name="Ellipse 108">
+          <p:cNvPr id="49" name="Ellipse 48">
             <a:extLst>
               <a:ext uri="{FF2B5EF4-FFF2-40B4-BE49-F238E27FC236}">
-                <a16:creationId xmlns:a16="http://schemas.microsoft.com/office/drawing/2014/main" id="{D7D2E395-7B2C-49F1-80EA-14967B790E3A}"/>
+                <a16:creationId xmlns:a16="http://schemas.microsoft.com/office/drawing/2014/main" id="{5F756EFC-A084-4740-A8C1-2B1E99E1EFD5}"/>
               </a:ext>
             </a:extLst>
           </p:cNvPr>
@@ -9021,8 +6000,8 @@
         </p:nvSpPr>
         <p:spPr>
           <a:xfrm>
-            <a:off x="2447574" y="2038964"/>
-            <a:ext cx="1058400" cy="1058400"/>
+            <a:off x="2918401" y="5583236"/>
+            <a:ext cx="68400" cy="68400"/>
           </a:xfrm>
           <a:prstGeom prst="ellipse">
             <a:avLst/>
@@ -9032,522 +6011,6 @@
               <a:lumMod val="60000"/>
               <a:lumOff val="40000"/>
             </a:schemeClr>
-          </a:solidFill>
-          <a:ln w="12700" cap="flat">
-            <a:noFill/>
-            <a:miter lim="400000"/>
-          </a:ln>
-          <a:effectLst/>
-          <a:sp3d/>
-        </p:spPr>
-        <p:style>
-          <a:lnRef idx="0">
-            <a:scrgbClr r="0" g="0" b="0"/>
-          </a:lnRef>
-          <a:fillRef idx="0">
-            <a:scrgbClr r="0" g="0" b="0"/>
-          </a:fillRef>
-          <a:effectRef idx="0">
-            <a:scrgbClr r="0" g="0" b="0"/>
-          </a:effectRef>
-          <a:fontRef idx="none"/>
-        </p:style>
-        <p:txBody>
-          <a:bodyPr rot="0" spcFirstLastPara="1" vertOverflow="overflow" horzOverflow="overflow" vert="horz" wrap="square" lIns="50800" tIns="50800" rIns="50800" bIns="50800" numCol="1" spcCol="38100" rtlCol="0" anchor="ctr">
-            <a:spAutoFit/>
-          </a:bodyPr>
-          <a:lstStyle/>
-          <a:p>
-            <a:pPr marL="0" marR="0" indent="0" algn="ctr" defTabSz="825500" rtl="0" fontAlgn="auto" latinLnBrk="0" hangingPunct="0">
-              <a:lnSpc>
-                <a:spcPct val="100000"/>
-              </a:lnSpc>
-              <a:spcBef>
-                <a:spcPts val="0"/>
-              </a:spcBef>
-              <a:spcAft>
-                <a:spcPts val="0"/>
-              </a:spcAft>
-              <a:buClrTx/>
-              <a:buSzTx/>
-              <a:buFontTx/>
-              <a:buNone/>
-              <a:tabLst/>
-            </a:pPr>
-            <a:endParaRPr kumimoji="0" lang="en-DE" sz="3200" b="0" i="0" u="none" strike="noStrike" cap="none" spc="0" normalizeH="0" baseline="0">
-              <a:ln>
-                <a:noFill/>
-              </a:ln>
-              <a:solidFill>
-                <a:srgbClr val="FFFFFF"/>
-              </a:solidFill>
-              <a:effectLst/>
-              <a:uFillTx/>
-              <a:latin typeface="Helvetica Neue Medium"/>
-              <a:ea typeface="Helvetica Neue Medium"/>
-              <a:cs typeface="Helvetica Neue Medium"/>
-              <a:sym typeface="Helvetica Neue Medium"/>
-            </a:endParaRPr>
-          </a:p>
-        </p:txBody>
-      </p:sp>
-      <p:sp>
-        <p:nvSpPr>
-          <p:cNvPr id="111" name="Ellipse 110">
-            <a:extLst>
-              <a:ext uri="{FF2B5EF4-FFF2-40B4-BE49-F238E27FC236}">
-                <a16:creationId xmlns:a16="http://schemas.microsoft.com/office/drawing/2014/main" id="{E1F184CD-F1AC-40C4-98A9-E29A84149C34}"/>
-              </a:ext>
-            </a:extLst>
-          </p:cNvPr>
-          <p:cNvSpPr/>
-          <p:nvPr/>
-        </p:nvSpPr>
-        <p:spPr>
-          <a:xfrm>
-            <a:off x="3680585" y="2107364"/>
-            <a:ext cx="943200" cy="943200"/>
-          </a:xfrm>
-          <a:prstGeom prst="ellipse">
-            <a:avLst/>
-          </a:prstGeom>
-          <a:solidFill>
-            <a:srgbClr val="7030A0"/>
-          </a:solidFill>
-          <a:ln w="12700" cap="flat">
-            <a:noFill/>
-            <a:miter lim="400000"/>
-          </a:ln>
-          <a:effectLst/>
-          <a:sp3d/>
-        </p:spPr>
-        <p:style>
-          <a:lnRef idx="0">
-            <a:scrgbClr r="0" g="0" b="0"/>
-          </a:lnRef>
-          <a:fillRef idx="0">
-            <a:scrgbClr r="0" g="0" b="0"/>
-          </a:fillRef>
-          <a:effectRef idx="0">
-            <a:scrgbClr r="0" g="0" b="0"/>
-          </a:effectRef>
-          <a:fontRef idx="none"/>
-        </p:style>
-        <p:txBody>
-          <a:bodyPr rot="0" spcFirstLastPara="1" vertOverflow="overflow" horzOverflow="overflow" vert="horz" wrap="square" lIns="50800" tIns="50800" rIns="50800" bIns="50800" numCol="1" spcCol="38100" rtlCol="0" anchor="ctr">
-            <a:spAutoFit/>
-          </a:bodyPr>
-          <a:lstStyle/>
-          <a:p>
-            <a:pPr marL="0" marR="0" indent="0" algn="ctr" defTabSz="825500" rtl="0" fontAlgn="auto" latinLnBrk="0" hangingPunct="0">
-              <a:lnSpc>
-                <a:spcPct val="100000"/>
-              </a:lnSpc>
-              <a:spcBef>
-                <a:spcPts val="0"/>
-              </a:spcBef>
-              <a:spcAft>
-                <a:spcPts val="0"/>
-              </a:spcAft>
-              <a:buClrTx/>
-              <a:buSzTx/>
-              <a:buFontTx/>
-              <a:buNone/>
-              <a:tabLst/>
-            </a:pPr>
-            <a:endParaRPr kumimoji="0" lang="en-DE" sz="3200" b="0" i="0" u="none" strike="noStrike" cap="none" spc="0" normalizeH="0" baseline="0">
-              <a:ln>
-                <a:noFill/>
-              </a:ln>
-              <a:solidFill>
-                <a:srgbClr val="FFFFFF"/>
-              </a:solidFill>
-              <a:effectLst/>
-              <a:uFillTx/>
-              <a:latin typeface="Helvetica Neue Medium"/>
-              <a:ea typeface="Helvetica Neue Medium"/>
-              <a:cs typeface="Helvetica Neue Medium"/>
-              <a:sym typeface="Helvetica Neue Medium"/>
-            </a:endParaRPr>
-          </a:p>
-        </p:txBody>
-      </p:sp>
-      <p:sp>
-        <p:nvSpPr>
-          <p:cNvPr id="113" name="Textfeld 112">
-            <a:extLst>
-              <a:ext uri="{FF2B5EF4-FFF2-40B4-BE49-F238E27FC236}">
-                <a16:creationId xmlns:a16="http://schemas.microsoft.com/office/drawing/2014/main" id="{D10B258F-ADC6-4DA9-8FF2-6D21A5A9F9A6}"/>
-              </a:ext>
-            </a:extLst>
-          </p:cNvPr>
-          <p:cNvSpPr txBox="1"/>
-          <p:nvPr/>
-        </p:nvSpPr>
-        <p:spPr>
-          <a:xfrm>
-            <a:off x="1053290" y="1140129"/>
-            <a:ext cx="1219673" cy="841256"/>
-          </a:xfrm>
-          <a:prstGeom prst="rect">
-            <a:avLst/>
-          </a:prstGeom>
-          <a:noFill/>
-          <a:ln w="12700" cap="flat">
-            <a:noFill/>
-            <a:miter lim="400000"/>
-          </a:ln>
-          <a:effectLst/>
-          <a:sp3d/>
-        </p:spPr>
-        <p:style>
-          <a:lnRef idx="0">
-            <a:scrgbClr r="0" g="0" b="0"/>
-          </a:lnRef>
-          <a:fillRef idx="0">
-            <a:scrgbClr r="0" g="0" b="0"/>
-          </a:fillRef>
-          <a:effectRef idx="0">
-            <a:scrgbClr r="0" g="0" b="0"/>
-          </a:effectRef>
-          <a:fontRef idx="none"/>
-        </p:style>
-        <p:txBody>
-          <a:bodyPr rot="0" spcFirstLastPara="1" vertOverflow="overflow" horzOverflow="overflow" vert="horz" wrap="square" lIns="50800" tIns="50800" rIns="50800" bIns="50800" numCol="1" spcCol="38100" rtlCol="0" anchor="ctr">
-            <a:spAutoFit/>
-          </a:bodyPr>
-          <a:lstStyle/>
-          <a:p>
-            <a:pPr marL="0" marR="0" indent="0" algn="ctr" defTabSz="2438338" rtl="0" fontAlgn="auto" latinLnBrk="0" hangingPunct="0">
-              <a:lnSpc>
-                <a:spcPct val="100000"/>
-              </a:lnSpc>
-              <a:spcBef>
-                <a:spcPts val="0"/>
-              </a:spcBef>
-              <a:spcAft>
-                <a:spcPts val="0"/>
-              </a:spcAft>
-              <a:buClrTx/>
-              <a:buSzTx/>
-              <a:buFontTx/>
-              <a:buNone/>
-              <a:tabLst/>
-            </a:pPr>
-            <a:r>
-              <a:rPr kumimoji="0" lang="en-US" sz="2400" b="0" i="0" u="none" strike="noStrike" cap="none" spc="0" normalizeH="0" baseline="0" dirty="0">
-                <a:ln>
-                  <a:noFill/>
-                </a:ln>
-                <a:solidFill>
-                  <a:srgbClr val="5E5E5E"/>
-                </a:solidFill>
-                <a:effectLst/>
-                <a:uFillTx/>
-                <a:latin typeface="+mn-lt"/>
-                <a:ea typeface="+mn-ea"/>
-                <a:cs typeface="+mn-cs"/>
-                <a:sym typeface="Helvetica Neue"/>
-              </a:rPr>
-              <a:t>DACH</a:t>
-            </a:r>
-          </a:p>
-          <a:p>
-            <a:pPr marL="0" marR="0" indent="0" algn="ctr" defTabSz="2438338" rtl="0" fontAlgn="auto" latinLnBrk="0" hangingPunct="0">
-              <a:lnSpc>
-                <a:spcPct val="100000"/>
-              </a:lnSpc>
-              <a:spcBef>
-                <a:spcPts val="0"/>
-              </a:spcBef>
-              <a:spcAft>
-                <a:spcPts val="0"/>
-              </a:spcAft>
-              <a:buClrTx/>
-              <a:buSzTx/>
-              <a:buFontTx/>
-              <a:buNone/>
-              <a:tabLst/>
-            </a:pPr>
-            <a:r>
-              <a:rPr lang="en-US" dirty="0"/>
-              <a:t>0,45%</a:t>
-            </a:r>
-            <a:endParaRPr kumimoji="0" lang="en-DE" sz="2400" b="0" i="0" u="none" strike="noStrike" cap="none" spc="0" normalizeH="0" baseline="0" dirty="0">
-              <a:ln>
-                <a:noFill/>
-              </a:ln>
-              <a:solidFill>
-                <a:srgbClr val="5E5E5E"/>
-              </a:solidFill>
-              <a:effectLst/>
-              <a:uFillTx/>
-              <a:latin typeface="+mn-lt"/>
-              <a:ea typeface="+mn-ea"/>
-              <a:cs typeface="+mn-cs"/>
-              <a:sym typeface="Helvetica Neue"/>
-            </a:endParaRPr>
-          </a:p>
-        </p:txBody>
-      </p:sp>
-      <p:sp>
-        <p:nvSpPr>
-          <p:cNvPr id="115" name="Textfeld 114">
-            <a:extLst>
-              <a:ext uri="{FF2B5EF4-FFF2-40B4-BE49-F238E27FC236}">
-                <a16:creationId xmlns:a16="http://schemas.microsoft.com/office/drawing/2014/main" id="{010E9D57-5642-4C56-8DBF-E9A6E0BF1421}"/>
-              </a:ext>
-            </a:extLst>
-          </p:cNvPr>
-          <p:cNvSpPr txBox="1"/>
-          <p:nvPr/>
-        </p:nvSpPr>
-        <p:spPr>
-          <a:xfrm>
-            <a:off x="2349183" y="1103340"/>
-            <a:ext cx="1219673" cy="841256"/>
-          </a:xfrm>
-          <a:prstGeom prst="rect">
-            <a:avLst/>
-          </a:prstGeom>
-          <a:noFill/>
-          <a:ln w="12700" cap="flat">
-            <a:noFill/>
-            <a:miter lim="400000"/>
-          </a:ln>
-          <a:effectLst/>
-          <a:sp3d/>
-        </p:spPr>
-        <p:style>
-          <a:lnRef idx="0">
-            <a:scrgbClr r="0" g="0" b="0"/>
-          </a:lnRef>
-          <a:fillRef idx="0">
-            <a:scrgbClr r="0" g="0" b="0"/>
-          </a:fillRef>
-          <a:effectRef idx="0">
-            <a:scrgbClr r="0" g="0" b="0"/>
-          </a:effectRef>
-          <a:fontRef idx="none"/>
-        </p:style>
-        <p:txBody>
-          <a:bodyPr rot="0" spcFirstLastPara="1" vertOverflow="overflow" horzOverflow="overflow" vert="horz" wrap="square" lIns="50800" tIns="50800" rIns="50800" bIns="50800" numCol="1" spcCol="38100" rtlCol="0" anchor="ctr">
-            <a:spAutoFit/>
-          </a:bodyPr>
-          <a:lstStyle/>
-          <a:p>
-            <a:pPr marL="0" marR="0" indent="0" algn="ctr" defTabSz="2438338" rtl="0" fontAlgn="auto" latinLnBrk="0" hangingPunct="0">
-              <a:lnSpc>
-                <a:spcPct val="100000"/>
-              </a:lnSpc>
-              <a:spcBef>
-                <a:spcPts val="0"/>
-              </a:spcBef>
-              <a:spcAft>
-                <a:spcPts val="0"/>
-              </a:spcAft>
-              <a:buClrTx/>
-              <a:buSzTx/>
-              <a:buFontTx/>
-              <a:buNone/>
-              <a:tabLst/>
-            </a:pPr>
-            <a:r>
-              <a:rPr kumimoji="0" lang="en-US" sz="2400" b="0" i="0" u="none" strike="noStrike" cap="none" spc="0" normalizeH="0" baseline="0" dirty="0">
-                <a:ln>
-                  <a:noFill/>
-                </a:ln>
-                <a:solidFill>
-                  <a:srgbClr val="5E5E5E"/>
-                </a:solidFill>
-                <a:effectLst/>
-                <a:uFillTx/>
-                <a:latin typeface="+mn-lt"/>
-                <a:ea typeface="+mn-ea"/>
-                <a:cs typeface="+mn-cs"/>
-                <a:sym typeface="Helvetica Neue"/>
-              </a:rPr>
-              <a:t>UK</a:t>
-            </a:r>
-          </a:p>
-          <a:p>
-            <a:pPr marL="0" marR="0" indent="0" algn="ctr" defTabSz="2438338" rtl="0" fontAlgn="auto" latinLnBrk="0" hangingPunct="0">
-              <a:lnSpc>
-                <a:spcPct val="100000"/>
-              </a:lnSpc>
-              <a:spcBef>
-                <a:spcPts val="0"/>
-              </a:spcBef>
-              <a:spcAft>
-                <a:spcPts val="0"/>
-              </a:spcAft>
-              <a:buClrTx/>
-              <a:buSzTx/>
-              <a:buFontTx/>
-              <a:buNone/>
-              <a:tabLst/>
-            </a:pPr>
-            <a:r>
-              <a:rPr lang="en-US" dirty="0"/>
-              <a:t>0,23%</a:t>
-            </a:r>
-            <a:endParaRPr kumimoji="0" lang="en-DE" sz="2400" b="0" i="0" u="none" strike="noStrike" cap="none" spc="0" normalizeH="0" baseline="0" dirty="0">
-              <a:ln>
-                <a:noFill/>
-              </a:ln>
-              <a:solidFill>
-                <a:srgbClr val="5E5E5E"/>
-              </a:solidFill>
-              <a:effectLst/>
-              <a:uFillTx/>
-              <a:latin typeface="+mn-lt"/>
-              <a:ea typeface="+mn-ea"/>
-              <a:cs typeface="+mn-cs"/>
-              <a:sym typeface="Helvetica Neue"/>
-            </a:endParaRPr>
-          </a:p>
-        </p:txBody>
-      </p:sp>
-      <p:sp>
-        <p:nvSpPr>
-          <p:cNvPr id="117" name="Textfeld 116">
-            <a:extLst>
-              <a:ext uri="{FF2B5EF4-FFF2-40B4-BE49-F238E27FC236}">
-                <a16:creationId xmlns:a16="http://schemas.microsoft.com/office/drawing/2014/main" id="{42ED9EC5-F31E-4463-A2B3-C780E67B5C2B}"/>
-              </a:ext>
-            </a:extLst>
-          </p:cNvPr>
-          <p:cNvSpPr txBox="1"/>
-          <p:nvPr/>
-        </p:nvSpPr>
-        <p:spPr>
-          <a:xfrm>
-            <a:off x="3568856" y="1087074"/>
-            <a:ext cx="1219673" cy="841256"/>
-          </a:xfrm>
-          <a:prstGeom prst="rect">
-            <a:avLst/>
-          </a:prstGeom>
-          <a:noFill/>
-          <a:ln w="12700" cap="flat">
-            <a:noFill/>
-            <a:miter lim="400000"/>
-          </a:ln>
-          <a:effectLst/>
-          <a:sp3d/>
-        </p:spPr>
-        <p:style>
-          <a:lnRef idx="0">
-            <a:scrgbClr r="0" g="0" b="0"/>
-          </a:lnRef>
-          <a:fillRef idx="0">
-            <a:scrgbClr r="0" g="0" b="0"/>
-          </a:fillRef>
-          <a:effectRef idx="0">
-            <a:scrgbClr r="0" g="0" b="0"/>
-          </a:effectRef>
-          <a:fontRef idx="none"/>
-        </p:style>
-        <p:txBody>
-          <a:bodyPr rot="0" spcFirstLastPara="1" vertOverflow="overflow" horzOverflow="overflow" vert="horz" wrap="square" lIns="50800" tIns="50800" rIns="50800" bIns="50800" numCol="1" spcCol="38100" rtlCol="0" anchor="ctr">
-            <a:spAutoFit/>
-          </a:bodyPr>
-          <a:lstStyle/>
-          <a:p>
-            <a:pPr marL="0" marR="0" indent="0" algn="ctr" defTabSz="2438338" rtl="0" fontAlgn="auto" latinLnBrk="0" hangingPunct="0">
-              <a:lnSpc>
-                <a:spcPct val="100000"/>
-              </a:lnSpc>
-              <a:spcBef>
-                <a:spcPts val="0"/>
-              </a:spcBef>
-              <a:spcAft>
-                <a:spcPts val="0"/>
-              </a:spcAft>
-              <a:buClrTx/>
-              <a:buSzTx/>
-              <a:buFontTx/>
-              <a:buNone/>
-              <a:tabLst/>
-            </a:pPr>
-            <a:r>
-              <a:rPr kumimoji="0" lang="en-US" sz="2400" b="0" i="0" u="none" strike="noStrike" cap="none" spc="0" normalizeH="0" baseline="0" dirty="0">
-                <a:ln>
-                  <a:noFill/>
-                </a:ln>
-                <a:solidFill>
-                  <a:srgbClr val="5E5E5E"/>
-                </a:solidFill>
-                <a:effectLst/>
-                <a:uFillTx/>
-                <a:latin typeface="+mn-lt"/>
-                <a:ea typeface="+mn-ea"/>
-                <a:cs typeface="+mn-cs"/>
-                <a:sym typeface="Helvetica Neue"/>
-              </a:rPr>
-              <a:t>US</a:t>
-            </a:r>
-          </a:p>
-          <a:p>
-            <a:pPr marL="0" marR="0" indent="0" algn="ctr" defTabSz="2438338" rtl="0" fontAlgn="auto" latinLnBrk="0" hangingPunct="0">
-              <a:lnSpc>
-                <a:spcPct val="100000"/>
-              </a:lnSpc>
-              <a:spcBef>
-                <a:spcPts val="0"/>
-              </a:spcBef>
-              <a:spcAft>
-                <a:spcPts val="0"/>
-              </a:spcAft>
-              <a:buClrTx/>
-              <a:buSzTx/>
-              <a:buFontTx/>
-              <a:buNone/>
-              <a:tabLst/>
-            </a:pPr>
-            <a:r>
-              <a:rPr lang="en-US" dirty="0"/>
-              <a:t>1,25%</a:t>
-            </a:r>
-            <a:endParaRPr kumimoji="0" lang="en-DE" sz="2400" b="0" i="0" u="none" strike="noStrike" cap="none" spc="0" normalizeH="0" baseline="0" dirty="0">
-              <a:ln>
-                <a:noFill/>
-              </a:ln>
-              <a:solidFill>
-                <a:srgbClr val="5E5E5E"/>
-              </a:solidFill>
-              <a:effectLst/>
-              <a:uFillTx/>
-              <a:latin typeface="+mn-lt"/>
-              <a:ea typeface="+mn-ea"/>
-              <a:cs typeface="+mn-cs"/>
-              <a:sym typeface="Helvetica Neue"/>
-            </a:endParaRPr>
-          </a:p>
-        </p:txBody>
-      </p:sp>
-      <p:sp>
-        <p:nvSpPr>
-          <p:cNvPr id="119" name="Ellipse 118">
-            <a:extLst>
-              <a:ext uri="{FF2B5EF4-FFF2-40B4-BE49-F238E27FC236}">
-                <a16:creationId xmlns:a16="http://schemas.microsoft.com/office/drawing/2014/main" id="{8A2EC4EC-E826-46C1-BA7D-89895D78DEE9}"/>
-              </a:ext>
-            </a:extLst>
-          </p:cNvPr>
-          <p:cNvSpPr/>
-          <p:nvPr/>
-        </p:nvSpPr>
-        <p:spPr>
-          <a:xfrm>
-            <a:off x="11266226" y="1911821"/>
-            <a:ext cx="122400" cy="122400"/>
-          </a:xfrm>
-          <a:prstGeom prst="ellipse">
-            <a:avLst/>
-          </a:prstGeom>
-          <a:solidFill>
-            <a:schemeClr val="accent5"/>
           </a:solidFill>
           <a:ln w="12700" cap="flat">
             <a:noFill/>
@@ -9609,10 +6072,10 @@
       </p:sp>
       <p:sp>
         <p:nvSpPr>
-          <p:cNvPr id="123" name="Ellipse 122">
+          <p:cNvPr id="51" name="Ellipse 50">
             <a:extLst>
               <a:ext uri="{FF2B5EF4-FFF2-40B4-BE49-F238E27FC236}">
-                <a16:creationId xmlns:a16="http://schemas.microsoft.com/office/drawing/2014/main" id="{1A8AB5B4-F126-43BB-877F-1592C3BC2E08}"/>
+                <a16:creationId xmlns:a16="http://schemas.microsoft.com/office/drawing/2014/main" id="{216CD359-E0B7-454B-B5D9-0E531FCD5424}"/>
               </a:ext>
             </a:extLst>
           </p:cNvPr>
@@ -9621,14 +6084,17 @@
         </p:nvSpPr>
         <p:spPr>
           <a:xfrm>
-            <a:off x="13810351" y="1892021"/>
-            <a:ext cx="39600" cy="39600"/>
+            <a:off x="2672554" y="2173665"/>
+            <a:ext cx="68400" cy="68400"/>
           </a:xfrm>
           <a:prstGeom prst="ellipse">
             <a:avLst/>
           </a:prstGeom>
           <a:solidFill>
-            <a:srgbClr val="7030A0"/>
+            <a:schemeClr val="accent1">
+              <a:lumMod val="60000"/>
+              <a:lumOff val="40000"/>
+            </a:schemeClr>
           </a:solidFill>
           <a:ln w="12700" cap="flat">
             <a:noFill/>
@@ -9671,7 +6137,7 @@
               <a:buNone/>
               <a:tabLst/>
             </a:pPr>
-            <a:endParaRPr kumimoji="0" lang="en-DE" sz="3200" b="0" i="0" u="none" strike="noStrike" cap="none" spc="0" normalizeH="0" baseline="0">
+            <a:endParaRPr kumimoji="0" lang="en-DE" sz="3200" b="0" i="0" u="none" strike="noStrike" cap="none" spc="0" normalizeH="0" baseline="0" dirty="0">
               <a:ln>
                 <a:noFill/>
               </a:ln>
@@ -9690,25 +6156,30 @@
       </p:sp>
       <p:sp>
         <p:nvSpPr>
-          <p:cNvPr id="125" name="Textfeld 124">
+          <p:cNvPr id="53" name="Ellipse 52">
             <a:extLst>
               <a:ext uri="{FF2B5EF4-FFF2-40B4-BE49-F238E27FC236}">
-                <a16:creationId xmlns:a16="http://schemas.microsoft.com/office/drawing/2014/main" id="{4B03C1F6-1053-4409-8D7A-A95A6FD38552}"/>
+                <a16:creationId xmlns:a16="http://schemas.microsoft.com/office/drawing/2014/main" id="{AD34B16B-E007-4DBE-9205-C72C9D09260B}"/>
               </a:ext>
             </a:extLst>
           </p:cNvPr>
-          <p:cNvSpPr txBox="1"/>
+          <p:cNvSpPr/>
           <p:nvPr/>
         </p:nvSpPr>
         <p:spPr>
           <a:xfrm>
-            <a:off x="10833358" y="690564"/>
-            <a:ext cx="1219673" cy="841256"/>
+            <a:off x="12575258" y="1613525"/>
+            <a:ext cx="18000" cy="18000"/>
           </a:xfrm>
-          <a:prstGeom prst="rect">
-            <a:avLst/>
-          </a:prstGeom>
-          <a:noFill/>
+          <a:prstGeom prst="ellipse">
+            <a:avLst/>
+          </a:prstGeom>
+          <a:solidFill>
+            <a:schemeClr val="accent1">
+              <a:lumMod val="60000"/>
+              <a:lumOff val="40000"/>
+            </a:schemeClr>
+          </a:solidFill>
           <a:ln w="12700" cap="flat">
             <a:noFill/>
             <a:miter lim="400000"/>
@@ -9734,7 +6205,7 @@
           </a:bodyPr>
           <a:lstStyle/>
           <a:p>
-            <a:pPr marL="0" marR="0" indent="0" algn="ctr" defTabSz="2438338" rtl="0" fontAlgn="auto" latinLnBrk="0" hangingPunct="0">
+            <a:pPr marL="0" marR="0" indent="0" algn="ctr" defTabSz="825500" rtl="0" fontAlgn="auto" latinLnBrk="0" hangingPunct="0">
               <a:lnSpc>
                 <a:spcPct val="100000"/>
               </a:lnSpc>
@@ -9750,26 +6221,75 @@
               <a:buNone/>
               <a:tabLst/>
             </a:pPr>
-            <a:r>
-              <a:rPr kumimoji="0" lang="en-US" sz="2400" b="0" i="0" u="none" strike="noStrike" cap="none" spc="0" normalizeH="0" baseline="0" dirty="0">
-                <a:ln>
-                  <a:noFill/>
-                </a:ln>
-                <a:solidFill>
-                  <a:srgbClr val="5E5E5E"/>
-                </a:solidFill>
-                <a:effectLst/>
-                <a:uFillTx/>
-                <a:latin typeface="+mn-lt"/>
-                <a:ea typeface="+mn-ea"/>
-                <a:cs typeface="+mn-cs"/>
-                <a:sym typeface="Helvetica Neue"/>
-              </a:rPr>
-              <a:t>DACH</a:t>
-            </a:r>
-          </a:p>
-          <a:p>
-            <a:pPr marL="0" marR="0" indent="0" algn="ctr" defTabSz="2438338" rtl="0" fontAlgn="auto" latinLnBrk="0" hangingPunct="0">
+            <a:endParaRPr kumimoji="0" lang="en-DE" sz="3200" b="0" i="0" u="none" strike="noStrike" cap="none" spc="0" normalizeH="0" baseline="0" dirty="0">
+              <a:ln>
+                <a:noFill/>
+              </a:ln>
+              <a:solidFill>
+                <a:srgbClr val="FFFFFF"/>
+              </a:solidFill>
+              <a:effectLst/>
+              <a:uFillTx/>
+              <a:latin typeface="Helvetica Neue Medium"/>
+              <a:ea typeface="Helvetica Neue Medium"/>
+              <a:cs typeface="Helvetica Neue Medium"/>
+              <a:sym typeface="Helvetica Neue Medium"/>
+            </a:endParaRPr>
+          </a:p>
+        </p:txBody>
+      </p:sp>
+      <p:sp>
+        <p:nvSpPr>
+          <p:cNvPr id="55" name="Ellipse 54">
+            <a:extLst>
+              <a:ext uri="{FF2B5EF4-FFF2-40B4-BE49-F238E27FC236}">
+                <a16:creationId xmlns:a16="http://schemas.microsoft.com/office/drawing/2014/main" id="{F412210E-98E6-4C45-95C0-2082D3B3810C}"/>
+              </a:ext>
+            </a:extLst>
+          </p:cNvPr>
+          <p:cNvSpPr/>
+          <p:nvPr/>
+        </p:nvSpPr>
+        <p:spPr>
+          <a:xfrm>
+            <a:off x="17998146" y="1694617"/>
+            <a:ext cx="122400" cy="122400"/>
+          </a:xfrm>
+          <a:prstGeom prst="ellipse">
+            <a:avLst/>
+          </a:prstGeom>
+          <a:solidFill>
+            <a:schemeClr val="accent1">
+              <a:lumMod val="60000"/>
+              <a:lumOff val="40000"/>
+            </a:schemeClr>
+          </a:solidFill>
+          <a:ln w="12700" cap="flat">
+            <a:noFill/>
+            <a:miter lim="400000"/>
+          </a:ln>
+          <a:effectLst/>
+          <a:sp3d/>
+        </p:spPr>
+        <p:style>
+          <a:lnRef idx="0">
+            <a:scrgbClr r="0" g="0" b="0"/>
+          </a:lnRef>
+          <a:fillRef idx="0">
+            <a:scrgbClr r="0" g="0" b="0"/>
+          </a:fillRef>
+          <a:effectRef idx="0">
+            <a:scrgbClr r="0" g="0" b="0"/>
+          </a:effectRef>
+          <a:fontRef idx="none"/>
+        </p:style>
+        <p:txBody>
+          <a:bodyPr rot="0" spcFirstLastPara="1" vertOverflow="overflow" horzOverflow="overflow" vert="horz" wrap="square" lIns="50800" tIns="50800" rIns="50800" bIns="50800" numCol="1" spcCol="38100" rtlCol="0" anchor="ctr">
+            <a:spAutoFit/>
+          </a:bodyPr>
+          <a:lstStyle/>
+          <a:p>
+            <a:pPr marL="0" marR="0" indent="0" algn="ctr" defTabSz="825500" rtl="0" fontAlgn="auto" latinLnBrk="0" hangingPunct="0">
               <a:lnSpc>
                 <a:spcPct val="100000"/>
               </a:lnSpc>
@@ -9785,316 +6305,20 @@
               <a:buNone/>
               <a:tabLst/>
             </a:pPr>
-            <a:r>
-              <a:rPr lang="en-US" dirty="0"/>
-              <a:t>0,34%</a:t>
-            </a:r>
-            <a:endParaRPr kumimoji="0" lang="en-DE" sz="2400" b="0" i="0" u="none" strike="noStrike" cap="none" spc="0" normalizeH="0" baseline="0" dirty="0">
+            <a:endParaRPr kumimoji="0" lang="en-DE" sz="3200" b="0" i="0" u="none" strike="noStrike" cap="none" spc="0" normalizeH="0" baseline="0" dirty="0">
               <a:ln>
                 <a:noFill/>
               </a:ln>
               <a:solidFill>
-                <a:srgbClr val="5E5E5E"/>
+                <a:srgbClr val="FFFFFF"/>
               </a:solidFill>
               <a:effectLst/>
               <a:uFillTx/>
-              <a:latin typeface="+mn-lt"/>
-              <a:ea typeface="+mn-ea"/>
-              <a:cs typeface="+mn-cs"/>
-              <a:sym typeface="Helvetica Neue"/>
+              <a:latin typeface="Helvetica Neue Medium"/>
+              <a:ea typeface="Helvetica Neue Medium"/>
+              <a:cs typeface="Helvetica Neue Medium"/>
+              <a:sym typeface="Helvetica Neue Medium"/>
             </a:endParaRPr>
-          </a:p>
-        </p:txBody>
-      </p:sp>
-      <p:sp>
-        <p:nvSpPr>
-          <p:cNvPr id="127" name="Textfeld 126">
-            <a:extLst>
-              <a:ext uri="{FF2B5EF4-FFF2-40B4-BE49-F238E27FC236}">
-                <a16:creationId xmlns:a16="http://schemas.microsoft.com/office/drawing/2014/main" id="{1BF8FD2D-C4D1-4012-979F-3CB3483255A6}"/>
-              </a:ext>
-            </a:extLst>
-          </p:cNvPr>
-          <p:cNvSpPr txBox="1"/>
-          <p:nvPr/>
-        </p:nvSpPr>
-        <p:spPr>
-          <a:xfrm>
-            <a:off x="12139055" y="669957"/>
-            <a:ext cx="1219673" cy="841256"/>
-          </a:xfrm>
-          <a:prstGeom prst="rect">
-            <a:avLst/>
-          </a:prstGeom>
-          <a:noFill/>
-          <a:ln w="12700" cap="flat">
-            <a:noFill/>
-            <a:miter lim="400000"/>
-          </a:ln>
-          <a:effectLst/>
-          <a:sp3d/>
-        </p:spPr>
-        <p:style>
-          <a:lnRef idx="0">
-            <a:scrgbClr r="0" g="0" b="0"/>
-          </a:lnRef>
-          <a:fillRef idx="0">
-            <a:scrgbClr r="0" g="0" b="0"/>
-          </a:fillRef>
-          <a:effectRef idx="0">
-            <a:scrgbClr r="0" g="0" b="0"/>
-          </a:effectRef>
-          <a:fontRef idx="none"/>
-        </p:style>
-        <p:txBody>
-          <a:bodyPr rot="0" spcFirstLastPara="1" vertOverflow="overflow" horzOverflow="overflow" vert="horz" wrap="square" lIns="50800" tIns="50800" rIns="50800" bIns="50800" numCol="1" spcCol="38100" rtlCol="0" anchor="ctr">
-            <a:spAutoFit/>
-          </a:bodyPr>
-          <a:lstStyle/>
-          <a:p>
-            <a:pPr marL="0" marR="0" indent="0" algn="ctr" defTabSz="2438338" rtl="0" fontAlgn="auto" latinLnBrk="0" hangingPunct="0">
-              <a:lnSpc>
-                <a:spcPct val="100000"/>
-              </a:lnSpc>
-              <a:spcBef>
-                <a:spcPts val="0"/>
-              </a:spcBef>
-              <a:spcAft>
-                <a:spcPts val="0"/>
-              </a:spcAft>
-              <a:buClrTx/>
-              <a:buSzTx/>
-              <a:buFontTx/>
-              <a:buNone/>
-              <a:tabLst/>
-            </a:pPr>
-            <a:r>
-              <a:rPr kumimoji="0" lang="en-US" sz="2400" b="0" i="0" u="none" strike="noStrike" cap="none" spc="0" normalizeH="0" baseline="0" dirty="0">
-                <a:ln>
-                  <a:noFill/>
-                </a:ln>
-                <a:solidFill>
-                  <a:srgbClr val="5E5E5E"/>
-                </a:solidFill>
-                <a:effectLst/>
-                <a:uFillTx/>
-                <a:latin typeface="+mn-lt"/>
-                <a:ea typeface="+mn-ea"/>
-                <a:cs typeface="+mn-cs"/>
-                <a:sym typeface="Helvetica Neue"/>
-              </a:rPr>
-              <a:t>UK</a:t>
-            </a:r>
-          </a:p>
-          <a:p>
-            <a:pPr marL="0" marR="0" indent="0" algn="ctr" defTabSz="2438338" rtl="0" fontAlgn="auto" latinLnBrk="0" hangingPunct="0">
-              <a:lnSpc>
-                <a:spcPct val="100000"/>
-              </a:lnSpc>
-              <a:spcBef>
-                <a:spcPts val="0"/>
-              </a:spcBef>
-              <a:spcAft>
-                <a:spcPts val="0"/>
-              </a:spcAft>
-              <a:buClrTx/>
-              <a:buSzTx/>
-              <a:buFontTx/>
-              <a:buNone/>
-              <a:tabLst/>
-            </a:pPr>
-            <a:r>
-              <a:rPr lang="en-US" dirty="0"/>
-              <a:t>0%</a:t>
-            </a:r>
-            <a:endParaRPr kumimoji="0" lang="en-DE" sz="2400" b="0" i="0" u="none" strike="noStrike" cap="none" spc="0" normalizeH="0" baseline="0" dirty="0">
-              <a:ln>
-                <a:noFill/>
-              </a:ln>
-              <a:solidFill>
-                <a:srgbClr val="5E5E5E"/>
-              </a:solidFill>
-              <a:effectLst/>
-              <a:uFillTx/>
-              <a:latin typeface="+mn-lt"/>
-              <a:ea typeface="+mn-ea"/>
-              <a:cs typeface="+mn-cs"/>
-              <a:sym typeface="Helvetica Neue"/>
-            </a:endParaRPr>
-          </a:p>
-        </p:txBody>
-      </p:sp>
-      <p:sp>
-        <p:nvSpPr>
-          <p:cNvPr id="129" name="Textfeld 128">
-            <a:extLst>
-              <a:ext uri="{FF2B5EF4-FFF2-40B4-BE49-F238E27FC236}">
-                <a16:creationId xmlns:a16="http://schemas.microsoft.com/office/drawing/2014/main" id="{03209983-FCA8-465B-BE25-268A1ED16AB9}"/>
-              </a:ext>
-            </a:extLst>
-          </p:cNvPr>
-          <p:cNvSpPr txBox="1"/>
-          <p:nvPr/>
-        </p:nvSpPr>
-        <p:spPr>
-          <a:xfrm>
-            <a:off x="13280130" y="693083"/>
-            <a:ext cx="1219673" cy="841256"/>
-          </a:xfrm>
-          <a:prstGeom prst="rect">
-            <a:avLst/>
-          </a:prstGeom>
-          <a:noFill/>
-          <a:ln w="12700" cap="flat">
-            <a:noFill/>
-            <a:miter lim="400000"/>
-          </a:ln>
-          <a:effectLst/>
-          <a:sp3d/>
-        </p:spPr>
-        <p:style>
-          <a:lnRef idx="0">
-            <a:scrgbClr r="0" g="0" b="0"/>
-          </a:lnRef>
-          <a:fillRef idx="0">
-            <a:scrgbClr r="0" g="0" b="0"/>
-          </a:fillRef>
-          <a:effectRef idx="0">
-            <a:scrgbClr r="0" g="0" b="0"/>
-          </a:effectRef>
-          <a:fontRef idx="none"/>
-        </p:style>
-        <p:txBody>
-          <a:bodyPr rot="0" spcFirstLastPara="1" vertOverflow="overflow" horzOverflow="overflow" vert="horz" wrap="square" lIns="50800" tIns="50800" rIns="50800" bIns="50800" numCol="1" spcCol="38100" rtlCol="0" anchor="ctr">
-            <a:spAutoFit/>
-          </a:bodyPr>
-          <a:lstStyle/>
-          <a:p>
-            <a:pPr marL="0" marR="0" indent="0" algn="ctr" defTabSz="2438338" rtl="0" fontAlgn="auto" latinLnBrk="0" hangingPunct="0">
-              <a:lnSpc>
-                <a:spcPct val="100000"/>
-              </a:lnSpc>
-              <a:spcBef>
-                <a:spcPts val="0"/>
-              </a:spcBef>
-              <a:spcAft>
-                <a:spcPts val="0"/>
-              </a:spcAft>
-              <a:buClrTx/>
-              <a:buSzTx/>
-              <a:buFontTx/>
-              <a:buNone/>
-              <a:tabLst/>
-            </a:pPr>
-            <a:r>
-              <a:rPr kumimoji="0" lang="en-US" sz="2400" b="0" i="0" u="none" strike="noStrike" cap="none" spc="0" normalizeH="0" baseline="0" dirty="0">
-                <a:ln>
-                  <a:noFill/>
-                </a:ln>
-                <a:solidFill>
-                  <a:srgbClr val="5E5E5E"/>
-                </a:solidFill>
-                <a:effectLst/>
-                <a:uFillTx/>
-                <a:latin typeface="+mn-lt"/>
-                <a:ea typeface="+mn-ea"/>
-                <a:cs typeface="+mn-cs"/>
-                <a:sym typeface="Helvetica Neue"/>
-              </a:rPr>
-              <a:t>US</a:t>
-            </a:r>
-          </a:p>
-          <a:p>
-            <a:pPr marL="0" marR="0" indent="0" algn="ctr" defTabSz="2438338" rtl="0" fontAlgn="auto" latinLnBrk="0" hangingPunct="0">
-              <a:lnSpc>
-                <a:spcPct val="100000"/>
-              </a:lnSpc>
-              <a:spcBef>
-                <a:spcPts val="0"/>
-              </a:spcBef>
-              <a:spcAft>
-                <a:spcPts val="0"/>
-              </a:spcAft>
-              <a:buClrTx/>
-              <a:buSzTx/>
-              <a:buFontTx/>
-              <a:buNone/>
-              <a:tabLst/>
-            </a:pPr>
-            <a:r>
-              <a:rPr lang="en-US" dirty="0"/>
-              <a:t>0,11%</a:t>
-            </a:r>
-            <a:endParaRPr kumimoji="0" lang="en-DE" sz="2400" b="0" i="0" u="none" strike="noStrike" cap="none" spc="0" normalizeH="0" baseline="0" dirty="0">
-              <a:ln>
-                <a:noFill/>
-              </a:ln>
-              <a:solidFill>
-                <a:srgbClr val="5E5E5E"/>
-              </a:solidFill>
-              <a:effectLst/>
-              <a:uFillTx/>
-              <a:latin typeface="+mn-lt"/>
-              <a:ea typeface="+mn-ea"/>
-              <a:cs typeface="+mn-cs"/>
-              <a:sym typeface="Helvetica Neue"/>
-            </a:endParaRPr>
-          </a:p>
-        </p:txBody>
-      </p:sp>
-      <p:sp>
-        <p:nvSpPr>
-          <p:cNvPr id="2" name="Balcony">
-            <a:extLst>
-              <a:ext uri="{FF2B5EF4-FFF2-40B4-BE49-F238E27FC236}">
-                <a16:creationId xmlns:a16="http://schemas.microsoft.com/office/drawing/2014/main" id="{794FD91E-38A3-434F-BAEF-E8E24FAB2CFA}"/>
-              </a:ext>
-            </a:extLst>
-          </p:cNvPr>
-          <p:cNvSpPr/>
-          <p:nvPr/>
-        </p:nvSpPr>
-        <p:spPr>
-          <a:xfrm>
-            <a:off x="16098464" y="271700"/>
-            <a:ext cx="3921765" cy="2161497"/>
-          </a:xfrm>
-          <a:prstGeom prst="rect">
-            <a:avLst/>
-          </a:prstGeom>
-          <a:ln w="12700">
-            <a:solidFill>
-              <a:srgbClr val="000000"/>
-            </a:solidFill>
-            <a:miter lim="400000"/>
-          </a:ln>
-          <a:extLst>
-            <a:ext uri="{C572A759-6A51-4108-AA02-DFA0A04FC94B}">
-              <ma14:wrappingTextBoxFlag xmlns="" xmlns:m="http://schemas.openxmlformats.org/officeDocument/2006/math" xmlns:a14="http://schemas.microsoft.com/office/drawing/2010/main" xmlns:ma14="http://schemas.microsoft.com/office/mac/drawingml/2011/main" val="1"/>
-            </a:ext>
-          </a:extLst>
-        </p:spPr>
-        <p:txBody>
-          <a:bodyPr lIns="50800" tIns="50800" rIns="50800" bIns="50800"/>
-          <a:lstStyle>
-            <a:lvl1pPr defTabSz="825500">
-              <a:defRPr sz="3200">
-                <a:solidFill>
-                  <a:srgbClr val="000000"/>
-                </a:solidFill>
-                <a:latin typeface="Helvetica Neue Medium"/>
-                <a:ea typeface="Helvetica Neue Medium"/>
-                <a:cs typeface="Helvetica Neue Medium"/>
-                <a:sym typeface="Helvetica Neue Medium"/>
-              </a:defRPr>
-            </a:lvl1pPr>
-          </a:lstStyle>
-          <a:p>
-            <a:r>
-              <a:rPr lang="en-US" dirty="0"/>
-              <a:t>Basement</a:t>
-            </a:r>
-            <a:endParaRPr dirty="0"/>
           </a:p>
         </p:txBody>
       </p:sp>

--- a/House_Layout_PPT.pptx
+++ b/House_Layout_PPT.pptx
@@ -2730,7 +2730,7 @@
           </a:ln>
           <a:extLst>
             <a:ext uri="{C572A759-6A51-4108-AA02-DFA0A04FC94B}">
-              <ma14:wrappingTextBoxFlag xmlns="" xmlns:m="http://schemas.openxmlformats.org/officeDocument/2006/math" xmlns:a14="http://schemas.microsoft.com/office/drawing/2010/main" xmlns:ma14="http://schemas.microsoft.com/office/mac/drawingml/2011/main" val="1"/>
+              <ma14:wrappingTextBoxFlag xmlns:ma14="http://schemas.microsoft.com/office/mac/drawingml/2011/main" xmlns:a14="http://schemas.microsoft.com/office/drawing/2010/main" xmlns:m="http://schemas.openxmlformats.org/officeDocument/2006/math" xmlns="" val="1"/>
             </a:ext>
           </a:extLst>
         </p:spPr>
@@ -2769,7 +2769,7 @@
           </a:ln>
           <a:extLst>
             <a:ext uri="{C572A759-6A51-4108-AA02-DFA0A04FC94B}">
-              <ma14:wrappingTextBoxFlag xmlns="" xmlns:m="http://schemas.openxmlformats.org/officeDocument/2006/math" xmlns:a14="http://schemas.microsoft.com/office/drawing/2010/main" xmlns:ma14="http://schemas.microsoft.com/office/mac/drawingml/2011/main" val="1"/>
+              <ma14:wrappingTextBoxFlag xmlns:ma14="http://schemas.microsoft.com/office/mac/drawingml/2011/main" xmlns:a14="http://schemas.microsoft.com/office/drawing/2010/main" xmlns:m="http://schemas.openxmlformats.org/officeDocument/2006/math" xmlns="" val="1"/>
             </a:ext>
           </a:extLst>
         </p:spPr>
@@ -3616,7 +3616,7 @@
           </a:ln>
           <a:extLst>
             <a:ext uri="{C572A759-6A51-4108-AA02-DFA0A04FC94B}">
-              <ma14:wrappingTextBoxFlag xmlns="" xmlns:m="http://schemas.openxmlformats.org/officeDocument/2006/math" xmlns:a14="http://schemas.microsoft.com/office/drawing/2010/main" xmlns:ma14="http://schemas.microsoft.com/office/mac/drawingml/2011/main" val="1"/>
+              <ma14:wrappingTextBoxFlag xmlns:ma14="http://schemas.microsoft.com/office/mac/drawingml/2011/main" xmlns:a14="http://schemas.microsoft.com/office/drawing/2010/main" xmlns:m="http://schemas.openxmlformats.org/officeDocument/2006/math" xmlns="" val="1"/>
             </a:ext>
           </a:extLst>
         </p:spPr>
@@ -3664,7 +3664,7 @@
           </a:ln>
           <a:extLst>
             <a:ext uri="{C572A759-6A51-4108-AA02-DFA0A04FC94B}">
-              <ma14:wrappingTextBoxFlag xmlns="" xmlns:m="http://schemas.openxmlformats.org/officeDocument/2006/math" xmlns:a14="http://schemas.microsoft.com/office/drawing/2010/main" xmlns:ma14="http://schemas.microsoft.com/office/mac/drawingml/2011/main" val="1"/>
+              <ma14:wrappingTextBoxFlag xmlns:ma14="http://schemas.microsoft.com/office/mac/drawingml/2011/main" xmlns:a14="http://schemas.microsoft.com/office/drawing/2010/main" xmlns:m="http://schemas.openxmlformats.org/officeDocument/2006/math" xmlns="" val="1"/>
             </a:ext>
           </a:extLst>
         </p:spPr>
@@ -3712,7 +3712,7 @@
           </a:ln>
           <a:extLst>
             <a:ext uri="{C572A759-6A51-4108-AA02-DFA0A04FC94B}">
-              <ma14:wrappingTextBoxFlag xmlns="" xmlns:m="http://schemas.openxmlformats.org/officeDocument/2006/math" xmlns:a14="http://schemas.microsoft.com/office/drawing/2010/main" xmlns:ma14="http://schemas.microsoft.com/office/mac/drawingml/2011/main" val="1"/>
+              <ma14:wrappingTextBoxFlag xmlns:ma14="http://schemas.microsoft.com/office/mac/drawingml/2011/main" xmlns:a14="http://schemas.microsoft.com/office/drawing/2010/main" xmlns:m="http://schemas.openxmlformats.org/officeDocument/2006/math" xmlns="" val="1"/>
             </a:ext>
           </a:extLst>
         </p:spPr>
@@ -3760,7 +3760,7 @@
           </a:ln>
           <a:extLst>
             <a:ext uri="{C572A759-6A51-4108-AA02-DFA0A04FC94B}">
-              <ma14:wrappingTextBoxFlag xmlns="" xmlns:m="http://schemas.openxmlformats.org/officeDocument/2006/math" xmlns:a14="http://schemas.microsoft.com/office/drawing/2010/main" xmlns:ma14="http://schemas.microsoft.com/office/mac/drawingml/2011/main" val="1"/>
+              <ma14:wrappingTextBoxFlag xmlns:ma14="http://schemas.microsoft.com/office/mac/drawingml/2011/main" xmlns:a14="http://schemas.microsoft.com/office/drawing/2010/main" xmlns:m="http://schemas.openxmlformats.org/officeDocument/2006/math" xmlns="" val="1"/>
             </a:ext>
           </a:extLst>
         </p:spPr>
@@ -3808,7 +3808,7 @@
           </a:ln>
           <a:extLst>
             <a:ext uri="{C572A759-6A51-4108-AA02-DFA0A04FC94B}">
-              <ma14:wrappingTextBoxFlag xmlns="" xmlns:m="http://schemas.openxmlformats.org/officeDocument/2006/math" xmlns:a14="http://schemas.microsoft.com/office/drawing/2010/main" xmlns:ma14="http://schemas.microsoft.com/office/mac/drawingml/2011/main" val="1"/>
+              <ma14:wrappingTextBoxFlag xmlns:ma14="http://schemas.microsoft.com/office/mac/drawingml/2011/main" xmlns:a14="http://schemas.microsoft.com/office/drawing/2010/main" xmlns:m="http://schemas.openxmlformats.org/officeDocument/2006/math" xmlns="" val="1"/>
             </a:ext>
           </a:extLst>
         </p:spPr>
@@ -3856,7 +3856,7 @@
           </a:ln>
           <a:extLst>
             <a:ext uri="{C572A759-6A51-4108-AA02-DFA0A04FC94B}">
-              <ma14:wrappingTextBoxFlag xmlns="" xmlns:m="http://schemas.openxmlformats.org/officeDocument/2006/math" xmlns:a14="http://schemas.microsoft.com/office/drawing/2010/main" xmlns:ma14="http://schemas.microsoft.com/office/mac/drawingml/2011/main" val="1"/>
+              <ma14:wrappingTextBoxFlag xmlns:ma14="http://schemas.microsoft.com/office/mac/drawingml/2011/main" xmlns:a14="http://schemas.microsoft.com/office/drawing/2010/main" xmlns:m="http://schemas.openxmlformats.org/officeDocument/2006/math" xmlns="" val="1"/>
             </a:ext>
           </a:extLst>
         </p:spPr>
@@ -3906,7 +3906,7 @@
           </a:ln>
           <a:extLst>
             <a:ext uri="{C572A759-6A51-4108-AA02-DFA0A04FC94B}">
-              <ma14:wrappingTextBoxFlag xmlns="" xmlns:m="http://schemas.openxmlformats.org/officeDocument/2006/math" xmlns:a14="http://schemas.microsoft.com/office/drawing/2010/main" xmlns:ma14="http://schemas.microsoft.com/office/mac/drawingml/2011/main" val="1"/>
+              <ma14:wrappingTextBoxFlag xmlns:ma14="http://schemas.microsoft.com/office/mac/drawingml/2011/main" xmlns:a14="http://schemas.microsoft.com/office/drawing/2010/main" xmlns:m="http://schemas.openxmlformats.org/officeDocument/2006/math" xmlns="" val="1"/>
             </a:ext>
           </a:extLst>
         </p:spPr>
@@ -3954,7 +3954,7 @@
           </a:ln>
           <a:extLst>
             <a:ext uri="{C572A759-6A51-4108-AA02-DFA0A04FC94B}">
-              <ma14:wrappingTextBoxFlag xmlns="" xmlns:m="http://schemas.openxmlformats.org/officeDocument/2006/math" xmlns:a14="http://schemas.microsoft.com/office/drawing/2010/main" xmlns:ma14="http://schemas.microsoft.com/office/mac/drawingml/2011/main" val="1"/>
+              <ma14:wrappingTextBoxFlag xmlns:ma14="http://schemas.microsoft.com/office/mac/drawingml/2011/main" xmlns:a14="http://schemas.microsoft.com/office/drawing/2010/main" xmlns:m="http://schemas.openxmlformats.org/officeDocument/2006/math" xmlns="" val="1"/>
             </a:ext>
           </a:extLst>
         </p:spPr>
@@ -4002,7 +4002,7 @@
           </a:ln>
           <a:extLst>
             <a:ext uri="{C572A759-6A51-4108-AA02-DFA0A04FC94B}">
-              <ma14:wrappingTextBoxFlag xmlns="" xmlns:m="http://schemas.openxmlformats.org/officeDocument/2006/math" xmlns:a14="http://schemas.microsoft.com/office/drawing/2010/main" xmlns:ma14="http://schemas.microsoft.com/office/mac/drawingml/2011/main" val="1"/>
+              <ma14:wrappingTextBoxFlag xmlns:ma14="http://schemas.microsoft.com/office/mac/drawingml/2011/main" xmlns:a14="http://schemas.microsoft.com/office/drawing/2010/main" xmlns:m="http://schemas.openxmlformats.org/officeDocument/2006/math" xmlns="" val="1"/>
             </a:ext>
           </a:extLst>
         </p:spPr>
@@ -4051,7 +4051,7 @@
           </a:ln>
           <a:extLst>
             <a:ext uri="{C572A759-6A51-4108-AA02-DFA0A04FC94B}">
-              <ma14:wrappingTextBoxFlag xmlns="" xmlns:m="http://schemas.openxmlformats.org/officeDocument/2006/math" xmlns:a14="http://schemas.microsoft.com/office/drawing/2010/main" xmlns:ma14="http://schemas.microsoft.com/office/mac/drawingml/2011/main" val="1"/>
+              <ma14:wrappingTextBoxFlag xmlns:ma14="http://schemas.microsoft.com/office/mac/drawingml/2011/main" xmlns:a14="http://schemas.microsoft.com/office/drawing/2010/main" xmlns:m="http://schemas.openxmlformats.org/officeDocument/2006/math" xmlns="" val="1"/>
             </a:ext>
           </a:extLst>
         </p:spPr>
@@ -4176,7 +4176,7 @@
           </a:ln>
           <a:extLst>
             <a:ext uri="{C572A759-6A51-4108-AA02-DFA0A04FC94B}">
-              <ma14:wrappingTextBoxFlag xmlns="" xmlns:m="http://schemas.openxmlformats.org/officeDocument/2006/math" xmlns:a14="http://schemas.microsoft.com/office/drawing/2010/main" xmlns:ma14="http://schemas.microsoft.com/office/mac/drawingml/2011/main" val="1"/>
+              <ma14:wrappingTextBoxFlag xmlns:ma14="http://schemas.microsoft.com/office/mac/drawingml/2011/main" xmlns:a14="http://schemas.microsoft.com/office/drawing/2010/main" xmlns:m="http://schemas.openxmlformats.org/officeDocument/2006/math" xmlns="" val="1"/>
             </a:ext>
           </a:extLst>
         </p:spPr>
@@ -4231,7 +4231,7 @@
           </a:ln>
           <a:extLst>
             <a:ext uri="{C572A759-6A51-4108-AA02-DFA0A04FC94B}">
-              <ma14:wrappingTextBoxFlag xmlns:ma14="http://schemas.microsoft.com/office/mac/drawingml/2011/main" xmlns:a14="http://schemas.microsoft.com/office/drawing/2010/main" xmlns:m="http://schemas.openxmlformats.org/officeDocument/2006/math" xmlns="" val="1"/>
+              <ma14:wrappingTextBoxFlag xmlns="" xmlns:m="http://schemas.openxmlformats.org/officeDocument/2006/math" xmlns:a14="http://schemas.microsoft.com/office/drawing/2010/main" xmlns:ma14="http://schemas.microsoft.com/office/mac/drawingml/2011/main" val="1"/>
             </a:ext>
           </a:extLst>
         </p:spPr>
@@ -4914,7 +4914,7 @@
         </p:nvSpPr>
         <p:spPr>
           <a:xfrm>
-            <a:off x="12915596" y="7054195"/>
+            <a:off x="12915596" y="6858000"/>
             <a:ext cx="1596997" cy="461665"/>
           </a:xfrm>
           <a:prstGeom prst="rect">
@@ -5328,8 +5328,8 @@
         </p:nvSpPr>
         <p:spPr>
           <a:xfrm>
-            <a:off x="10714865" y="9975995"/>
-            <a:ext cx="1548000" cy="1548000"/>
+            <a:off x="9894736" y="9860547"/>
+            <a:ext cx="3096000" cy="3096000"/>
           </a:xfrm>
           <a:prstGeom prst="ellipse">
             <a:avLst/>
@@ -5412,7 +5412,7 @@
         </p:nvSpPr>
         <p:spPr>
           <a:xfrm>
-            <a:off x="14335520" y="9847248"/>
+            <a:off x="14883895" y="9807571"/>
             <a:ext cx="576000" cy="576000"/>
           </a:xfrm>
           <a:prstGeom prst="ellipse">
@@ -5496,7 +5496,7 @@
         </p:nvSpPr>
         <p:spPr>
           <a:xfrm>
-            <a:off x="19579044" y="10135248"/>
+            <a:off x="19874238" y="9757360"/>
             <a:ext cx="61200" cy="61200"/>
           </a:xfrm>
           <a:prstGeom prst="ellipse">
@@ -5580,7 +5580,7 @@
         </p:nvSpPr>
         <p:spPr>
           <a:xfrm>
-            <a:off x="15312295" y="6969929"/>
+            <a:off x="13566494" y="7319665"/>
             <a:ext cx="295200" cy="295200"/>
           </a:xfrm>
           <a:prstGeom prst="ellipse">
